--- a/Lead Scoring Case Study.pptx
+++ b/Lead Scoring Case Study.pptx
@@ -14,15 +14,15 @@
     <p:sldId id="258" r:id="rId5"/>
     <p:sldId id="270" r:id="rId6"/>
     <p:sldId id="271" r:id="rId7"/>
-    <p:sldId id="259" r:id="rId8"/>
-    <p:sldId id="262" r:id="rId9"/>
-    <p:sldId id="261" r:id="rId10"/>
-    <p:sldId id="263" r:id="rId11"/>
-    <p:sldId id="264" r:id="rId12"/>
-    <p:sldId id="265" r:id="rId13"/>
-    <p:sldId id="269" r:id="rId14"/>
-    <p:sldId id="266" r:id="rId15"/>
-    <p:sldId id="267" r:id="rId16"/>
+    <p:sldId id="272" r:id="rId8"/>
+    <p:sldId id="273" r:id="rId9"/>
+    <p:sldId id="274" r:id="rId10"/>
+    <p:sldId id="276" r:id="rId11"/>
+    <p:sldId id="277" r:id="rId12"/>
+    <p:sldId id="278" r:id="rId13"/>
+    <p:sldId id="279" r:id="rId14"/>
+    <p:sldId id="280" r:id="rId15"/>
+    <p:sldId id="281" r:id="rId16"/>
   </p:sldIdLst>
   <p:sldSz cx="12192000" cy="6858000"/>
   <p:notesSz cx="6858000" cy="9144000"/>
@@ -563,6 +563,258 @@
 </p:notes>
 </file>
 
+<file path=ppt/notesSlides/notesSlide10.xml><?xml version="1.0" encoding="utf-8"?>
+<p:notes xmlns:a="http://schemas.openxmlformats.org/drawingml/2006/main" xmlns:r="http://schemas.openxmlformats.org/officeDocument/2006/relationships" xmlns:p="http://schemas.openxmlformats.org/presentationml/2006/main">
+  <p:cSld>
+    <p:spTree>
+      <p:nvGrpSpPr>
+        <p:cNvPr id="1" name=""/>
+        <p:cNvGrpSpPr/>
+        <p:nvPr/>
+      </p:nvGrpSpPr>
+      <p:grpSpPr>
+        <a:xfrm>
+          <a:off x="0" y="0"/>
+          <a:ext cx="0" cy="0"/>
+          <a:chOff x="0" y="0"/>
+          <a:chExt cx="0" cy="0"/>
+        </a:xfrm>
+      </p:grpSpPr>
+      <p:sp>
+        <p:nvSpPr>
+          <p:cNvPr id="2" name="Slide Image Placeholder 1"/>
+          <p:cNvSpPr>
+            <a:spLocks noGrp="1" noRot="1" noChangeAspect="1"/>
+          </p:cNvSpPr>
+          <p:nvPr>
+            <p:ph type="sldImg"/>
+          </p:nvPr>
+        </p:nvSpPr>
+        <p:spPr/>
+      </p:sp>
+      <p:sp>
+        <p:nvSpPr>
+          <p:cNvPr id="3" name="Notes Placeholder 2"/>
+          <p:cNvSpPr>
+            <a:spLocks noGrp="1"/>
+          </p:cNvSpPr>
+          <p:nvPr>
+            <p:ph type="body" idx="1"/>
+          </p:nvPr>
+        </p:nvSpPr>
+        <p:spPr/>
+        <p:txBody>
+          <a:bodyPr/>
+          <a:lstStyle/>
+          <a:p>
+            <a:endParaRPr lang="en-IN" dirty="0"/>
+          </a:p>
+        </p:txBody>
+      </p:sp>
+      <p:sp>
+        <p:nvSpPr>
+          <p:cNvPr id="4" name="Slide Number Placeholder 3"/>
+          <p:cNvSpPr>
+            <a:spLocks noGrp="1"/>
+          </p:cNvSpPr>
+          <p:nvPr>
+            <p:ph type="sldNum" sz="quarter" idx="5"/>
+          </p:nvPr>
+        </p:nvSpPr>
+        <p:spPr/>
+        <p:txBody>
+          <a:bodyPr/>
+          <a:lstStyle/>
+          <a:p>
+            <a:fld id="{F3052E9A-7786-40FB-8790-2BE8D6844321}" type="slidenum">
+              <a:rPr lang="en-IN" smtClean="0"/>
+              <a:t>13</a:t>
+            </a:fld>
+            <a:endParaRPr lang="en-IN"/>
+          </a:p>
+        </p:txBody>
+      </p:sp>
+    </p:spTree>
+    <p:extLst>
+      <p:ext uri="{BB962C8B-B14F-4D97-AF65-F5344CB8AC3E}">
+        <p14:creationId xmlns:p14="http://schemas.microsoft.com/office/powerpoint/2010/main" val="1542009390"/>
+      </p:ext>
+    </p:extLst>
+  </p:cSld>
+  <p:clrMapOvr>
+    <a:masterClrMapping/>
+  </p:clrMapOvr>
+</p:notes>
+</file>
+
+<file path=ppt/notesSlides/notesSlide11.xml><?xml version="1.0" encoding="utf-8"?>
+<p:notes xmlns:a="http://schemas.openxmlformats.org/drawingml/2006/main" xmlns:r="http://schemas.openxmlformats.org/officeDocument/2006/relationships" xmlns:p="http://schemas.openxmlformats.org/presentationml/2006/main">
+  <p:cSld>
+    <p:spTree>
+      <p:nvGrpSpPr>
+        <p:cNvPr id="1" name=""/>
+        <p:cNvGrpSpPr/>
+        <p:nvPr/>
+      </p:nvGrpSpPr>
+      <p:grpSpPr>
+        <a:xfrm>
+          <a:off x="0" y="0"/>
+          <a:ext cx="0" cy="0"/>
+          <a:chOff x="0" y="0"/>
+          <a:chExt cx="0" cy="0"/>
+        </a:xfrm>
+      </p:grpSpPr>
+      <p:sp>
+        <p:nvSpPr>
+          <p:cNvPr id="2" name="Slide Image Placeholder 1"/>
+          <p:cNvSpPr>
+            <a:spLocks noGrp="1" noRot="1" noChangeAspect="1"/>
+          </p:cNvSpPr>
+          <p:nvPr>
+            <p:ph type="sldImg"/>
+          </p:nvPr>
+        </p:nvSpPr>
+        <p:spPr/>
+      </p:sp>
+      <p:sp>
+        <p:nvSpPr>
+          <p:cNvPr id="3" name="Notes Placeholder 2"/>
+          <p:cNvSpPr>
+            <a:spLocks noGrp="1"/>
+          </p:cNvSpPr>
+          <p:nvPr>
+            <p:ph type="body" idx="1"/>
+          </p:nvPr>
+        </p:nvSpPr>
+        <p:spPr/>
+        <p:txBody>
+          <a:bodyPr/>
+          <a:lstStyle/>
+          <a:p>
+            <a:endParaRPr lang="en-IN" dirty="0"/>
+          </a:p>
+        </p:txBody>
+      </p:sp>
+      <p:sp>
+        <p:nvSpPr>
+          <p:cNvPr id="4" name="Slide Number Placeholder 3"/>
+          <p:cNvSpPr>
+            <a:spLocks noGrp="1"/>
+          </p:cNvSpPr>
+          <p:nvPr>
+            <p:ph type="sldNum" sz="quarter" idx="5"/>
+          </p:nvPr>
+        </p:nvSpPr>
+        <p:spPr/>
+        <p:txBody>
+          <a:bodyPr/>
+          <a:lstStyle/>
+          <a:p>
+            <a:fld id="{F3052E9A-7786-40FB-8790-2BE8D6844321}" type="slidenum">
+              <a:rPr lang="en-IN" smtClean="0"/>
+              <a:t>14</a:t>
+            </a:fld>
+            <a:endParaRPr lang="en-IN"/>
+          </a:p>
+        </p:txBody>
+      </p:sp>
+    </p:spTree>
+    <p:extLst>
+      <p:ext uri="{BB962C8B-B14F-4D97-AF65-F5344CB8AC3E}">
+        <p14:creationId xmlns:p14="http://schemas.microsoft.com/office/powerpoint/2010/main" val="447847623"/>
+      </p:ext>
+    </p:extLst>
+  </p:cSld>
+  <p:clrMapOvr>
+    <a:masterClrMapping/>
+  </p:clrMapOvr>
+</p:notes>
+</file>
+
+<file path=ppt/notesSlides/notesSlide12.xml><?xml version="1.0" encoding="utf-8"?>
+<p:notes xmlns:a="http://schemas.openxmlformats.org/drawingml/2006/main" xmlns:r="http://schemas.openxmlformats.org/officeDocument/2006/relationships" xmlns:p="http://schemas.openxmlformats.org/presentationml/2006/main">
+  <p:cSld>
+    <p:spTree>
+      <p:nvGrpSpPr>
+        <p:cNvPr id="1" name=""/>
+        <p:cNvGrpSpPr/>
+        <p:nvPr/>
+      </p:nvGrpSpPr>
+      <p:grpSpPr>
+        <a:xfrm>
+          <a:off x="0" y="0"/>
+          <a:ext cx="0" cy="0"/>
+          <a:chOff x="0" y="0"/>
+          <a:chExt cx="0" cy="0"/>
+        </a:xfrm>
+      </p:grpSpPr>
+      <p:sp>
+        <p:nvSpPr>
+          <p:cNvPr id="2" name="Slide Image Placeholder 1"/>
+          <p:cNvSpPr>
+            <a:spLocks noGrp="1" noRot="1" noChangeAspect="1"/>
+          </p:cNvSpPr>
+          <p:nvPr>
+            <p:ph type="sldImg"/>
+          </p:nvPr>
+        </p:nvSpPr>
+        <p:spPr/>
+      </p:sp>
+      <p:sp>
+        <p:nvSpPr>
+          <p:cNvPr id="3" name="Notes Placeholder 2"/>
+          <p:cNvSpPr>
+            <a:spLocks noGrp="1"/>
+          </p:cNvSpPr>
+          <p:nvPr>
+            <p:ph type="body" idx="1"/>
+          </p:nvPr>
+        </p:nvSpPr>
+        <p:spPr/>
+        <p:txBody>
+          <a:bodyPr/>
+          <a:lstStyle/>
+          <a:p>
+            <a:endParaRPr lang="en-IN" dirty="0"/>
+          </a:p>
+        </p:txBody>
+      </p:sp>
+      <p:sp>
+        <p:nvSpPr>
+          <p:cNvPr id="4" name="Slide Number Placeholder 3"/>
+          <p:cNvSpPr>
+            <a:spLocks noGrp="1"/>
+          </p:cNvSpPr>
+          <p:nvPr>
+            <p:ph type="sldNum" sz="quarter" idx="5"/>
+          </p:nvPr>
+        </p:nvSpPr>
+        <p:spPr/>
+        <p:txBody>
+          <a:bodyPr/>
+          <a:lstStyle/>
+          <a:p>
+            <a:fld id="{F3052E9A-7786-40FB-8790-2BE8D6844321}" type="slidenum">
+              <a:rPr lang="en-IN" smtClean="0"/>
+              <a:t>15</a:t>
+            </a:fld>
+            <a:endParaRPr lang="en-IN"/>
+          </a:p>
+        </p:txBody>
+      </p:sp>
+    </p:spTree>
+    <p:extLst>
+      <p:ext uri="{BB962C8B-B14F-4D97-AF65-F5344CB8AC3E}">
+        <p14:creationId xmlns:p14="http://schemas.microsoft.com/office/powerpoint/2010/main" val="2012305727"/>
+      </p:ext>
+    </p:extLst>
+  </p:cSld>
+  <p:clrMapOvr>
+    <a:masterClrMapping/>
+  </p:clrMapOvr>
+</p:notes>
+</file>
+
 <file path=ppt/notesSlides/notesSlide2.xml><?xml version="1.0" encoding="utf-8"?>
 <p:notes xmlns:a="http://schemas.openxmlformats.org/drawingml/2006/main" xmlns:r="http://schemas.openxmlformats.org/officeDocument/2006/relationships" xmlns:p="http://schemas.openxmlformats.org/presentationml/2006/main">
   <p:cSld>
@@ -775,68 +1027,6 @@
           <a:bodyPr/>
           <a:lstStyle/>
           <a:p>
-            <a:r>
-              <a:rPr lang="en-US" dirty="0"/>
-              <a:t>Imputing 4 missing "Gender" values based on income level</a:t>
-            </a:r>
-          </a:p>
-          <a:p>
-            <a:pPr lvl="1"/>
-            <a:r>
-              <a:rPr lang="en-US" dirty="0"/>
-              <a:t>If income is less than 2Lakh (200000) then Female else Male</a:t>
-            </a:r>
-          </a:p>
-          <a:p>
-            <a:r>
-              <a:rPr lang="en-US" dirty="0"/>
-              <a:t>Imputing missing values for people accompanying </a:t>
-            </a:r>
-            <a:r>
-              <a:rPr lang="en-US" sz="1800" dirty="0"/>
-              <a:t>(NAME_TYPE_SUITE) </a:t>
-            </a:r>
-            <a:r>
-              <a:rPr lang="en-US" dirty="0"/>
-              <a:t>the loan applicant</a:t>
-            </a:r>
-          </a:p>
-          <a:p>
-            <a:pPr lvl="1"/>
-            <a:r>
-              <a:rPr lang="en-US" dirty="0"/>
-              <a:t>Replacing missing values with mode (most commonly occurring instance/value)</a:t>
-            </a:r>
-          </a:p>
-          <a:p>
-            <a:pPr lvl="1"/>
-            <a:r>
-              <a:rPr lang="en-US" dirty="0"/>
-              <a:t>In this case "Unaccompanied", which in business terms makes correct sense</a:t>
-            </a:r>
-          </a:p>
-          <a:p>
-            <a:r>
-              <a:rPr lang="en-US" dirty="0"/>
-              <a:t>Handling missing values in Occupation type</a:t>
-            </a:r>
-          </a:p>
-          <a:p>
-            <a:pPr lvl="1"/>
-            <a:r>
-              <a:rPr lang="en-US" dirty="0"/>
-              <a:t>According to the above value counts for occupation, it is clear that more than 30 percent of applicants have not disclosed their Occupation, which is very high proportion, and imputing with available values induces skewness in data or meaning of interpretation may get altered.</a:t>
-            </a:r>
-          </a:p>
-          <a:p>
-            <a:pPr lvl="1"/>
-            <a:r>
-              <a:rPr lang="en-US" dirty="0"/>
-              <a:t>Hence, we will mark the missing values with a new label -&gt; "(Not Disclosed)"</a:t>
-            </a:r>
-            <a:endParaRPr lang="en-IN" dirty="0"/>
-          </a:p>
-          <a:p>
             <a:endParaRPr lang="en-IN" dirty="0"/>
           </a:p>
         </p:txBody>
@@ -858,7 +1048,7 @@
           <a:p>
             <a:fld id="{F3052E9A-7786-40FB-8790-2BE8D6844321}" type="slidenum">
               <a:rPr lang="en-IN" smtClean="0"/>
-              <a:t>8</a:t>
+              <a:t>7</a:t>
             </a:fld>
             <a:endParaRPr lang="en-IN"/>
           </a:p>
@@ -867,7 +1057,7 @@
     </p:spTree>
     <p:extLst>
       <p:ext uri="{BB962C8B-B14F-4D97-AF65-F5344CB8AC3E}">
-        <p14:creationId xmlns:p14="http://schemas.microsoft.com/office/powerpoint/2010/main" val="31858821"/>
+        <p14:creationId xmlns:p14="http://schemas.microsoft.com/office/powerpoint/2010/main" val="2627843609"/>
       </p:ext>
     </p:extLst>
   </p:cSld>
@@ -942,7 +1132,7 @@
           <a:p>
             <a:fld id="{F3052E9A-7786-40FB-8790-2BE8D6844321}" type="slidenum">
               <a:rPr lang="en-IN" smtClean="0"/>
-              <a:t>13</a:t>
+              <a:t>8</a:t>
             </a:fld>
             <a:endParaRPr lang="en-IN"/>
           </a:p>
@@ -951,7 +1141,343 @@
     </p:spTree>
     <p:extLst>
       <p:ext uri="{BB962C8B-B14F-4D97-AF65-F5344CB8AC3E}">
-        <p14:creationId xmlns:p14="http://schemas.microsoft.com/office/powerpoint/2010/main" val="623254714"/>
+        <p14:creationId xmlns:p14="http://schemas.microsoft.com/office/powerpoint/2010/main" val="3587485926"/>
+      </p:ext>
+    </p:extLst>
+  </p:cSld>
+  <p:clrMapOvr>
+    <a:masterClrMapping/>
+  </p:clrMapOvr>
+</p:notes>
+</file>
+
+<file path=ppt/notesSlides/notesSlide6.xml><?xml version="1.0" encoding="utf-8"?>
+<p:notes xmlns:a="http://schemas.openxmlformats.org/drawingml/2006/main" xmlns:r="http://schemas.openxmlformats.org/officeDocument/2006/relationships" xmlns:p="http://schemas.openxmlformats.org/presentationml/2006/main">
+  <p:cSld>
+    <p:spTree>
+      <p:nvGrpSpPr>
+        <p:cNvPr id="1" name=""/>
+        <p:cNvGrpSpPr/>
+        <p:nvPr/>
+      </p:nvGrpSpPr>
+      <p:grpSpPr>
+        <a:xfrm>
+          <a:off x="0" y="0"/>
+          <a:ext cx="0" cy="0"/>
+          <a:chOff x="0" y="0"/>
+          <a:chExt cx="0" cy="0"/>
+        </a:xfrm>
+      </p:grpSpPr>
+      <p:sp>
+        <p:nvSpPr>
+          <p:cNvPr id="2" name="Slide Image Placeholder 1"/>
+          <p:cNvSpPr>
+            <a:spLocks noGrp="1" noRot="1" noChangeAspect="1"/>
+          </p:cNvSpPr>
+          <p:nvPr>
+            <p:ph type="sldImg"/>
+          </p:nvPr>
+        </p:nvSpPr>
+        <p:spPr/>
+      </p:sp>
+      <p:sp>
+        <p:nvSpPr>
+          <p:cNvPr id="3" name="Notes Placeholder 2"/>
+          <p:cNvSpPr>
+            <a:spLocks noGrp="1"/>
+          </p:cNvSpPr>
+          <p:nvPr>
+            <p:ph type="body" idx="1"/>
+          </p:nvPr>
+        </p:nvSpPr>
+        <p:spPr/>
+        <p:txBody>
+          <a:bodyPr/>
+          <a:lstStyle/>
+          <a:p>
+            <a:endParaRPr lang="en-IN" dirty="0"/>
+          </a:p>
+        </p:txBody>
+      </p:sp>
+      <p:sp>
+        <p:nvSpPr>
+          <p:cNvPr id="4" name="Slide Number Placeholder 3"/>
+          <p:cNvSpPr>
+            <a:spLocks noGrp="1"/>
+          </p:cNvSpPr>
+          <p:nvPr>
+            <p:ph type="sldNum" sz="quarter" idx="5"/>
+          </p:nvPr>
+        </p:nvSpPr>
+        <p:spPr/>
+        <p:txBody>
+          <a:bodyPr/>
+          <a:lstStyle/>
+          <a:p>
+            <a:fld id="{F3052E9A-7786-40FB-8790-2BE8D6844321}" type="slidenum">
+              <a:rPr lang="en-IN" smtClean="0"/>
+              <a:t>9</a:t>
+            </a:fld>
+            <a:endParaRPr lang="en-IN"/>
+          </a:p>
+        </p:txBody>
+      </p:sp>
+    </p:spTree>
+    <p:extLst>
+      <p:ext uri="{BB962C8B-B14F-4D97-AF65-F5344CB8AC3E}">
+        <p14:creationId xmlns:p14="http://schemas.microsoft.com/office/powerpoint/2010/main" val="3002924497"/>
+      </p:ext>
+    </p:extLst>
+  </p:cSld>
+  <p:clrMapOvr>
+    <a:masterClrMapping/>
+  </p:clrMapOvr>
+</p:notes>
+</file>
+
+<file path=ppt/notesSlides/notesSlide7.xml><?xml version="1.0" encoding="utf-8"?>
+<p:notes xmlns:a="http://schemas.openxmlformats.org/drawingml/2006/main" xmlns:r="http://schemas.openxmlformats.org/officeDocument/2006/relationships" xmlns:p="http://schemas.openxmlformats.org/presentationml/2006/main">
+  <p:cSld>
+    <p:spTree>
+      <p:nvGrpSpPr>
+        <p:cNvPr id="1" name=""/>
+        <p:cNvGrpSpPr/>
+        <p:nvPr/>
+      </p:nvGrpSpPr>
+      <p:grpSpPr>
+        <a:xfrm>
+          <a:off x="0" y="0"/>
+          <a:ext cx="0" cy="0"/>
+          <a:chOff x="0" y="0"/>
+          <a:chExt cx="0" cy="0"/>
+        </a:xfrm>
+      </p:grpSpPr>
+      <p:sp>
+        <p:nvSpPr>
+          <p:cNvPr id="2" name="Slide Image Placeholder 1"/>
+          <p:cNvSpPr>
+            <a:spLocks noGrp="1" noRot="1" noChangeAspect="1"/>
+          </p:cNvSpPr>
+          <p:nvPr>
+            <p:ph type="sldImg"/>
+          </p:nvPr>
+        </p:nvSpPr>
+        <p:spPr/>
+      </p:sp>
+      <p:sp>
+        <p:nvSpPr>
+          <p:cNvPr id="3" name="Notes Placeholder 2"/>
+          <p:cNvSpPr>
+            <a:spLocks noGrp="1"/>
+          </p:cNvSpPr>
+          <p:nvPr>
+            <p:ph type="body" idx="1"/>
+          </p:nvPr>
+        </p:nvSpPr>
+        <p:spPr/>
+        <p:txBody>
+          <a:bodyPr/>
+          <a:lstStyle/>
+          <a:p>
+            <a:endParaRPr lang="en-IN" dirty="0"/>
+          </a:p>
+        </p:txBody>
+      </p:sp>
+      <p:sp>
+        <p:nvSpPr>
+          <p:cNvPr id="4" name="Slide Number Placeholder 3"/>
+          <p:cNvSpPr>
+            <a:spLocks noGrp="1"/>
+          </p:cNvSpPr>
+          <p:nvPr>
+            <p:ph type="sldNum" sz="quarter" idx="5"/>
+          </p:nvPr>
+        </p:nvSpPr>
+        <p:spPr/>
+        <p:txBody>
+          <a:bodyPr/>
+          <a:lstStyle/>
+          <a:p>
+            <a:fld id="{F3052E9A-7786-40FB-8790-2BE8D6844321}" type="slidenum">
+              <a:rPr lang="en-IN" smtClean="0"/>
+              <a:t>10</a:t>
+            </a:fld>
+            <a:endParaRPr lang="en-IN"/>
+          </a:p>
+        </p:txBody>
+      </p:sp>
+    </p:spTree>
+    <p:extLst>
+      <p:ext uri="{BB962C8B-B14F-4D97-AF65-F5344CB8AC3E}">
+        <p14:creationId xmlns:p14="http://schemas.microsoft.com/office/powerpoint/2010/main" val="3297617374"/>
+      </p:ext>
+    </p:extLst>
+  </p:cSld>
+  <p:clrMapOvr>
+    <a:masterClrMapping/>
+  </p:clrMapOvr>
+</p:notes>
+</file>
+
+<file path=ppt/notesSlides/notesSlide8.xml><?xml version="1.0" encoding="utf-8"?>
+<p:notes xmlns:a="http://schemas.openxmlformats.org/drawingml/2006/main" xmlns:r="http://schemas.openxmlformats.org/officeDocument/2006/relationships" xmlns:p="http://schemas.openxmlformats.org/presentationml/2006/main">
+  <p:cSld>
+    <p:spTree>
+      <p:nvGrpSpPr>
+        <p:cNvPr id="1" name=""/>
+        <p:cNvGrpSpPr/>
+        <p:nvPr/>
+      </p:nvGrpSpPr>
+      <p:grpSpPr>
+        <a:xfrm>
+          <a:off x="0" y="0"/>
+          <a:ext cx="0" cy="0"/>
+          <a:chOff x="0" y="0"/>
+          <a:chExt cx="0" cy="0"/>
+        </a:xfrm>
+      </p:grpSpPr>
+      <p:sp>
+        <p:nvSpPr>
+          <p:cNvPr id="2" name="Slide Image Placeholder 1"/>
+          <p:cNvSpPr>
+            <a:spLocks noGrp="1" noRot="1" noChangeAspect="1"/>
+          </p:cNvSpPr>
+          <p:nvPr>
+            <p:ph type="sldImg"/>
+          </p:nvPr>
+        </p:nvSpPr>
+        <p:spPr/>
+      </p:sp>
+      <p:sp>
+        <p:nvSpPr>
+          <p:cNvPr id="3" name="Notes Placeholder 2"/>
+          <p:cNvSpPr>
+            <a:spLocks noGrp="1"/>
+          </p:cNvSpPr>
+          <p:nvPr>
+            <p:ph type="body" idx="1"/>
+          </p:nvPr>
+        </p:nvSpPr>
+        <p:spPr/>
+        <p:txBody>
+          <a:bodyPr/>
+          <a:lstStyle/>
+          <a:p>
+            <a:endParaRPr lang="en-IN" dirty="0"/>
+          </a:p>
+        </p:txBody>
+      </p:sp>
+      <p:sp>
+        <p:nvSpPr>
+          <p:cNvPr id="4" name="Slide Number Placeholder 3"/>
+          <p:cNvSpPr>
+            <a:spLocks noGrp="1"/>
+          </p:cNvSpPr>
+          <p:nvPr>
+            <p:ph type="sldNum" sz="quarter" idx="5"/>
+          </p:nvPr>
+        </p:nvSpPr>
+        <p:spPr/>
+        <p:txBody>
+          <a:bodyPr/>
+          <a:lstStyle/>
+          <a:p>
+            <a:fld id="{F3052E9A-7786-40FB-8790-2BE8D6844321}" type="slidenum">
+              <a:rPr lang="en-IN" smtClean="0"/>
+              <a:t>11</a:t>
+            </a:fld>
+            <a:endParaRPr lang="en-IN"/>
+          </a:p>
+        </p:txBody>
+      </p:sp>
+    </p:spTree>
+    <p:extLst>
+      <p:ext uri="{BB962C8B-B14F-4D97-AF65-F5344CB8AC3E}">
+        <p14:creationId xmlns:p14="http://schemas.microsoft.com/office/powerpoint/2010/main" val="220577872"/>
+      </p:ext>
+    </p:extLst>
+  </p:cSld>
+  <p:clrMapOvr>
+    <a:masterClrMapping/>
+  </p:clrMapOvr>
+</p:notes>
+</file>
+
+<file path=ppt/notesSlides/notesSlide9.xml><?xml version="1.0" encoding="utf-8"?>
+<p:notes xmlns:a="http://schemas.openxmlformats.org/drawingml/2006/main" xmlns:r="http://schemas.openxmlformats.org/officeDocument/2006/relationships" xmlns:p="http://schemas.openxmlformats.org/presentationml/2006/main">
+  <p:cSld>
+    <p:spTree>
+      <p:nvGrpSpPr>
+        <p:cNvPr id="1" name=""/>
+        <p:cNvGrpSpPr/>
+        <p:nvPr/>
+      </p:nvGrpSpPr>
+      <p:grpSpPr>
+        <a:xfrm>
+          <a:off x="0" y="0"/>
+          <a:ext cx="0" cy="0"/>
+          <a:chOff x="0" y="0"/>
+          <a:chExt cx="0" cy="0"/>
+        </a:xfrm>
+      </p:grpSpPr>
+      <p:sp>
+        <p:nvSpPr>
+          <p:cNvPr id="2" name="Slide Image Placeholder 1"/>
+          <p:cNvSpPr>
+            <a:spLocks noGrp="1" noRot="1" noChangeAspect="1"/>
+          </p:cNvSpPr>
+          <p:nvPr>
+            <p:ph type="sldImg"/>
+          </p:nvPr>
+        </p:nvSpPr>
+        <p:spPr/>
+      </p:sp>
+      <p:sp>
+        <p:nvSpPr>
+          <p:cNvPr id="3" name="Notes Placeholder 2"/>
+          <p:cNvSpPr>
+            <a:spLocks noGrp="1"/>
+          </p:cNvSpPr>
+          <p:nvPr>
+            <p:ph type="body" idx="1"/>
+          </p:nvPr>
+        </p:nvSpPr>
+        <p:spPr/>
+        <p:txBody>
+          <a:bodyPr/>
+          <a:lstStyle/>
+          <a:p>
+            <a:endParaRPr lang="en-IN" dirty="0"/>
+          </a:p>
+        </p:txBody>
+      </p:sp>
+      <p:sp>
+        <p:nvSpPr>
+          <p:cNvPr id="4" name="Slide Number Placeholder 3"/>
+          <p:cNvSpPr>
+            <a:spLocks noGrp="1"/>
+          </p:cNvSpPr>
+          <p:nvPr>
+            <p:ph type="sldNum" sz="quarter" idx="5"/>
+          </p:nvPr>
+        </p:nvSpPr>
+        <p:spPr/>
+        <p:txBody>
+          <a:bodyPr/>
+          <a:lstStyle/>
+          <a:p>
+            <a:fld id="{F3052E9A-7786-40FB-8790-2BE8D6844321}" type="slidenum">
+              <a:rPr lang="en-IN" smtClean="0"/>
+              <a:t>12</a:t>
+            </a:fld>
+            <a:endParaRPr lang="en-IN"/>
+          </a:p>
+        </p:txBody>
+      </p:sp>
+    </p:spTree>
+    <p:extLst>
+      <p:ext uri="{BB962C8B-B14F-4D97-AF65-F5344CB8AC3E}">
+        <p14:creationId xmlns:p14="http://schemas.microsoft.com/office/powerpoint/2010/main" val="261890058"/>
       </p:ext>
     </p:extLst>
   </p:cSld>
@@ -1620,7 +2146,7 @@
 </file>
 
 <file path=ppt/slideLayouts/slideLayout2.xml><?xml version="1.0" encoding="utf-8"?>
-<p:sldLayout xmlns:a="http://schemas.openxmlformats.org/drawingml/2006/main" xmlns:r="http://schemas.openxmlformats.org/officeDocument/2006/relationships" xmlns:p="http://schemas.openxmlformats.org/presentationml/2006/main" type="obj" preserve="1">
+<p:sldLayout xmlns:a="http://schemas.openxmlformats.org/drawingml/2006/main" xmlns:r="http://schemas.openxmlformats.org/officeDocument/2006/relationships" xmlns:p="http://schemas.openxmlformats.org/presentationml/2006/main" preserve="1" userDrawn="1">
   <p:cSld name="Title and Content">
     <p:spTree>
       <p:nvGrpSpPr>
@@ -1638,65 +2164,159 @@
       </p:grpSpPr>
       <p:sp>
         <p:nvSpPr>
-          <p:cNvPr id="2" name="Title 1">
-            <a:extLst>
-              <a:ext uri="{FF2B5EF4-FFF2-40B4-BE49-F238E27FC236}">
-                <a16:creationId xmlns:a16="http://schemas.microsoft.com/office/drawing/2014/main" id="{D64A5F35-0C57-4FCB-9477-DE42C5C102C5}"/>
-              </a:ext>
-            </a:extLst>
-          </p:cNvPr>
-          <p:cNvSpPr>
-            <a:spLocks noGrp="1"/>
-          </p:cNvSpPr>
-          <p:nvPr>
-            <p:ph type="title"/>
+          <p:cNvPr id="3" name="Content Placeholder 2">
+            <a:extLst>
+              <a:ext uri="{FF2B5EF4-FFF2-40B4-BE49-F238E27FC236}">
+                <a16:creationId xmlns:a16="http://schemas.microsoft.com/office/drawing/2014/main" id="{9B003B6A-9299-486C-8E9E-AF501F0FAA1C}"/>
+              </a:ext>
+            </a:extLst>
+          </p:cNvPr>
+          <p:cNvSpPr>
+            <a:spLocks noGrp="1"/>
+          </p:cNvSpPr>
+          <p:nvPr>
+            <p:ph idx="1"/>
           </p:nvPr>
         </p:nvSpPr>
         <p:spPr>
           <a:xfrm>
-            <a:off x="838200" y="337133"/>
-            <a:ext cx="10515600" cy="1325563"/>
+            <a:off x="838200" y="1078706"/>
+            <a:ext cx="10515600" cy="5191465"/>
           </a:xfrm>
-          <a:prstGeom prst="rect">
-            <a:avLst/>
-          </a:prstGeom>
         </p:spPr>
         <p:txBody>
           <a:bodyPr/>
+          <a:lstStyle/>
+          <a:p>
+            <a:pPr lvl="0"/>
+            <a:r>
+              <a:rPr lang="en-US" dirty="0"/>
+              <a:t>Click to edit Master text styles</a:t>
+            </a:r>
+          </a:p>
+          <a:p>
+            <a:pPr lvl="1"/>
+            <a:r>
+              <a:rPr lang="en-US" dirty="0"/>
+              <a:t>Second level</a:t>
+            </a:r>
+          </a:p>
+          <a:p>
+            <a:pPr lvl="2"/>
+            <a:r>
+              <a:rPr lang="en-US" dirty="0"/>
+              <a:t>Third level</a:t>
+            </a:r>
+          </a:p>
+          <a:p>
+            <a:pPr lvl="3"/>
+            <a:r>
+              <a:rPr lang="en-US" dirty="0"/>
+              <a:t>Fourth level</a:t>
+            </a:r>
+          </a:p>
+          <a:p>
+            <a:pPr lvl="4"/>
+            <a:r>
+              <a:rPr lang="en-US" dirty="0"/>
+              <a:t>Fifth level</a:t>
+            </a:r>
+            <a:endParaRPr lang="en-IN" dirty="0"/>
+          </a:p>
+        </p:txBody>
+      </p:sp>
+      <p:sp>
+        <p:nvSpPr>
+          <p:cNvPr id="13" name="Text Placeholder 11">
+            <a:extLst>
+              <a:ext uri="{FF2B5EF4-FFF2-40B4-BE49-F238E27FC236}">
+                <a16:creationId xmlns:a16="http://schemas.microsoft.com/office/drawing/2014/main" id="{12DF07D9-FB80-4B96-9428-43254B3DE8DB}"/>
+              </a:ext>
+            </a:extLst>
+          </p:cNvPr>
+          <p:cNvSpPr>
+            <a:spLocks noGrp="1"/>
+          </p:cNvSpPr>
+          <p:nvPr>
+            <p:ph type="body" sz="quarter" idx="13" hasCustomPrompt="1"/>
+          </p:nvPr>
+        </p:nvSpPr>
+        <p:spPr>
+          <a:xfrm>
+            <a:off x="9719486" y="198438"/>
+            <a:ext cx="1140459" cy="276999"/>
+          </a:xfrm>
+          <a:solidFill>
+            <a:schemeClr val="bg1">
+              <a:lumMod val="95000"/>
+            </a:schemeClr>
+          </a:solidFill>
+          <a:ln>
+            <a:solidFill>
+              <a:schemeClr val="accent2">
+                <a:lumMod val="20000"/>
+                <a:lumOff val="80000"/>
+              </a:schemeClr>
+            </a:solidFill>
+          </a:ln>
+          <a:effectLst>
+            <a:softEdge rad="12700"/>
+          </a:effectLst>
+        </p:spPr>
+        <p:style>
+          <a:lnRef idx="2">
+            <a:schemeClr val="accent1">
+              <a:shade val="50000"/>
+            </a:schemeClr>
+          </a:lnRef>
+          <a:fillRef idx="1">
+            <a:schemeClr val="accent1"/>
+          </a:fillRef>
+          <a:effectRef idx="0">
+            <a:schemeClr val="accent1"/>
+          </a:effectRef>
+          <a:fontRef idx="minor">
+            <a:schemeClr val="lt1"/>
+          </a:fontRef>
+        </p:style>
+        <p:txBody>
+          <a:bodyPr rtlCol="0" anchor="ctr"/>
           <a:lstStyle>
-            <a:lvl1pPr>
-              <a:defRPr>
+            <a:lvl1pPr marL="0" indent="0">
+              <a:buNone/>
+              <a:defRPr lang="en-IN" sz="1200" dirty="0" smtClean="0">
                 <a:solidFill>
-                  <a:schemeClr val="bg2">
-                    <a:lumMod val="25000"/>
+                  <a:schemeClr val="tx1">
+                    <a:lumMod val="65000"/>
+                    <a:lumOff val="35000"/>
                   </a:schemeClr>
                 </a:solidFill>
               </a:defRPr>
             </a:lvl1pPr>
           </a:lstStyle>
           <a:p>
-            <a:r>
-              <a:rPr lang="en-US" dirty="0"/>
-              <a:t>Click to edit Master title style</a:t>
-            </a:r>
-            <a:endParaRPr lang="en-IN" dirty="0"/>
-          </a:p>
-        </p:txBody>
-      </p:sp>
-      <p:sp>
-        <p:nvSpPr>
-          <p:cNvPr id="3" name="Content Placeholder 2">
-            <a:extLst>
-              <a:ext uri="{FF2B5EF4-FFF2-40B4-BE49-F238E27FC236}">
-                <a16:creationId xmlns:a16="http://schemas.microsoft.com/office/drawing/2014/main" id="{9B003B6A-9299-486C-8E9E-AF501F0FAA1C}"/>
-              </a:ext>
-            </a:extLst>
-          </p:cNvPr>
-          <p:cNvSpPr>
-            <a:spLocks noGrp="1"/>
-          </p:cNvSpPr>
-          <p:nvPr>
-            <p:ph idx="1"/>
+            <a:pPr marL="0" lvl="0" algn="ctr"/>
+            <a:r>
+              <a:rPr lang="en-IN" dirty="0"/>
+              <a:t>Return to index</a:t>
+            </a:r>
+          </a:p>
+        </p:txBody>
+      </p:sp>
+      <p:sp>
+        <p:nvSpPr>
+          <p:cNvPr id="14" name="Date Placeholder 13">
+            <a:extLst>
+              <a:ext uri="{FF2B5EF4-FFF2-40B4-BE49-F238E27FC236}">
+                <a16:creationId xmlns:a16="http://schemas.microsoft.com/office/drawing/2014/main" id="{40A0BCB0-0430-4A24-9427-87D5186225A4}"/>
+              </a:ext>
+            </a:extLst>
+          </p:cNvPr>
+          <p:cNvSpPr>
+            <a:spLocks noGrp="1"/>
+          </p:cNvSpPr>
+          <p:nvPr>
+            <p:ph type="dt" sz="half" idx="14"/>
           </p:nvPr>
         </p:nvSpPr>
         <p:spPr/>
@@ -1704,67 +2324,9 @@
           <a:bodyPr/>
           <a:lstStyle/>
           <a:p>
-            <a:pPr lvl="0"/>
-            <a:r>
-              <a:rPr lang="en-US" dirty="0"/>
-              <a:t>Click to edit Master text styles</a:t>
-            </a:r>
-          </a:p>
-          <a:p>
-            <a:pPr lvl="1"/>
-            <a:r>
-              <a:rPr lang="en-US" dirty="0"/>
-              <a:t>Second level</a:t>
-            </a:r>
-          </a:p>
-          <a:p>
-            <a:pPr lvl="2"/>
-            <a:r>
-              <a:rPr lang="en-US" dirty="0"/>
-              <a:t>Third level</a:t>
-            </a:r>
-          </a:p>
-          <a:p>
-            <a:pPr lvl="3"/>
-            <a:r>
-              <a:rPr lang="en-US" dirty="0"/>
-              <a:t>Fourth level</a:t>
-            </a:r>
-          </a:p>
-          <a:p>
-            <a:pPr lvl="4"/>
-            <a:r>
-              <a:rPr lang="en-US" dirty="0"/>
-              <a:t>Fifth level</a:t>
-            </a:r>
-            <a:endParaRPr lang="en-IN" dirty="0"/>
-          </a:p>
-        </p:txBody>
-      </p:sp>
-      <p:sp>
-        <p:nvSpPr>
-          <p:cNvPr id="4" name="Date Placeholder 3">
-            <a:extLst>
-              <a:ext uri="{FF2B5EF4-FFF2-40B4-BE49-F238E27FC236}">
-                <a16:creationId xmlns:a16="http://schemas.microsoft.com/office/drawing/2014/main" id="{955DD2CD-C27E-44C9-8CA2-6E68F07801D9}"/>
-              </a:ext>
-            </a:extLst>
-          </p:cNvPr>
-          <p:cNvSpPr>
-            <a:spLocks noGrp="1"/>
-          </p:cNvSpPr>
-          <p:nvPr>
-            <p:ph type="dt" sz="half" idx="10"/>
-          </p:nvPr>
-        </p:nvSpPr>
-        <p:spPr/>
-        <p:txBody>
-          <a:bodyPr/>
-          <a:lstStyle/>
-          <a:p>
-            <a:fld id="{B3DE530A-9F4B-4818-B59C-D12F0DDDB0D6}" type="datetime1">
+            <a:fld id="{C5BBAB23-33DE-42F7-B819-90145C6A24BE}" type="datetime1">
               <a:rPr lang="en-IN" smtClean="0"/>
-              <a:t>20-10-2024</a:t>
+              <a:t>21-10-2024</a:t>
             </a:fld>
             <a:endParaRPr lang="en-IN" dirty="0"/>
           </a:p>
@@ -1772,18 +2334,18 @@
       </p:sp>
       <p:sp>
         <p:nvSpPr>
-          <p:cNvPr id="5" name="Footer Placeholder 4">
-            <a:extLst>
-              <a:ext uri="{FF2B5EF4-FFF2-40B4-BE49-F238E27FC236}">
-                <a16:creationId xmlns:a16="http://schemas.microsoft.com/office/drawing/2014/main" id="{36F0C04C-03C0-4247-95CB-F259E9D42D3F}"/>
-              </a:ext>
-            </a:extLst>
-          </p:cNvPr>
-          <p:cNvSpPr>
-            <a:spLocks noGrp="1"/>
-          </p:cNvSpPr>
-          <p:nvPr>
-            <p:ph type="ftr" sz="quarter" idx="11"/>
+          <p:cNvPr id="15" name="Footer Placeholder 14">
+            <a:extLst>
+              <a:ext uri="{FF2B5EF4-FFF2-40B4-BE49-F238E27FC236}">
+                <a16:creationId xmlns:a16="http://schemas.microsoft.com/office/drawing/2014/main" id="{AC901CEF-2050-44E2-A3AC-1EE34EAB5327}"/>
+              </a:ext>
+            </a:extLst>
+          </p:cNvPr>
+          <p:cNvSpPr>
+            <a:spLocks noGrp="1"/>
+          </p:cNvSpPr>
+          <p:nvPr>
+            <p:ph type="ftr" sz="quarter" idx="15"/>
           </p:nvPr>
         </p:nvSpPr>
         <p:spPr/>
@@ -1797,18 +2359,18 @@
       </p:sp>
       <p:sp>
         <p:nvSpPr>
-          <p:cNvPr id="6" name="Slide Number Placeholder 5">
-            <a:extLst>
-              <a:ext uri="{FF2B5EF4-FFF2-40B4-BE49-F238E27FC236}">
-                <a16:creationId xmlns:a16="http://schemas.microsoft.com/office/drawing/2014/main" id="{EDAFB3BC-EC0E-46E2-8B84-5710173D7264}"/>
-              </a:ext>
-            </a:extLst>
-          </p:cNvPr>
-          <p:cNvSpPr>
-            <a:spLocks noGrp="1"/>
-          </p:cNvSpPr>
-          <p:nvPr>
-            <p:ph type="sldNum" sz="quarter" idx="12"/>
+          <p:cNvPr id="16" name="Slide Number Placeholder 15">
+            <a:extLst>
+              <a:ext uri="{FF2B5EF4-FFF2-40B4-BE49-F238E27FC236}">
+                <a16:creationId xmlns:a16="http://schemas.microsoft.com/office/drawing/2014/main" id="{57FBE958-BA0D-4419-92D9-169A9D9B224E}"/>
+              </a:ext>
+            </a:extLst>
+          </p:cNvPr>
+          <p:cNvSpPr>
+            <a:spLocks noGrp="1"/>
+          </p:cNvSpPr>
+          <p:nvPr>
+            <p:ph type="sldNum" sz="quarter" idx="16"/>
           </p:nvPr>
         </p:nvSpPr>
         <p:spPr/>
@@ -1821,6 +2383,35 @@
               <a:t>‹#›</a:t>
             </a:fld>
             <a:endParaRPr lang="en-IN" dirty="0"/>
+          </a:p>
+        </p:txBody>
+      </p:sp>
+      <p:sp>
+        <p:nvSpPr>
+          <p:cNvPr id="17" name="Title 16">
+            <a:extLst>
+              <a:ext uri="{FF2B5EF4-FFF2-40B4-BE49-F238E27FC236}">
+                <a16:creationId xmlns:a16="http://schemas.microsoft.com/office/drawing/2014/main" id="{EB813B11-7968-4EB6-8CA3-452112C2A827}"/>
+              </a:ext>
+            </a:extLst>
+          </p:cNvPr>
+          <p:cNvSpPr>
+            <a:spLocks noGrp="1"/>
+          </p:cNvSpPr>
+          <p:nvPr>
+            <p:ph type="title"/>
+          </p:nvPr>
+        </p:nvSpPr>
+        <p:spPr/>
+        <p:txBody>
+          <a:bodyPr/>
+          <a:lstStyle/>
+          <a:p>
+            <a:r>
+              <a:rPr lang="en-US"/>
+              <a:t>Click to edit Master title style</a:t>
+            </a:r>
+            <a:endParaRPr lang="en-IN"/>
           </a:p>
         </p:txBody>
       </p:sp>
@@ -4485,7 +5076,7 @@
           <p:cNvPr id="2" name="Title 1">
             <a:extLst>
               <a:ext uri="{FF2B5EF4-FFF2-40B4-BE49-F238E27FC236}">
-                <a16:creationId xmlns:a16="http://schemas.microsoft.com/office/drawing/2014/main" id="{A64FEC9B-9EF9-4FF3-BE51-CEF599AC0370}"/>
+                <a16:creationId xmlns:a16="http://schemas.microsoft.com/office/drawing/2014/main" id="{5FFC370E-D382-409B-B21F-AC1CCAAAE6E0}"/>
               </a:ext>
             </a:extLst>
           </p:cNvPr>
@@ -4498,8 +5089,8 @@
         </p:nvSpPr>
         <p:spPr>
           <a:xfrm>
-            <a:off x="838200" y="365126"/>
-            <a:ext cx="10515600" cy="558240"/>
+            <a:off x="838200" y="587829"/>
+            <a:ext cx="10515600" cy="594955"/>
           </a:xfrm>
         </p:spPr>
         <p:txBody>
@@ -4510,7 +5101,11 @@
           <a:p>
             <a:r>
               <a:rPr lang="en-IN" b="1" dirty="0"/>
-              <a:t>Contd..</a:t>
+              <a:t>EDA – Data Insights</a:t>
+            </a:r>
+            <a:r>
+              <a:rPr lang="en-IN" sz="1200" b="1" dirty="0"/>
+              <a:t> (contd.)</a:t>
             </a:r>
           </a:p>
         </p:txBody>
@@ -4520,7 +5115,7 @@
           <p:cNvPr id="3" name="Content Placeholder 2">
             <a:extLst>
               <a:ext uri="{FF2B5EF4-FFF2-40B4-BE49-F238E27FC236}">
-                <a16:creationId xmlns:a16="http://schemas.microsoft.com/office/drawing/2014/main" id="{972F0BDC-7D61-46C9-961C-10D1DEF2FFD5}"/>
+                <a16:creationId xmlns:a16="http://schemas.microsoft.com/office/drawing/2014/main" id="{E2A4AB5F-01E2-46C2-85DC-18F0969F31E7}"/>
               </a:ext>
             </a:extLst>
           </p:cNvPr>
@@ -4533,100 +5128,42 @@
         </p:nvSpPr>
         <p:spPr>
           <a:xfrm>
-            <a:off x="838200" y="1111624"/>
-            <a:ext cx="10515600" cy="5065339"/>
+            <a:off x="838200" y="1254470"/>
+            <a:ext cx="10515600" cy="594955"/>
           </a:xfrm>
         </p:spPr>
         <p:txBody>
           <a:bodyPr>
-            <a:normAutofit/>
+            <a:normAutofit lnSpcReduction="10000"/>
           </a:bodyPr>
           <a:lstStyle/>
           <a:p>
             <a:r>
-              <a:rPr lang="en-US" sz="1800" dirty="0"/>
-              <a:t>~8.1% of the applicants had payment difficulties: he/she had late payment more than X days on at least one of the first Y installments of the loan in our sample.</a:t>
-            </a:r>
-            <a:endParaRPr lang="en-IN" sz="1800" dirty="0"/>
-          </a:p>
-          <a:p>
-            <a:r>
-              <a:rPr lang="en-US" sz="1800" dirty="0"/>
-              <a:t>CNT_CHILDREN:</a:t>
-            </a:r>
-          </a:p>
-          <a:p>
-            <a:pPr lvl="1"/>
-            <a:r>
-              <a:rPr lang="en-US" sz="1600" dirty="0"/>
-              <a:t> 70% of the applicants have 0 (no) children</a:t>
-            </a:r>
-          </a:p>
-          <a:p>
-            <a:pPr lvl="1"/>
-            <a:r>
-              <a:rPr lang="en-US" sz="1600" dirty="0"/>
-              <a:t>~20% of the applicants have 1 child</a:t>
-            </a:r>
-          </a:p>
-          <a:p>
-            <a:pPr lvl="1"/>
-            <a:r>
-              <a:rPr lang="en-US" sz="1600" dirty="0"/>
-              <a:t>~8.7% of applicants have 2 children</a:t>
-            </a:r>
-          </a:p>
-          <a:p>
-            <a:pPr lvl="1"/>
-            <a:r>
-              <a:rPr lang="en-US" sz="1600" dirty="0"/>
-              <a:t>~1.2% of applicants have 3 children</a:t>
-            </a:r>
-          </a:p>
-          <a:p>
-            <a:r>
-              <a:rPr lang="en-US" sz="1800" dirty="0"/>
-              <a:t>HOUR_APPR_PROCESS_START (&amp; different work </a:t>
-            </a:r>
-            <a:r>
-              <a:rPr lang="en-US" sz="1800" dirty="0" err="1"/>
-              <a:t>hrs</a:t>
-            </a:r>
-            <a:r>
-              <a:rPr lang="en-US" sz="1800" dirty="0"/>
-              <a:t> distribution):</a:t>
-            </a:r>
-          </a:p>
-          <a:p>
-            <a:pPr lvl="1"/>
-            <a:r>
-              <a:rPr lang="en-US" sz="1600" dirty="0"/>
-              <a:t>Most of the applications were submitted during the regular banking work hours</a:t>
-            </a:r>
-          </a:p>
-          <a:p>
-            <a:pPr lvl="1"/>
-            <a:r>
-              <a:rPr lang="en-US" sz="1600" dirty="0"/>
-              <a:t>~83% of loan application were submitted between 9AM-5PM.</a:t>
-            </a:r>
-          </a:p>
-          <a:p>
-            <a:pPr lvl="1"/>
-            <a:r>
-              <a:rPr lang="en-US" sz="1600" dirty="0"/>
-              <a:t>~88% of loan application were submitted between 8AM-5PM.</a:t>
-            </a:r>
-          </a:p>
-          <a:p>
-            <a:pPr lvl="1"/>
-            <a:r>
-              <a:rPr lang="en-US" sz="1600" dirty="0"/>
-              <a:t>~94% of loan application were submitted between 7AM-6PM.</a:t>
-            </a:r>
-          </a:p>
-          <a:p>
-            <a:endParaRPr lang="en-IN" sz="1800" dirty="0"/>
+              <a:rPr lang="en-IN" sz="1400" dirty="0"/>
+              <a:t>Based on </a:t>
+            </a:r>
+            <a:r>
+              <a:rPr lang="en-IN" sz="1400" b="1" dirty="0"/>
+              <a:t>Tags</a:t>
+            </a:r>
+            <a:r>
+              <a:rPr lang="en-IN" sz="1400" dirty="0"/>
+              <a:t>, more number and significant proportion of leads are converted among these choices:: Will revert after reading the email.</a:t>
+            </a:r>
+          </a:p>
+          <a:p>
+            <a:r>
+              <a:rPr lang="en-US" sz="1400" dirty="0"/>
+              <a:t>After grouping the very less count categories as one: </a:t>
+            </a:r>
+            <a:r>
+              <a:rPr lang="en-US" sz="1400" dirty="0" err="1"/>
+              <a:t>Other_Tags</a:t>
+            </a:r>
+            <a:r>
+              <a:rPr lang="en-US" sz="1400" dirty="0"/>
+              <a:t>, we have negligible conversions from this group.</a:t>
+            </a:r>
           </a:p>
         </p:txBody>
       </p:sp>
@@ -4635,18 +5172,23 @@
           <p:cNvPr id="4" name="Slide Number Placeholder 3">
             <a:extLst>
               <a:ext uri="{FF2B5EF4-FFF2-40B4-BE49-F238E27FC236}">
-                <a16:creationId xmlns:a16="http://schemas.microsoft.com/office/drawing/2014/main" id="{BE5AF369-19B0-448B-A80F-877189246157}"/>
-              </a:ext>
-            </a:extLst>
-          </p:cNvPr>
-          <p:cNvSpPr>
-            <a:spLocks noGrp="1"/>
-          </p:cNvSpPr>
-          <p:nvPr>
-            <p:ph type="sldNum" sz="quarter" idx="12"/>
-          </p:nvPr>
-        </p:nvSpPr>
-        <p:spPr/>
+                <a16:creationId xmlns:a16="http://schemas.microsoft.com/office/drawing/2014/main" id="{AE018482-926B-47DC-B80B-205799601825}"/>
+              </a:ext>
+            </a:extLst>
+          </p:cNvPr>
+          <p:cNvSpPr>
+            <a:spLocks noGrp="1"/>
+          </p:cNvSpPr>
+          <p:nvPr>
+            <p:ph type="sldNum" sz="quarter" idx="16"/>
+          </p:nvPr>
+        </p:nvSpPr>
+        <p:spPr>
+          <a:xfrm>
+            <a:off x="8610600" y="6356350"/>
+            <a:ext cx="2743200" cy="365125"/>
+          </a:xfrm>
+        </p:spPr>
         <p:txBody>
           <a:bodyPr/>
           <a:lstStyle/>
@@ -4659,10 +5201,135 @@
           </a:p>
         </p:txBody>
       </p:sp>
+      <p:pic>
+        <p:nvPicPr>
+          <p:cNvPr id="6" name="Picture 5">
+            <a:hlinkClick r:id="rId3" action="ppaction://hlinksldjump"/>
+            <a:extLst>
+              <a:ext uri="{FF2B5EF4-FFF2-40B4-BE49-F238E27FC236}">
+                <a16:creationId xmlns:a16="http://schemas.microsoft.com/office/drawing/2014/main" id="{412779D6-6264-46B8-9254-B2BF6B191F08}"/>
+              </a:ext>
+            </a:extLst>
+          </p:cNvPr>
+          <p:cNvPicPr>
+            <a:picLocks noChangeAspect="1"/>
+          </p:cNvPicPr>
+          <p:nvPr/>
+        </p:nvPicPr>
+        <p:blipFill>
+          <a:blip r:embed="rId4"/>
+          <a:stretch>
+            <a:fillRect/>
+          </a:stretch>
+        </p:blipFill>
+        <p:spPr>
+          <a:xfrm>
+            <a:off x="9540976" y="168640"/>
+            <a:ext cx="1359526" cy="347502"/>
+          </a:xfrm>
+          <a:prstGeom prst="rect">
+            <a:avLst/>
+          </a:prstGeom>
+        </p:spPr>
+      </p:pic>
+      <p:pic>
+        <p:nvPicPr>
+          <p:cNvPr id="3074" name="Picture 2">
+            <a:extLst>
+              <a:ext uri="{FF2B5EF4-FFF2-40B4-BE49-F238E27FC236}">
+                <a16:creationId xmlns:a16="http://schemas.microsoft.com/office/drawing/2014/main" id="{6DEEE7F8-90A6-4FC7-A83E-B751EAC1CA17}"/>
+              </a:ext>
+            </a:extLst>
+          </p:cNvPr>
+          <p:cNvPicPr>
+            <a:picLocks noChangeAspect="1" noChangeArrowheads="1"/>
+          </p:cNvPicPr>
+          <p:nvPr/>
+        </p:nvPicPr>
+        <p:blipFill>
+          <a:blip r:embed="rId5">
+            <a:extLst>
+              <a:ext uri="{28A0092B-C50C-407E-A947-70E740481C1C}">
+                <a14:useLocalDpi xmlns:a14="http://schemas.microsoft.com/office/drawing/2010/main" val="0"/>
+              </a:ext>
+            </a:extLst>
+          </a:blip>
+          <a:srcRect/>
+          <a:stretch>
+            <a:fillRect/>
+          </a:stretch>
+        </p:blipFill>
+        <p:spPr bwMode="auto">
+          <a:xfrm>
+            <a:off x="1145542" y="1926475"/>
+            <a:ext cx="4788121" cy="4343696"/>
+          </a:xfrm>
+          <a:prstGeom prst="rect">
+            <a:avLst/>
+          </a:prstGeom>
+          <a:noFill/>
+          <a:extLst>
+            <a:ext uri="{909E8E84-426E-40DD-AFC4-6F175D3DCCD1}">
+              <a14:hiddenFill xmlns:a14="http://schemas.microsoft.com/office/drawing/2010/main">
+                <a:solidFill>
+                  <a:srgbClr val="FFFFFF"/>
+                </a:solidFill>
+              </a14:hiddenFill>
+            </a:ext>
+          </a:extLst>
+        </p:spPr>
+      </p:pic>
+      <p:pic>
+        <p:nvPicPr>
+          <p:cNvPr id="3076" name="Picture 4">
+            <a:extLst>
+              <a:ext uri="{FF2B5EF4-FFF2-40B4-BE49-F238E27FC236}">
+                <a16:creationId xmlns:a16="http://schemas.microsoft.com/office/drawing/2014/main" id="{2A2D2AD2-9178-47AF-B238-41FC195DB14F}"/>
+              </a:ext>
+            </a:extLst>
+          </p:cNvPr>
+          <p:cNvPicPr>
+            <a:picLocks noChangeAspect="1" noChangeArrowheads="1"/>
+          </p:cNvPicPr>
+          <p:nvPr/>
+        </p:nvPicPr>
+        <p:blipFill>
+          <a:blip r:embed="rId6">
+            <a:extLst>
+              <a:ext uri="{28A0092B-C50C-407E-A947-70E740481C1C}">
+                <a14:useLocalDpi xmlns:a14="http://schemas.microsoft.com/office/drawing/2010/main" val="0"/>
+              </a:ext>
+            </a:extLst>
+          </a:blip>
+          <a:srcRect/>
+          <a:stretch>
+            <a:fillRect/>
+          </a:stretch>
+        </p:blipFill>
+        <p:spPr bwMode="auto">
+          <a:xfrm>
+            <a:off x="5933663" y="2159978"/>
+            <a:ext cx="5600171" cy="3197213"/>
+          </a:xfrm>
+          <a:prstGeom prst="rect">
+            <a:avLst/>
+          </a:prstGeom>
+          <a:noFill/>
+          <a:extLst>
+            <a:ext uri="{909E8E84-426E-40DD-AFC4-6F175D3DCCD1}">
+              <a14:hiddenFill xmlns:a14="http://schemas.microsoft.com/office/drawing/2010/main">
+                <a:solidFill>
+                  <a:srgbClr val="FFFFFF"/>
+                </a:solidFill>
+              </a14:hiddenFill>
+            </a:ext>
+          </a:extLst>
+        </p:spPr>
+      </p:pic>
     </p:spTree>
     <p:extLst>
       <p:ext uri="{BB962C8B-B14F-4D97-AF65-F5344CB8AC3E}">
-        <p14:creationId xmlns:p14="http://schemas.microsoft.com/office/powerpoint/2010/main" val="326242287"/>
+        <p14:creationId xmlns:p14="http://schemas.microsoft.com/office/powerpoint/2010/main" val="4039000960"/>
       </p:ext>
     </p:extLst>
   </p:cSld>
@@ -4694,7 +5361,7 @@
           <p:cNvPr id="2" name="Title 1">
             <a:extLst>
               <a:ext uri="{FF2B5EF4-FFF2-40B4-BE49-F238E27FC236}">
-                <a16:creationId xmlns:a16="http://schemas.microsoft.com/office/drawing/2014/main" id="{A64FEC9B-9EF9-4FF3-BE51-CEF599AC0370}"/>
+                <a16:creationId xmlns:a16="http://schemas.microsoft.com/office/drawing/2014/main" id="{5FFC370E-D382-409B-B21F-AC1CCAAAE6E0}"/>
               </a:ext>
             </a:extLst>
           </p:cNvPr>
@@ -4707,8 +5374,8 @@
         </p:nvSpPr>
         <p:spPr>
           <a:xfrm>
-            <a:off x="838200" y="365126"/>
-            <a:ext cx="10515600" cy="558240"/>
+            <a:off x="838200" y="587829"/>
+            <a:ext cx="10515600" cy="594955"/>
           </a:xfrm>
         </p:spPr>
         <p:txBody>
@@ -4719,13 +5386,12 @@
           <a:p>
             <a:r>
               <a:rPr lang="en-IN" b="1" dirty="0"/>
-              <a:t>Contd.. </a:t>
-            </a:r>
-            <a:r>
-              <a:rPr lang="en-IN" sz="2700" b="1" dirty="0"/>
-              <a:t>(Insights w.r.t. Target attribute)</a:t>
-            </a:r>
-            <a:endParaRPr lang="en-IN" b="1" dirty="0"/>
+              <a:t>EDA – Data Insights</a:t>
+            </a:r>
+            <a:r>
+              <a:rPr lang="en-IN" sz="1200" b="1" dirty="0"/>
+              <a:t> (contd.)</a:t>
+            </a:r>
           </a:p>
         </p:txBody>
       </p:sp>
@@ -4734,7 +5400,7 @@
           <p:cNvPr id="3" name="Content Placeholder 2">
             <a:extLst>
               <a:ext uri="{FF2B5EF4-FFF2-40B4-BE49-F238E27FC236}">
-                <a16:creationId xmlns:a16="http://schemas.microsoft.com/office/drawing/2014/main" id="{972F0BDC-7D61-46C9-961C-10D1DEF2FFD5}"/>
+                <a16:creationId xmlns:a16="http://schemas.microsoft.com/office/drawing/2014/main" id="{E2A4AB5F-01E2-46C2-85DC-18F0969F31E7}"/>
               </a:ext>
             </a:extLst>
           </p:cNvPr>
@@ -4747,192 +5413,53 @@
         </p:nvSpPr>
         <p:spPr>
           <a:xfrm>
-            <a:off x="838200" y="1111624"/>
-            <a:ext cx="10515600" cy="5298701"/>
+            <a:off x="838200" y="1254470"/>
+            <a:ext cx="10515600" cy="1260130"/>
           </a:xfrm>
         </p:spPr>
         <p:txBody>
           <a:bodyPr>
-            <a:normAutofit fontScale="92500" lnSpcReduction="10000"/>
+            <a:normAutofit/>
           </a:bodyPr>
           <a:lstStyle/>
           <a:p>
             <a:r>
-              <a:rPr lang="en-US" sz="1800" dirty="0"/>
-              <a:t>For the following Columns/Attributes, the % of applicants which come under following segment(s) are more likely to have payment difficulties: </a:t>
-            </a:r>
-            <a:r>
-              <a:rPr lang="en-US" sz="1700" dirty="0"/>
-              <a:t>(Obtained these insights by considering 1.2% tolerance </a:t>
-            </a:r>
-            <a:r>
-              <a:rPr lang="en-US" sz="1700" dirty="0" err="1"/>
-              <a:t>w.r.t.</a:t>
-            </a:r>
-            <a:r>
-              <a:rPr lang="en-US" sz="1700" dirty="0"/>
-              <a:t> overall clients’ defaulting proportion (~8%), hence threshold is 9.2%)</a:t>
-            </a:r>
-            <a:endParaRPr lang="en-US" sz="1800" dirty="0"/>
-          </a:p>
-          <a:p>
-            <a:pPr lvl="1"/>
-            <a:r>
-              <a:rPr lang="en-US" sz="1600" dirty="0" err="1"/>
-              <a:t>CNT_FAM_MEMBERS_bkt</a:t>
-            </a:r>
-            <a:r>
-              <a:rPr lang="en-US" sz="1600" dirty="0"/>
-              <a:t>: ==&gt; [7.0, 21.0): 12.4%</a:t>
-            </a:r>
-          </a:p>
-          <a:p>
-            <a:pPr lvl="1"/>
-            <a:r>
-              <a:rPr lang="en-US" sz="1600" dirty="0"/>
-              <a:t>CODE_GENDER: ==&gt; M: 10.14%</a:t>
-            </a:r>
-          </a:p>
-          <a:p>
-            <a:pPr lvl="1"/>
-            <a:r>
-              <a:rPr lang="en-US" sz="1600" dirty="0"/>
-              <a:t>EMERGENCYSTATE_MODE: ==&gt; </a:t>
-            </a:r>
-            <a:r>
-              <a:rPr lang="en-US" sz="1600" dirty="0" err="1"/>
-              <a:t>UnSpecified</a:t>
-            </a:r>
-            <a:r>
-              <a:rPr lang="en-US" sz="1600" dirty="0"/>
-              <a:t>: 9.26%,  Yes: 9.58%</a:t>
-            </a:r>
-          </a:p>
-          <a:p>
-            <a:pPr lvl="1"/>
-            <a:r>
-              <a:rPr lang="en-US" sz="1600" dirty="0"/>
-              <a:t>HOUSETYPE_MODE: ==&gt; specific housing: 10.14%</a:t>
-            </a:r>
-          </a:p>
-          <a:p>
-            <a:pPr lvl="1"/>
-            <a:r>
-              <a:rPr lang="en-US" sz="1600" dirty="0"/>
-              <a:t>NAME_EDUCATION_TYPE: ==&gt; Lower secondary: 10.93%</a:t>
-            </a:r>
-          </a:p>
-          <a:p>
-            <a:pPr lvl="1"/>
-            <a:r>
-              <a:rPr lang="en-US" sz="1600" dirty="0"/>
-              <a:t>NAME_FAMILY_STATUS: ==&gt; Civil marriage: 9.94%,  Single / not married: 9.81%</a:t>
-            </a:r>
-          </a:p>
-          <a:p>
-            <a:pPr lvl="1"/>
-            <a:r>
-              <a:rPr lang="en-US" sz="1600" dirty="0"/>
-              <a:t>NAME_HOUSING_TYPE: ==&gt; Rented apartment: 12.31%,  With parents: 11.7%</a:t>
-            </a:r>
-          </a:p>
-          <a:p>
-            <a:pPr lvl="1"/>
-            <a:r>
-              <a:rPr lang="en-US" sz="1600" dirty="0"/>
-              <a:t>NAME_INCOME_TYPE: ==&gt; Maternity leave: 40.0%,  Unemployed: 36.36%,  Working: 9.59%</a:t>
-            </a:r>
-          </a:p>
-          <a:p>
-            <a:pPr lvl="1"/>
-            <a:r>
-              <a:rPr lang="en-US" sz="1600" dirty="0"/>
-              <a:t>NAME_TYPE_SUITE: ==&gt; </a:t>
-            </a:r>
-            <a:r>
-              <a:rPr lang="en-US" sz="1600" dirty="0" err="1"/>
-              <a:t>Other_B</a:t>
-            </a:r>
-            <a:r>
-              <a:rPr lang="en-US" sz="1600" dirty="0"/>
-              <a:t>: 9.83%</a:t>
-            </a:r>
-          </a:p>
-          <a:p>
-            <a:pPr lvl="1"/>
-            <a:r>
-              <a:rPr lang="en-US" sz="1600" dirty="0"/>
-              <a:t>OCCUPATION_TYPE: ==&gt; </a:t>
-            </a:r>
-          </a:p>
-          <a:p>
-            <a:pPr lvl="2"/>
+              <a:rPr lang="en-IN" sz="1400" dirty="0"/>
+              <a:t>Based on </a:t>
+            </a:r>
+            <a:r>
+              <a:rPr lang="en-IN" sz="1400" b="1" dirty="0"/>
+              <a:t>Occupation</a:t>
+            </a:r>
+            <a:r>
+              <a:rPr lang="en-IN" sz="1400" dirty="0"/>
+              <a:t>, more number and significant proportion of leads are converted among these choices:: Unemployed and Unspecified.</a:t>
+            </a:r>
+          </a:p>
+          <a:p>
             <a:r>
               <a:rPr lang="en-US" sz="1400" dirty="0"/>
-              <a:t>Cleaning staff: 9.61%,  Cooking staff: 10.44%,  Drivers: 11.33%,  Laborers: 10.58%,  Low-skill Laborers: 17.15%,  </a:t>
-            </a:r>
-          </a:p>
-          <a:p>
-            <a:pPr lvl="2"/>
+              <a:t>There is a strong likelihood that working professionals will opt for the course.</a:t>
+            </a:r>
+          </a:p>
+          <a:p>
             <a:r>
               <a:rPr lang="en-US" sz="1400" dirty="0"/>
-              <a:t>Sales staff: 9.63%,  Security staff: 10.74%,  Waiters/barmen staff: 11.28%</a:t>
-            </a:r>
-            <a:endParaRPr lang="en-US" sz="1200" dirty="0"/>
-          </a:p>
-          <a:p>
-            <a:pPr lvl="1"/>
-            <a:r>
-              <a:rPr lang="en-US" sz="1600" dirty="0" err="1"/>
-              <a:t>OWN_CAR_AGE_bkt</a:t>
-            </a:r>
-            <a:r>
-              <a:rPr lang="en-US" sz="1600" dirty="0"/>
-              <a:t>: ==&gt; (20.0, 25.0]: 9.68%,  (25.0, 50.0]: 9.57%</a:t>
-            </a:r>
-          </a:p>
-          <a:p>
-            <a:pPr lvl="1"/>
-            <a:r>
-              <a:rPr lang="en-US" sz="1600" dirty="0" err="1"/>
-              <a:t>OrganizationType</a:t>
-            </a:r>
-            <a:r>
-              <a:rPr lang="en-US" sz="1600" dirty="0"/>
-              <a:t>: ==&gt; </a:t>
-            </a:r>
-          </a:p>
-          <a:p>
-            <a:pPr lvl="2"/>
+              <a:t>The largest group among the leads consists of unemployed individuals, and those who </a:t>
+            </a:r>
+            <a:r>
+              <a:rPr lang="en-US" sz="1400" dirty="0" err="1"/>
+              <a:t>didnot</a:t>
+            </a:r>
             <a:r>
               <a:rPr lang="en-US" sz="1400" dirty="0"/>
-              <a:t>Agriculture: 10.47%,  Cleaning: 11.15%,  Construction: 11.68%,  Realtor: 10.61%,  Restaurant: 11.71%,  </a:t>
-            </a:r>
-          </a:p>
-          <a:p>
-            <a:pPr lvl="2"/>
+              <a:t> specify any choice.</a:t>
+            </a:r>
+          </a:p>
+          <a:p>
             <a:r>
               <a:rPr lang="en-US" sz="1400" dirty="0"/>
-              <a:t>Security: 9.98%,  Self-employed: 10.17%,  Transport: 9.67%</a:t>
-            </a:r>
-            <a:endParaRPr lang="en-US" sz="1200" dirty="0"/>
-          </a:p>
-          <a:p>
-            <a:pPr lvl="1"/>
-            <a:r>
-              <a:rPr lang="en-US" sz="1600" dirty="0" err="1"/>
-              <a:t>OrganizationTypeCategory</a:t>
-            </a:r>
-            <a:r>
-              <a:rPr lang="en-US" sz="1600" dirty="0"/>
-              <a:t>: ==&gt; Type 13: 13.43%,  Type 3: 9.51%,  Type 4: 9.34%,  Type 7: 9.25%,  Type 8: 12.5%</a:t>
-            </a:r>
-          </a:p>
-          <a:p>
-            <a:pPr lvl="1"/>
-            <a:r>
-              <a:rPr lang="en-US" sz="1600" dirty="0"/>
-              <a:t>WALLSMATERIAL_MODE: ==&gt; Wooden: 9.7%</a:t>
+              <a:t>Categories like housewives, businessmen, students, and others are less likely to convert and enroll in the course.</a:t>
             </a:r>
           </a:p>
         </p:txBody>
@@ -4942,18 +5469,23 @@
           <p:cNvPr id="4" name="Slide Number Placeholder 3">
             <a:extLst>
               <a:ext uri="{FF2B5EF4-FFF2-40B4-BE49-F238E27FC236}">
-                <a16:creationId xmlns:a16="http://schemas.microsoft.com/office/drawing/2014/main" id="{2D5F4635-3360-4A80-B95C-9D3C0ABEA927}"/>
-              </a:ext>
-            </a:extLst>
-          </p:cNvPr>
-          <p:cNvSpPr>
-            <a:spLocks noGrp="1"/>
-          </p:cNvSpPr>
-          <p:nvPr>
-            <p:ph type="sldNum" sz="quarter" idx="12"/>
-          </p:nvPr>
-        </p:nvSpPr>
-        <p:spPr/>
+                <a16:creationId xmlns:a16="http://schemas.microsoft.com/office/drawing/2014/main" id="{AE018482-926B-47DC-B80B-205799601825}"/>
+              </a:ext>
+            </a:extLst>
+          </p:cNvPr>
+          <p:cNvSpPr>
+            <a:spLocks noGrp="1"/>
+          </p:cNvSpPr>
+          <p:nvPr>
+            <p:ph type="sldNum" sz="quarter" idx="16"/>
+          </p:nvPr>
+        </p:nvSpPr>
+        <p:spPr>
+          <a:xfrm>
+            <a:off x="8610600" y="6356350"/>
+            <a:ext cx="2743200" cy="365125"/>
+          </a:xfrm>
+        </p:spPr>
         <p:txBody>
           <a:bodyPr/>
           <a:lstStyle/>
@@ -4966,10 +5498,88 @@
           </a:p>
         </p:txBody>
       </p:sp>
+      <p:pic>
+        <p:nvPicPr>
+          <p:cNvPr id="6" name="Picture 5">
+            <a:hlinkClick r:id="rId3" action="ppaction://hlinksldjump"/>
+            <a:extLst>
+              <a:ext uri="{FF2B5EF4-FFF2-40B4-BE49-F238E27FC236}">
+                <a16:creationId xmlns:a16="http://schemas.microsoft.com/office/drawing/2014/main" id="{412779D6-6264-46B8-9254-B2BF6B191F08}"/>
+              </a:ext>
+            </a:extLst>
+          </p:cNvPr>
+          <p:cNvPicPr>
+            <a:picLocks noChangeAspect="1"/>
+          </p:cNvPicPr>
+          <p:nvPr/>
+        </p:nvPicPr>
+        <p:blipFill>
+          <a:blip r:embed="rId4"/>
+          <a:stretch>
+            <a:fillRect/>
+          </a:stretch>
+        </p:blipFill>
+        <p:spPr>
+          <a:xfrm>
+            <a:off x="9540976" y="168640"/>
+            <a:ext cx="1359526" cy="347502"/>
+          </a:xfrm>
+          <a:prstGeom prst="rect">
+            <a:avLst/>
+          </a:prstGeom>
+        </p:spPr>
+      </p:pic>
+      <p:pic>
+        <p:nvPicPr>
+          <p:cNvPr id="5128" name="Picture 8">
+            <a:extLst>
+              <a:ext uri="{FF2B5EF4-FFF2-40B4-BE49-F238E27FC236}">
+                <a16:creationId xmlns:a16="http://schemas.microsoft.com/office/drawing/2014/main" id="{95F32A45-5AB1-48AB-825C-41BB5EFF2D02}"/>
+              </a:ext>
+            </a:extLst>
+          </p:cNvPr>
+          <p:cNvPicPr>
+            <a:picLocks noChangeAspect="1" noChangeArrowheads="1"/>
+          </p:cNvPicPr>
+          <p:nvPr/>
+        </p:nvPicPr>
+        <p:blipFill>
+          <a:blip r:embed="rId5">
+            <a:extLst>
+              <a:ext uri="{28A0092B-C50C-407E-A947-70E740481C1C}">
+                <a14:useLocalDpi xmlns:a14="http://schemas.microsoft.com/office/drawing/2010/main" val="0"/>
+              </a:ext>
+            </a:extLst>
+          </a:blip>
+          <a:srcRect/>
+          <a:stretch>
+            <a:fillRect/>
+          </a:stretch>
+        </p:blipFill>
+        <p:spPr bwMode="auto">
+          <a:xfrm>
+            <a:off x="2852530" y="2663692"/>
+            <a:ext cx="6161672" cy="3298504"/>
+          </a:xfrm>
+          <a:prstGeom prst="rect">
+            <a:avLst/>
+          </a:prstGeom>
+          <a:noFill/>
+          <a:extLst>
+            <a:ext uri="{909E8E84-426E-40DD-AFC4-6F175D3DCCD1}">
+              <a14:hiddenFill xmlns:a14="http://schemas.microsoft.com/office/drawing/2010/main">
+                <a:solidFill>
+                  <a:srgbClr val="FFFFFF"/>
+                </a:solidFill>
+              </a14:hiddenFill>
+            </a:ext>
+          </a:extLst>
+        </p:spPr>
+      </p:pic>
     </p:spTree>
     <p:extLst>
       <p:ext uri="{BB962C8B-B14F-4D97-AF65-F5344CB8AC3E}">
-        <p14:creationId xmlns:p14="http://schemas.microsoft.com/office/powerpoint/2010/main" val="1752635752"/>
+        <p14:creationId xmlns:p14="http://schemas.microsoft.com/office/powerpoint/2010/main" val="873818437"/>
       </p:ext>
     </p:extLst>
   </p:cSld>
@@ -5001,7 +5611,7 @@
           <p:cNvPr id="2" name="Title 1">
             <a:extLst>
               <a:ext uri="{FF2B5EF4-FFF2-40B4-BE49-F238E27FC236}">
-                <a16:creationId xmlns:a16="http://schemas.microsoft.com/office/drawing/2014/main" id="{A64FEC9B-9EF9-4FF3-BE51-CEF599AC0370}"/>
+                <a16:creationId xmlns:a16="http://schemas.microsoft.com/office/drawing/2014/main" id="{5FFC370E-D382-409B-B21F-AC1CCAAAE6E0}"/>
               </a:ext>
             </a:extLst>
           </p:cNvPr>
@@ -5014,8 +5624,8 @@
         </p:nvSpPr>
         <p:spPr>
           <a:xfrm>
-            <a:off x="838200" y="365126"/>
-            <a:ext cx="10515600" cy="558240"/>
+            <a:off x="838200" y="587829"/>
+            <a:ext cx="10515600" cy="594955"/>
           </a:xfrm>
         </p:spPr>
         <p:txBody>
@@ -5026,7 +5636,11 @@
           <a:p>
             <a:r>
               <a:rPr lang="en-IN" b="1" dirty="0"/>
-              <a:t>Contd..</a:t>
+              <a:t>EDA – Data Insights</a:t>
+            </a:r>
+            <a:r>
+              <a:rPr lang="en-IN" sz="1200" b="1" dirty="0"/>
+              <a:t> (contd.)</a:t>
             </a:r>
           </a:p>
         </p:txBody>
@@ -5036,7 +5650,7 @@
           <p:cNvPr id="3" name="Content Placeholder 2">
             <a:extLst>
               <a:ext uri="{FF2B5EF4-FFF2-40B4-BE49-F238E27FC236}">
-                <a16:creationId xmlns:a16="http://schemas.microsoft.com/office/drawing/2014/main" id="{972F0BDC-7D61-46C9-961C-10D1DEF2FFD5}"/>
+                <a16:creationId xmlns:a16="http://schemas.microsoft.com/office/drawing/2014/main" id="{E2A4AB5F-01E2-46C2-85DC-18F0969F31E7}"/>
               </a:ext>
             </a:extLst>
           </p:cNvPr>
@@ -5049,136 +5663,33 @@
         </p:nvSpPr>
         <p:spPr>
           <a:xfrm>
-            <a:off x="838200" y="1111624"/>
-            <a:ext cx="10515600" cy="5065339"/>
+            <a:off x="838200" y="1254469"/>
+            <a:ext cx="10515600" cy="816321"/>
           </a:xfrm>
         </p:spPr>
         <p:txBody>
           <a:bodyPr>
-            <a:normAutofit fontScale="77500" lnSpcReduction="20000"/>
+            <a:normAutofit/>
           </a:bodyPr>
           <a:lstStyle/>
           <a:p>
-            <a:pPr lvl="1"/>
-            <a:r>
-              <a:rPr lang="en-US" sz="1800" dirty="0"/>
-              <a:t>YEARS_BIRTH: ==&gt; (20.999, 28.0]: 11.56%,  (28.0, 32.0]: 10.8%,  (32.0, 36.0]: 9.79%</a:t>
-            </a:r>
-          </a:p>
-          <a:p>
-            <a:pPr lvl="1"/>
-            <a:r>
-              <a:rPr lang="en-US" sz="1800" dirty="0"/>
-              <a:t>YEARS_EMPLOYED: ==&gt; (-0.001, 1.0]: 11.27%,  (1.0, 2.0]: 11.06%,  (2.0, 3.0]: 10.37%</a:t>
-            </a:r>
-          </a:p>
-          <a:p>
-            <a:pPr lvl="1"/>
-            <a:r>
-              <a:rPr lang="en-US" sz="1800" dirty="0"/>
-              <a:t>YEARS_ID_PUBLISH: ==&gt; (-0.001, 2.0]: 10.19%,  (2.0, 4.0]: 9.58%</a:t>
-            </a:r>
-          </a:p>
-          <a:p>
-            <a:pPr lvl="1"/>
-            <a:r>
-              <a:rPr lang="en-US" sz="1800" dirty="0"/>
-              <a:t>YEARS_LAST_PHONE_CHANGE: ==&gt; (-0.001, 1.0]: 9.49%</a:t>
-            </a:r>
-          </a:p>
-          <a:p>
-            <a:pPr lvl="1"/>
-            <a:r>
-              <a:rPr lang="en-US" sz="1800" dirty="0"/>
-              <a:t>YEARS_REGISTRATION: ==&gt; (-0.001, 2.0]: 9.66%</a:t>
-            </a:r>
-          </a:p>
-          <a:p>
-            <a:pPr lvl="1"/>
-            <a:r>
-              <a:rPr lang="en-US" sz="1800" dirty="0"/>
-              <a:t>ext2_work_hrs_7AM_6PM: ==&gt; no: 9.25%</a:t>
-            </a:r>
-          </a:p>
-          <a:p>
-            <a:pPr lvl="1"/>
-            <a:r>
-              <a:rPr lang="en-US" sz="1800" dirty="0"/>
-              <a:t>HOUR_APPR_PROCESS_START: ==&gt; 0: 15.0%,  2: 9.84%,  5: 10.58%,  6: 11.04%,  7: 10.04%,  22: 10.0%,  23: 12.2%</a:t>
-            </a:r>
-          </a:p>
-          <a:p>
-            <a:pPr lvl="1"/>
-            <a:r>
-              <a:rPr lang="en-US" sz="1800" dirty="0"/>
-              <a:t>CNT_CHILDREN: ==&gt; 3: 9.63%,  4: 12.82%,  6: 28.57%,  9: 100.0%,  11: 100.0%</a:t>
-            </a:r>
-          </a:p>
-          <a:p>
-            <a:pPr lvl="1"/>
-            <a:r>
-              <a:rPr lang="en-US" sz="1800" dirty="0"/>
-              <a:t>REGION_RATING_CLIENT: ==&gt; 3: 11.1%</a:t>
-            </a:r>
-          </a:p>
-          <a:p>
-            <a:pPr lvl="1"/>
-            <a:r>
-              <a:rPr lang="en-US" sz="1800" dirty="0"/>
-              <a:t>REGION_RATING_CLIENT_W_CITY: ==&gt; 3: 11.4%</a:t>
-            </a:r>
-          </a:p>
-          <a:p>
-            <a:pPr lvl="1"/>
-            <a:r>
-              <a:rPr lang="en-US" sz="1800" dirty="0"/>
-              <a:t>REG_CITY_NOT_LIVE_CITY: ==&gt; 1: 12.23%</a:t>
-            </a:r>
-          </a:p>
-          <a:p>
-            <a:pPr lvl="1"/>
-            <a:r>
-              <a:rPr lang="en-US" sz="1800" dirty="0"/>
-              <a:t>REG_REGION_NOT_LIVE_REGION: ==&gt; 1: 9.3%</a:t>
-            </a:r>
-          </a:p>
-          <a:p>
-            <a:pPr lvl="1"/>
-            <a:r>
-              <a:rPr lang="en-US" sz="1800" dirty="0"/>
-              <a:t>FLAG_WORK_PHONE: ==&gt; 1: 9.63%</a:t>
-            </a:r>
-          </a:p>
-          <a:p>
-            <a:pPr lvl="1"/>
-            <a:r>
-              <a:rPr lang="en-US" sz="1800" dirty="0"/>
-              <a:t>REG_CITY_NOT_WORK_CITY: ==&gt; 1: 10.61%</a:t>
-            </a:r>
-          </a:p>
-          <a:p>
-            <a:pPr lvl="1"/>
-            <a:r>
-              <a:rPr lang="en-US" sz="1800" dirty="0"/>
-              <a:t>LIVE_CITY_NOT_WORK_CITY: ==&gt; 1: 9.97%</a:t>
-            </a:r>
-          </a:p>
-          <a:p>
-            <a:r>
-              <a:rPr lang="en-US" sz="2100" dirty="0"/>
-              <a:t>ELEVATORS (AVG, MEDI, MODE) with payment difficulty have higher skewed distribution towards lower values i.e.. more than 87.5% of data has &lt;0.2 values, hence new clients with such values can tend to have higher chance of payment difficulty.</a:t>
-            </a:r>
-          </a:p>
-          <a:p>
-            <a:r>
-              <a:rPr lang="en-US" sz="2100" dirty="0"/>
-              <a:t>ENTRANCES (AVG, MEDI, MODE) with payment difficulty have higher skewed distribution towards lower values i.e.. more than 75% of data has &lt;0.2 values, hence new clients with such values can tend to have higher chance of payment difficulty.</a:t>
-            </a:r>
-          </a:p>
-          <a:p>
-            <a:r>
-              <a:rPr lang="en-US" sz="2100" dirty="0"/>
-              <a:t>EXT_SOURCE_{1,2,3} with payment difficulty have more than 75% of data with &lt;0.6 values, hence new clients with such values can tend to have higher chance of payment difficulty.</a:t>
+            <a:r>
+              <a:rPr lang="en-IN" sz="1400" dirty="0"/>
+              <a:t>Based on </a:t>
+            </a:r>
+            <a:r>
+              <a:rPr lang="en-IN" sz="1400" b="1" dirty="0"/>
+              <a:t>Country</a:t>
+            </a:r>
+            <a:r>
+              <a:rPr lang="en-IN" sz="1400" dirty="0"/>
+              <a:t>, more number and significant proportion of leads are converted among these choices:: India.</a:t>
+            </a:r>
+          </a:p>
+          <a:p>
+            <a:r>
+              <a:rPr lang="en-US" sz="1400" dirty="0"/>
+              <a:t>Because "India" shows as the most occurring Country, it may not be suitable for an analysis - especially for a classification problem. Therefore we remove the Country column to avoid the bias and high VIF.</a:t>
             </a:r>
           </a:p>
         </p:txBody>
@@ -5188,18 +5699,23 @@
           <p:cNvPr id="4" name="Slide Number Placeholder 3">
             <a:extLst>
               <a:ext uri="{FF2B5EF4-FFF2-40B4-BE49-F238E27FC236}">
-                <a16:creationId xmlns:a16="http://schemas.microsoft.com/office/drawing/2014/main" id="{EA0A057D-AA61-47D0-8190-7ED6AC955BDF}"/>
-              </a:ext>
-            </a:extLst>
-          </p:cNvPr>
-          <p:cNvSpPr>
-            <a:spLocks noGrp="1"/>
-          </p:cNvSpPr>
-          <p:nvPr>
-            <p:ph type="sldNum" sz="quarter" idx="12"/>
-          </p:nvPr>
-        </p:nvSpPr>
-        <p:spPr/>
+                <a16:creationId xmlns:a16="http://schemas.microsoft.com/office/drawing/2014/main" id="{AE018482-926B-47DC-B80B-205799601825}"/>
+              </a:ext>
+            </a:extLst>
+          </p:cNvPr>
+          <p:cNvSpPr>
+            <a:spLocks noGrp="1"/>
+          </p:cNvSpPr>
+          <p:nvPr>
+            <p:ph type="sldNum" sz="quarter" idx="16"/>
+          </p:nvPr>
+        </p:nvSpPr>
+        <p:spPr>
+          <a:xfrm>
+            <a:off x="8610600" y="6356350"/>
+            <a:ext cx="2743200" cy="365125"/>
+          </a:xfrm>
+        </p:spPr>
         <p:txBody>
           <a:bodyPr/>
           <a:lstStyle/>
@@ -5212,10 +5728,88 @@
           </a:p>
         </p:txBody>
       </p:sp>
+      <p:pic>
+        <p:nvPicPr>
+          <p:cNvPr id="6" name="Picture 5">
+            <a:hlinkClick r:id="rId3" action="ppaction://hlinksldjump"/>
+            <a:extLst>
+              <a:ext uri="{FF2B5EF4-FFF2-40B4-BE49-F238E27FC236}">
+                <a16:creationId xmlns:a16="http://schemas.microsoft.com/office/drawing/2014/main" id="{412779D6-6264-46B8-9254-B2BF6B191F08}"/>
+              </a:ext>
+            </a:extLst>
+          </p:cNvPr>
+          <p:cNvPicPr>
+            <a:picLocks noChangeAspect="1"/>
+          </p:cNvPicPr>
+          <p:nvPr/>
+        </p:nvPicPr>
+        <p:blipFill>
+          <a:blip r:embed="rId4"/>
+          <a:stretch>
+            <a:fillRect/>
+          </a:stretch>
+        </p:blipFill>
+        <p:spPr>
+          <a:xfrm>
+            <a:off x="9540976" y="168640"/>
+            <a:ext cx="1359526" cy="347502"/>
+          </a:xfrm>
+          <a:prstGeom prst="rect">
+            <a:avLst/>
+          </a:prstGeom>
+        </p:spPr>
+      </p:pic>
+      <p:pic>
+        <p:nvPicPr>
+          <p:cNvPr id="6148" name="Picture 4">
+            <a:extLst>
+              <a:ext uri="{FF2B5EF4-FFF2-40B4-BE49-F238E27FC236}">
+                <a16:creationId xmlns:a16="http://schemas.microsoft.com/office/drawing/2014/main" id="{57F8277E-4554-40EE-B46A-DFEC36EC409F}"/>
+              </a:ext>
+            </a:extLst>
+          </p:cNvPr>
+          <p:cNvPicPr>
+            <a:picLocks noChangeAspect="1" noChangeArrowheads="1"/>
+          </p:cNvPicPr>
+          <p:nvPr/>
+        </p:nvPicPr>
+        <p:blipFill>
+          <a:blip r:embed="rId5">
+            <a:extLst>
+              <a:ext uri="{28A0092B-C50C-407E-A947-70E740481C1C}">
+                <a14:useLocalDpi xmlns:a14="http://schemas.microsoft.com/office/drawing/2010/main" val="0"/>
+              </a:ext>
+            </a:extLst>
+          </a:blip>
+          <a:srcRect/>
+          <a:stretch>
+            <a:fillRect/>
+          </a:stretch>
+        </p:blipFill>
+        <p:spPr bwMode="auto">
+          <a:xfrm>
+            <a:off x="1272209" y="2147301"/>
+            <a:ext cx="9834597" cy="4023477"/>
+          </a:xfrm>
+          <a:prstGeom prst="rect">
+            <a:avLst/>
+          </a:prstGeom>
+          <a:noFill/>
+          <a:extLst>
+            <a:ext uri="{909E8E84-426E-40DD-AFC4-6F175D3DCCD1}">
+              <a14:hiddenFill xmlns:a14="http://schemas.microsoft.com/office/drawing/2010/main">
+                <a:solidFill>
+                  <a:srgbClr val="FFFFFF"/>
+                </a:solidFill>
+              </a14:hiddenFill>
+            </a:ext>
+          </a:extLst>
+        </p:spPr>
+      </p:pic>
     </p:spTree>
     <p:extLst>
       <p:ext uri="{BB962C8B-B14F-4D97-AF65-F5344CB8AC3E}">
-        <p14:creationId xmlns:p14="http://schemas.microsoft.com/office/powerpoint/2010/main" val="1426642968"/>
+        <p14:creationId xmlns:p14="http://schemas.microsoft.com/office/powerpoint/2010/main" val="2354798922"/>
       </p:ext>
     </p:extLst>
   </p:cSld>
@@ -5247,7 +5841,7 @@
           <p:cNvPr id="2" name="Title 1">
             <a:extLst>
               <a:ext uri="{FF2B5EF4-FFF2-40B4-BE49-F238E27FC236}">
-                <a16:creationId xmlns:a16="http://schemas.microsoft.com/office/drawing/2014/main" id="{1E26468C-79BA-4654-B1F4-35E495902C14}"/>
+                <a16:creationId xmlns:a16="http://schemas.microsoft.com/office/drawing/2014/main" id="{5FFC370E-D382-409B-B21F-AC1CCAAAE6E0}"/>
               </a:ext>
             </a:extLst>
           </p:cNvPr>
@@ -5258,7 +5852,12 @@
             <p:ph type="title"/>
           </p:nvPr>
         </p:nvSpPr>
-        <p:spPr/>
+        <p:spPr>
+          <a:xfrm>
+            <a:off x="838200" y="587829"/>
+            <a:ext cx="10515600" cy="594955"/>
+          </a:xfrm>
+        </p:spPr>
         <p:txBody>
           <a:bodyPr>
             <a:normAutofit/>
@@ -5267,16 +5866,12 @@
           <a:p>
             <a:r>
               <a:rPr lang="en-IN" b="1" dirty="0"/>
-              <a:t>Previous Application data - Data Handling </a:t>
-            </a:r>
-            <a:br>
-              <a:rPr lang="en-IN" b="1" dirty="0"/>
-            </a:br>
+              <a:t>EDA – Data Insights</a:t>
+            </a:r>
             <a:r>
               <a:rPr lang="en-IN" sz="1200" b="1" dirty="0"/>
-              <a:t>(previous_application.csv) </a:t>
-            </a:r>
-            <a:endParaRPr lang="en-IN" sz="4000" b="1" dirty="0"/>
+              <a:t> (contd.)</a:t>
+            </a:r>
           </a:p>
         </p:txBody>
       </p:sp>
@@ -5285,7 +5880,7 @@
           <p:cNvPr id="3" name="Content Placeholder 2">
             <a:extLst>
               <a:ext uri="{FF2B5EF4-FFF2-40B4-BE49-F238E27FC236}">
-                <a16:creationId xmlns:a16="http://schemas.microsoft.com/office/drawing/2014/main" id="{78A98155-96F0-482C-83D8-96FCA61D67D2}"/>
+                <a16:creationId xmlns:a16="http://schemas.microsoft.com/office/drawing/2014/main" id="{E2A4AB5F-01E2-46C2-85DC-18F0969F31E7}"/>
               </a:ext>
             </a:extLst>
           </p:cNvPr>
@@ -5296,7 +5891,12 @@
             <p:ph idx="1"/>
           </p:nvPr>
         </p:nvSpPr>
-        <p:spPr/>
+        <p:spPr>
+          <a:xfrm>
+            <a:off x="838200" y="1254468"/>
+            <a:ext cx="4071730" cy="4838219"/>
+          </a:xfrm>
+        </p:spPr>
         <p:txBody>
           <a:bodyPr>
             <a:normAutofit/>
@@ -5304,15 +5904,56 @@
           <a:lstStyle/>
           <a:p>
             <a:r>
-              <a:rPr lang="en-US" sz="2400" dirty="0"/>
-              <a:t>All the observations in this process (data handling) and actions taken are stated adjacent to the step/cell where such action is performed.</a:t>
-            </a:r>
-            <a:endParaRPr lang="en-IN" sz="2400" dirty="0"/>
-          </a:p>
-          <a:p>
-            <a:r>
-              <a:rPr lang="en-US" sz="2400" dirty="0"/>
-              <a:t>Some imputations may be based on assumption/data understanding, rather than empirical method(s).</a:t>
+              <a:rPr lang="en-IN" sz="1400" dirty="0"/>
+              <a:t>Based on </a:t>
+            </a:r>
+            <a:r>
+              <a:rPr lang="en-IN" sz="1400" b="1" dirty="0"/>
+              <a:t>Lead Source</a:t>
+            </a:r>
+            <a:r>
+              <a:rPr lang="en-IN" sz="1400" dirty="0"/>
+              <a:t>, </a:t>
+            </a:r>
+          </a:p>
+          <a:p>
+            <a:r>
+              <a:rPr lang="en-US" sz="1400" dirty="0"/>
+              <a:t>The majority of leads are generated through Google and direct traffic, with the fewest coming from live chat.</a:t>
+            </a:r>
+          </a:p>
+          <a:p>
+            <a:r>
+              <a:rPr lang="en-US" sz="1400" dirty="0"/>
+              <a:t>The </a:t>
+            </a:r>
+            <a:r>
+              <a:rPr lang="en-US" sz="1400" dirty="0" err="1"/>
+              <a:t>Welingak</a:t>
+            </a:r>
+            <a:r>
+              <a:rPr lang="en-US" sz="1400" dirty="0"/>
+              <a:t> website has the highest conversion rate.</a:t>
+            </a:r>
+          </a:p>
+          <a:p>
+            <a:r>
+              <a:rPr lang="en-US" sz="1400" dirty="0"/>
+              <a:t>Improving lead conversion can be achieved by maximizing leads from references and the </a:t>
+            </a:r>
+            <a:r>
+              <a:rPr lang="en-US" sz="1400" dirty="0" err="1"/>
+              <a:t>Welingak</a:t>
+            </a:r>
+            <a:r>
+              <a:rPr lang="en-US" sz="1400" dirty="0"/>
+              <a:t> website.</a:t>
+            </a:r>
+          </a:p>
+          <a:p>
+            <a:r>
+              <a:rPr lang="en-US" sz="1400" dirty="0"/>
+              <a:t>Focusing on Olark chat, organic search, direct traffic, and Google leads could further boost lead conversion rates.</a:t>
             </a:r>
           </a:p>
         </p:txBody>
@@ -5322,18 +5963,23 @@
           <p:cNvPr id="4" name="Slide Number Placeholder 3">
             <a:extLst>
               <a:ext uri="{FF2B5EF4-FFF2-40B4-BE49-F238E27FC236}">
-                <a16:creationId xmlns:a16="http://schemas.microsoft.com/office/drawing/2014/main" id="{06D4C845-F20D-4A49-84DF-A8146B61C743}"/>
-              </a:ext>
-            </a:extLst>
-          </p:cNvPr>
-          <p:cNvSpPr>
-            <a:spLocks noGrp="1"/>
-          </p:cNvSpPr>
-          <p:nvPr>
-            <p:ph type="sldNum" sz="quarter" idx="12"/>
-          </p:nvPr>
-        </p:nvSpPr>
-        <p:spPr/>
+                <a16:creationId xmlns:a16="http://schemas.microsoft.com/office/drawing/2014/main" id="{AE018482-926B-47DC-B80B-205799601825}"/>
+              </a:ext>
+            </a:extLst>
+          </p:cNvPr>
+          <p:cNvSpPr>
+            <a:spLocks noGrp="1"/>
+          </p:cNvSpPr>
+          <p:nvPr>
+            <p:ph type="sldNum" sz="quarter" idx="16"/>
+          </p:nvPr>
+        </p:nvSpPr>
+        <p:spPr>
+          <a:xfrm>
+            <a:off x="8610600" y="6356350"/>
+            <a:ext cx="2743200" cy="365125"/>
+          </a:xfrm>
+        </p:spPr>
         <p:txBody>
           <a:bodyPr/>
           <a:lstStyle/>
@@ -5346,10 +5992,88 @@
           </a:p>
         </p:txBody>
       </p:sp>
+      <p:pic>
+        <p:nvPicPr>
+          <p:cNvPr id="6" name="Picture 5">
+            <a:hlinkClick r:id="rId3" action="ppaction://hlinksldjump"/>
+            <a:extLst>
+              <a:ext uri="{FF2B5EF4-FFF2-40B4-BE49-F238E27FC236}">
+                <a16:creationId xmlns:a16="http://schemas.microsoft.com/office/drawing/2014/main" id="{412779D6-6264-46B8-9254-B2BF6B191F08}"/>
+              </a:ext>
+            </a:extLst>
+          </p:cNvPr>
+          <p:cNvPicPr>
+            <a:picLocks noChangeAspect="1"/>
+          </p:cNvPicPr>
+          <p:nvPr/>
+        </p:nvPicPr>
+        <p:blipFill>
+          <a:blip r:embed="rId4"/>
+          <a:stretch>
+            <a:fillRect/>
+          </a:stretch>
+        </p:blipFill>
+        <p:spPr>
+          <a:xfrm>
+            <a:off x="9540976" y="168640"/>
+            <a:ext cx="1359526" cy="347502"/>
+          </a:xfrm>
+          <a:prstGeom prst="rect">
+            <a:avLst/>
+          </a:prstGeom>
+        </p:spPr>
+      </p:pic>
+      <p:pic>
+        <p:nvPicPr>
+          <p:cNvPr id="7170" name="Picture 2">
+            <a:extLst>
+              <a:ext uri="{FF2B5EF4-FFF2-40B4-BE49-F238E27FC236}">
+                <a16:creationId xmlns:a16="http://schemas.microsoft.com/office/drawing/2014/main" id="{03770AB9-660D-4734-8082-C38797062C99}"/>
+              </a:ext>
+            </a:extLst>
+          </p:cNvPr>
+          <p:cNvPicPr>
+            <a:picLocks noChangeAspect="1" noChangeArrowheads="1"/>
+          </p:cNvPicPr>
+          <p:nvPr/>
+        </p:nvPicPr>
+        <p:blipFill>
+          <a:blip r:embed="rId5">
+            <a:extLst>
+              <a:ext uri="{28A0092B-C50C-407E-A947-70E740481C1C}">
+                <a14:useLocalDpi xmlns:a14="http://schemas.microsoft.com/office/drawing/2010/main" val="0"/>
+              </a:ext>
+            </a:extLst>
+          </a:blip>
+          <a:srcRect/>
+          <a:stretch>
+            <a:fillRect/>
+          </a:stretch>
+        </p:blipFill>
+        <p:spPr bwMode="auto">
+          <a:xfrm>
+            <a:off x="4974991" y="1254468"/>
+            <a:ext cx="6511121" cy="4301506"/>
+          </a:xfrm>
+          <a:prstGeom prst="rect">
+            <a:avLst/>
+          </a:prstGeom>
+          <a:noFill/>
+          <a:extLst>
+            <a:ext uri="{909E8E84-426E-40DD-AFC4-6F175D3DCCD1}">
+              <a14:hiddenFill xmlns:a14="http://schemas.microsoft.com/office/drawing/2010/main">
+                <a:solidFill>
+                  <a:srgbClr val="FFFFFF"/>
+                </a:solidFill>
+              </a14:hiddenFill>
+            </a:ext>
+          </a:extLst>
+        </p:spPr>
+      </p:pic>
     </p:spTree>
     <p:extLst>
       <p:ext uri="{BB962C8B-B14F-4D97-AF65-F5344CB8AC3E}">
-        <p14:creationId xmlns:p14="http://schemas.microsoft.com/office/powerpoint/2010/main" val="4281441585"/>
+        <p14:creationId xmlns:p14="http://schemas.microsoft.com/office/powerpoint/2010/main" val="1759481995"/>
       </p:ext>
     </p:extLst>
   </p:cSld>
@@ -5381,7 +6105,7 @@
           <p:cNvPr id="2" name="Title 1">
             <a:extLst>
               <a:ext uri="{FF2B5EF4-FFF2-40B4-BE49-F238E27FC236}">
-                <a16:creationId xmlns:a16="http://schemas.microsoft.com/office/drawing/2014/main" id="{1E26468C-79BA-4654-B1F4-35E495902C14}"/>
+                <a16:creationId xmlns:a16="http://schemas.microsoft.com/office/drawing/2014/main" id="{5FFC370E-D382-409B-B21F-AC1CCAAAE6E0}"/>
               </a:ext>
             </a:extLst>
           </p:cNvPr>
@@ -5392,7 +6116,12 @@
             <p:ph type="title"/>
           </p:nvPr>
         </p:nvSpPr>
-        <p:spPr/>
+        <p:spPr>
+          <a:xfrm>
+            <a:off x="838200" y="587829"/>
+            <a:ext cx="10515600" cy="594955"/>
+          </a:xfrm>
+        </p:spPr>
         <p:txBody>
           <a:bodyPr>
             <a:normAutofit/>
@@ -5401,16 +6130,12 @@
           <a:p>
             <a:r>
               <a:rPr lang="en-IN" b="1" dirty="0"/>
-              <a:t>Previous Application data - Insights </a:t>
-            </a:r>
-            <a:br>
-              <a:rPr lang="en-IN" b="1" dirty="0"/>
-            </a:br>
+              <a:t>EDA – Data Insights</a:t>
+            </a:r>
             <a:r>
               <a:rPr lang="en-IN" sz="1200" b="1" dirty="0"/>
-              <a:t>(previous_application.csv)</a:t>
-            </a:r>
-            <a:endParaRPr lang="en-IN" sz="3200" b="1" dirty="0"/>
+              <a:t> (contd.)</a:t>
+            </a:r>
           </a:p>
         </p:txBody>
       </p:sp>
@@ -5419,7 +6144,7 @@
           <p:cNvPr id="3" name="Content Placeholder 2">
             <a:extLst>
               <a:ext uri="{FF2B5EF4-FFF2-40B4-BE49-F238E27FC236}">
-                <a16:creationId xmlns:a16="http://schemas.microsoft.com/office/drawing/2014/main" id="{78A98155-96F0-482C-83D8-96FCA61D67D2}"/>
+                <a16:creationId xmlns:a16="http://schemas.microsoft.com/office/drawing/2014/main" id="{E2A4AB5F-01E2-46C2-85DC-18F0969F31E7}"/>
               </a:ext>
             </a:extLst>
           </p:cNvPr>
@@ -5430,7 +6155,12 @@
             <p:ph idx="1"/>
           </p:nvPr>
         </p:nvSpPr>
-        <p:spPr/>
+        <p:spPr>
+          <a:xfrm>
+            <a:off x="838200" y="1254469"/>
+            <a:ext cx="3932583" cy="4410835"/>
+          </a:xfrm>
+        </p:spPr>
         <p:txBody>
           <a:bodyPr>
             <a:normAutofit/>
@@ -5438,114 +6168,34 @@
           <a:lstStyle/>
           <a:p>
             <a:r>
-              <a:rPr lang="en-US" sz="1800" dirty="0"/>
-              <a:t>For the following Columns/Attributes, the % of loan applications which come under following segments(s) are more likely to have Loan Rejections (with various reasons available in CODE_REJECT_REASON): </a:t>
-            </a:r>
-            <a:r>
-              <a:rPr lang="en-US" sz="1600" dirty="0"/>
-              <a:t>(Obtained these insights by considering 2% tolerance </a:t>
-            </a:r>
-            <a:r>
-              <a:rPr lang="en-US" sz="1600" dirty="0" err="1"/>
-              <a:t>w.r.t.</a:t>
-            </a:r>
-            <a:r>
-              <a:rPr lang="en-US" sz="1600" dirty="0"/>
-              <a:t> overall Loans’ rejection proportion (~19%), hence threshold is 21%)</a:t>
-            </a:r>
-            <a:endParaRPr lang="en-IN" sz="1800" dirty="0"/>
-          </a:p>
-          <a:p>
-            <a:pPr lvl="1"/>
-            <a:r>
-              <a:rPr lang="en-US" sz="1600" dirty="0"/>
-              <a:t>CHANNEL_TYPE: ==&gt; </a:t>
-            </a:r>
-          </a:p>
-          <a:p>
-            <a:pPr lvl="2"/>
+              <a:rPr lang="en-IN" sz="1400" dirty="0"/>
+              <a:t>Based on </a:t>
+            </a:r>
+            <a:r>
+              <a:rPr lang="en-IN" sz="1400" b="1" dirty="0"/>
+              <a:t>Lead Origin</a:t>
+            </a:r>
+            <a:r>
+              <a:rPr lang="en-IN" sz="1400" dirty="0"/>
+              <a:t>, </a:t>
+            </a:r>
+          </a:p>
+          <a:p>
             <a:r>
               <a:rPr lang="en-US" sz="1400" dirty="0"/>
-              <a:t>AP+ (Cash loan): 30.05%,  Car dealer: 28.76%,  Channel of corporate sales: 35.96%,  Credit and cash offices: 27.78%</a:t>
-            </a:r>
-            <a:endParaRPr lang="en-US" sz="1200" dirty="0"/>
-          </a:p>
-          <a:p>
-            <a:pPr lvl="1"/>
-            <a:r>
-              <a:rPr lang="en-US" sz="1600" dirty="0"/>
-              <a:t>FLAG_LAST_APPL_PER_CONTRACT: ==&gt; N: 99.95%,  Y: 27.52%</a:t>
-            </a:r>
-          </a:p>
-          <a:p>
-            <a:pPr lvl="1"/>
-            <a:r>
-              <a:rPr lang="en-US" sz="1600" dirty="0"/>
-              <a:t>NAME_CASH_LOAN_PURPOSE: ==&gt; </a:t>
-            </a:r>
-          </a:p>
-          <a:p>
-            <a:pPr lvl="2"/>
+              <a:t>Both API and landing page submissions generate a high volume of leads and conversions.</a:t>
+            </a:r>
+          </a:p>
+          <a:p>
             <a:r>
               <a:rPr lang="en-US" sz="1400" dirty="0"/>
-              <a:t>Building a house or an annex: 63.06%,  Business development: 58.87%,  Buying a garage: 55.66%,  </a:t>
-            </a:r>
-          </a:p>
-          <a:p>
-            <a:pPr lvl="2"/>
+              <a:t>While the lead add form has a strong conversion rate, the number of leads it generates is relatively low.</a:t>
+            </a:r>
+          </a:p>
+          <a:p>
             <a:r>
               <a:rPr lang="en-US" sz="1400" dirty="0"/>
-              <a:t>Buying a holiday home / land: 63.25%,  Buying a home: 64.59%,  Buying a new car: 64.35%,  Buying a used car: 57.21%,  </a:t>
-            </a:r>
-          </a:p>
-          <a:p>
-            <a:pPr lvl="2"/>
-            <a:r>
-              <a:rPr lang="en-US" sz="1400" dirty="0"/>
-              <a:t>Car repairs: 48.36%,  Education: 43.79%,  Everyday expenses: 43.86%,  Furniture: 46.71%,  Gasification / water supply: 51.27%, </a:t>
-            </a:r>
-          </a:p>
-          <a:p>
-            <a:pPr lvl="2"/>
-            <a:r>
-              <a:rPr lang="en-US" sz="1400" dirty="0"/>
-              <a:t>Hobby: 64.15%,  Journey: 46.75%,  Medicine: 43.71%,  Money for a third person: 52.0%,  Other: 47.65%,  </a:t>
-            </a:r>
-          </a:p>
-          <a:p>
-            <a:pPr lvl="2"/>
-            <a:r>
-              <a:rPr lang="en-US" sz="1400" dirty="0"/>
-              <a:t>Payments on other loans: 76.37%,  Purchase of electronic equipment: 39.54%,  Refusal to name the goal: 71.43%,  </a:t>
-            </a:r>
-          </a:p>
-          <a:p>
-            <a:pPr lvl="2"/>
-            <a:r>
-              <a:rPr lang="en-US" sz="1400" dirty="0"/>
-              <a:t>Repairs: 51.69%,  Urgent needs: 49.08%,  Wedding / gift / holiday: 49.94%,  XAP: 21.4%,  XNA: 22.9%</a:t>
-            </a:r>
-            <a:endParaRPr lang="en-US" sz="1200" dirty="0"/>
-          </a:p>
-          <a:p>
-            <a:pPr lvl="1"/>
-            <a:r>
-              <a:rPr lang="en-US" sz="1600" dirty="0"/>
-              <a:t>NAME_CLIENT_TYPE: ==&gt; Repeater: 31.72%</a:t>
-            </a:r>
-          </a:p>
-          <a:p>
-            <a:pPr lvl="1"/>
-            <a:r>
-              <a:rPr lang="en-US" sz="1600" dirty="0"/>
-              <a:t>NAME_CONTRACT_STATUS: ==&gt; Refused: 100.0%,  Unused offer: 100.0%</a:t>
-            </a:r>
-          </a:p>
-          <a:p>
-            <a:pPr lvl="1"/>
-            <a:r>
-              <a:rPr lang="en-US" sz="1600" dirty="0"/>
-              <a:t>NAME_CONTRACT_TYPE: ==&gt; Cash loans: 26.48%,  Revolving loans: 23.4%</a:t>
+              <a:t>Increasing the number of leads through the lead add form could significantly boost the overall conversion rate and contribute to greater growth.</a:t>
             </a:r>
           </a:p>
         </p:txBody>
@@ -5555,18 +6205,23 @@
           <p:cNvPr id="4" name="Slide Number Placeholder 3">
             <a:extLst>
               <a:ext uri="{FF2B5EF4-FFF2-40B4-BE49-F238E27FC236}">
-                <a16:creationId xmlns:a16="http://schemas.microsoft.com/office/drawing/2014/main" id="{FF7224E6-EEBB-43A4-A8D7-10CEFDFE4AFC}"/>
-              </a:ext>
-            </a:extLst>
-          </p:cNvPr>
-          <p:cNvSpPr>
-            <a:spLocks noGrp="1"/>
-          </p:cNvSpPr>
-          <p:nvPr>
-            <p:ph type="sldNum" sz="quarter" idx="12"/>
-          </p:nvPr>
-        </p:nvSpPr>
-        <p:spPr/>
+                <a16:creationId xmlns:a16="http://schemas.microsoft.com/office/drawing/2014/main" id="{AE018482-926B-47DC-B80B-205799601825}"/>
+              </a:ext>
+            </a:extLst>
+          </p:cNvPr>
+          <p:cNvSpPr>
+            <a:spLocks noGrp="1"/>
+          </p:cNvSpPr>
+          <p:nvPr>
+            <p:ph type="sldNum" sz="quarter" idx="16"/>
+          </p:nvPr>
+        </p:nvSpPr>
+        <p:spPr>
+          <a:xfrm>
+            <a:off x="8610600" y="6356350"/>
+            <a:ext cx="2743200" cy="365125"/>
+          </a:xfrm>
+        </p:spPr>
         <p:txBody>
           <a:bodyPr/>
           <a:lstStyle/>
@@ -5579,10 +6234,88 @@
           </a:p>
         </p:txBody>
       </p:sp>
+      <p:pic>
+        <p:nvPicPr>
+          <p:cNvPr id="6" name="Picture 5">
+            <a:hlinkClick r:id="rId3" action="ppaction://hlinksldjump"/>
+            <a:extLst>
+              <a:ext uri="{FF2B5EF4-FFF2-40B4-BE49-F238E27FC236}">
+                <a16:creationId xmlns:a16="http://schemas.microsoft.com/office/drawing/2014/main" id="{412779D6-6264-46B8-9254-B2BF6B191F08}"/>
+              </a:ext>
+            </a:extLst>
+          </p:cNvPr>
+          <p:cNvPicPr>
+            <a:picLocks noChangeAspect="1"/>
+          </p:cNvPicPr>
+          <p:nvPr/>
+        </p:nvPicPr>
+        <p:blipFill>
+          <a:blip r:embed="rId4"/>
+          <a:stretch>
+            <a:fillRect/>
+          </a:stretch>
+        </p:blipFill>
+        <p:spPr>
+          <a:xfrm>
+            <a:off x="9540976" y="168640"/>
+            <a:ext cx="1359526" cy="347502"/>
+          </a:xfrm>
+          <a:prstGeom prst="rect">
+            <a:avLst/>
+          </a:prstGeom>
+        </p:spPr>
+      </p:pic>
+      <p:pic>
+        <p:nvPicPr>
+          <p:cNvPr id="8196" name="Picture 4">
+            <a:extLst>
+              <a:ext uri="{FF2B5EF4-FFF2-40B4-BE49-F238E27FC236}">
+                <a16:creationId xmlns:a16="http://schemas.microsoft.com/office/drawing/2014/main" id="{58E6E1DE-7D68-4B3C-9107-2820BD097A20}"/>
+              </a:ext>
+            </a:extLst>
+          </p:cNvPr>
+          <p:cNvPicPr>
+            <a:picLocks noChangeAspect="1" noChangeArrowheads="1"/>
+          </p:cNvPicPr>
+          <p:nvPr/>
+        </p:nvPicPr>
+        <p:blipFill>
+          <a:blip r:embed="rId5">
+            <a:extLst>
+              <a:ext uri="{28A0092B-C50C-407E-A947-70E740481C1C}">
+                <a14:useLocalDpi xmlns:a14="http://schemas.microsoft.com/office/drawing/2010/main" val="0"/>
+              </a:ext>
+            </a:extLst>
+          </a:blip>
+          <a:srcRect/>
+          <a:stretch>
+            <a:fillRect/>
+          </a:stretch>
+        </p:blipFill>
+        <p:spPr bwMode="auto">
+          <a:xfrm>
+            <a:off x="4881464" y="1254469"/>
+            <a:ext cx="6531405" cy="3367227"/>
+          </a:xfrm>
+          <a:prstGeom prst="rect">
+            <a:avLst/>
+          </a:prstGeom>
+          <a:noFill/>
+          <a:extLst>
+            <a:ext uri="{909E8E84-426E-40DD-AFC4-6F175D3DCCD1}">
+              <a14:hiddenFill xmlns:a14="http://schemas.microsoft.com/office/drawing/2010/main">
+                <a:solidFill>
+                  <a:srgbClr val="FFFFFF"/>
+                </a:solidFill>
+              </a14:hiddenFill>
+            </a:ext>
+          </a:extLst>
+        </p:spPr>
+      </p:pic>
     </p:spTree>
     <p:extLst>
       <p:ext uri="{BB962C8B-B14F-4D97-AF65-F5344CB8AC3E}">
-        <p14:creationId xmlns:p14="http://schemas.microsoft.com/office/powerpoint/2010/main" val="3518230880"/>
+        <p14:creationId xmlns:p14="http://schemas.microsoft.com/office/powerpoint/2010/main" val="481525849"/>
       </p:ext>
     </p:extLst>
   </p:cSld>
@@ -5614,7 +6347,7 @@
           <p:cNvPr id="2" name="Title 1">
             <a:extLst>
               <a:ext uri="{FF2B5EF4-FFF2-40B4-BE49-F238E27FC236}">
-                <a16:creationId xmlns:a16="http://schemas.microsoft.com/office/drawing/2014/main" id="{A64FEC9B-9EF9-4FF3-BE51-CEF599AC0370}"/>
+                <a16:creationId xmlns:a16="http://schemas.microsoft.com/office/drawing/2014/main" id="{5FFC370E-D382-409B-B21F-AC1CCAAAE6E0}"/>
               </a:ext>
             </a:extLst>
           </p:cNvPr>
@@ -5627,8 +6360,8 @@
         </p:nvSpPr>
         <p:spPr>
           <a:xfrm>
-            <a:off x="838200" y="365126"/>
-            <a:ext cx="10515600" cy="558240"/>
+            <a:off x="838200" y="587829"/>
+            <a:ext cx="10515600" cy="594955"/>
           </a:xfrm>
         </p:spPr>
         <p:txBody>
@@ -5639,7 +6372,11 @@
           <a:p>
             <a:r>
               <a:rPr lang="en-IN" b="1" dirty="0"/>
-              <a:t>Contd..</a:t>
+              <a:t>EDA – Data Insights</a:t>
+            </a:r>
+            <a:r>
+              <a:rPr lang="en-IN" sz="1200" b="1" dirty="0"/>
+              <a:t> (contd.)</a:t>
             </a:r>
           </a:p>
         </p:txBody>
@@ -5649,7 +6386,7 @@
           <p:cNvPr id="3" name="Content Placeholder 2">
             <a:extLst>
               <a:ext uri="{FF2B5EF4-FFF2-40B4-BE49-F238E27FC236}">
-                <a16:creationId xmlns:a16="http://schemas.microsoft.com/office/drawing/2014/main" id="{972F0BDC-7D61-46C9-961C-10D1DEF2FFD5}"/>
+                <a16:creationId xmlns:a16="http://schemas.microsoft.com/office/drawing/2014/main" id="{E2A4AB5F-01E2-46C2-85DC-18F0969F31E7}"/>
               </a:ext>
             </a:extLst>
           </p:cNvPr>
@@ -5662,8 +6399,8 @@
         </p:nvSpPr>
         <p:spPr>
           <a:xfrm>
-            <a:off x="838200" y="1111624"/>
-            <a:ext cx="10515600" cy="5065339"/>
+            <a:off x="838200" y="1254469"/>
+            <a:ext cx="10515600" cy="1011653"/>
           </a:xfrm>
         </p:spPr>
         <p:txBody>
@@ -5672,128 +6409,22 @@
           </a:bodyPr>
           <a:lstStyle/>
           <a:p>
-            <a:pPr lvl="1"/>
-            <a:r>
-              <a:rPr lang="en-US" sz="1600" dirty="0"/>
-              <a:t>NAME_GOODS_CATEGORY: ==&gt; House Construction: 100.0%,  XNA: 29.52%</a:t>
-            </a:r>
-          </a:p>
-          <a:p>
-            <a:pPr lvl="1"/>
-            <a:r>
-              <a:rPr lang="en-US" sz="1600" dirty="0"/>
-              <a:t>NAME_PAYMENT_TYPE: ==&gt; Cash through the bank: 24.12%,  XNA: 21.39%</a:t>
-            </a:r>
-          </a:p>
-          <a:p>
-            <a:pPr lvl="1"/>
-            <a:r>
-              <a:rPr lang="en-US" sz="1600" dirty="0"/>
-              <a:t>NAME_PORTFOLIO: ==&gt; Cards: 24.91%,  Cars: 30.11%,  Cash: 27.42%,  XNA: 24.79%</a:t>
-            </a:r>
-          </a:p>
-          <a:p>
-            <a:pPr lvl="1"/>
-            <a:r>
-              <a:rPr lang="en-US" sz="1600" dirty="0"/>
-              <a:t>NAME_PRODUCT_TYPE: ==&gt; walk-in: 40.11%,  x-sell: 23.54%</a:t>
-            </a:r>
-          </a:p>
-          <a:p>
-            <a:pPr lvl="1"/>
-            <a:r>
-              <a:rPr lang="en-US" sz="1600" dirty="0"/>
-              <a:t>NAME_SELLER_INDUSTRY: ==&gt; Connectivity: 21.24%,  XNA: 28.19%</a:t>
-            </a:r>
-          </a:p>
-          <a:p>
-            <a:pPr lvl="1"/>
-            <a:r>
-              <a:rPr lang="en-US" sz="1600" dirty="0"/>
-              <a:t>NAME_TYPE_SUITE: ==&gt; </a:t>
-            </a:r>
-            <a:r>
-              <a:rPr lang="en-US" sz="1600" dirty="0" err="1"/>
-              <a:t>UnSpecified</a:t>
-            </a:r>
-            <a:r>
-              <a:rPr lang="en-US" sz="1600" dirty="0"/>
-              <a:t>: 22.08%,  Unaccompanied: 23.21%</a:t>
-            </a:r>
-          </a:p>
-          <a:p>
-            <a:pPr lvl="1"/>
-            <a:r>
-              <a:rPr lang="en-US" sz="1600" dirty="0"/>
-              <a:t>NAME_YIELD_GROUP: ==&gt; XNA: 28.4%</a:t>
-            </a:r>
-          </a:p>
-          <a:p>
-            <a:pPr lvl="1"/>
-            <a:r>
-              <a:rPr lang="en-US" sz="1600" dirty="0"/>
-              <a:t>PRODUCT_COMBINATION: ==&gt; </a:t>
-            </a:r>
-          </a:p>
-          <a:p>
-            <a:pPr lvl="2"/>
-            <a:r>
-              <a:rPr lang="en-US" sz="1400" dirty="0"/>
-              <a:t>Card Street: 23.33%,  Cash Street: high: 28.9%,  Cash Street: low: 58.11%,  </a:t>
-            </a:r>
-          </a:p>
-          <a:p>
-            <a:pPr lvl="2"/>
-            <a:r>
-              <a:rPr lang="en-US" sz="1400" dirty="0"/>
-              <a:t>Cash Street: middle: 38.83%,  Cash X-Sell: low: 23.01%</a:t>
-            </a:r>
-          </a:p>
-          <a:p>
-            <a:pPr lvl="1"/>
-            <a:r>
-              <a:rPr lang="en-US" sz="1600" dirty="0"/>
-              <a:t>Loans with higher AMT_ANNUITY are relatively more often denied.</a:t>
-            </a:r>
-          </a:p>
-          <a:p>
-            <a:pPr lvl="1"/>
-            <a:r>
-              <a:rPr lang="en-US" sz="1600" dirty="0"/>
-              <a:t>Loans with higher AMT_APPLICATION are relatively more often denied.</a:t>
-            </a:r>
-          </a:p>
-          <a:p>
-            <a:pPr lvl="1"/>
-            <a:r>
-              <a:rPr lang="en-US" sz="1600" dirty="0"/>
-              <a:t>Loans with higher AMT_CREDIT are relatively more often denied.</a:t>
-            </a:r>
-          </a:p>
-          <a:p>
-            <a:pPr lvl="1"/>
-            <a:r>
-              <a:rPr lang="en-US" sz="1600" dirty="0"/>
-              <a:t>Loans with higher AMT_GOODS_PRICE are relatively more often denied.</a:t>
-            </a:r>
-          </a:p>
-          <a:p>
-            <a:pPr lvl="1"/>
-            <a:r>
-              <a:rPr lang="en-US" sz="1600" dirty="0"/>
-              <a:t>Loans with higher RATE_INTEREST_PRIMARY are more often denied.</a:t>
-            </a:r>
-          </a:p>
-          <a:p>
-            <a:pPr lvl="1"/>
-            <a:r>
-              <a:rPr lang="en-US" sz="1600" dirty="0"/>
-              <a:t>Loans with higher CNT_PAYMENT are relatively more often denied.</a:t>
-            </a:r>
-          </a:p>
-          <a:p>
-            <a:pPr lvl="1"/>
-            <a:endParaRPr lang="en-US" sz="1600" dirty="0"/>
+            <a:r>
+              <a:rPr lang="en-IN" sz="1400" dirty="0"/>
+              <a:t>Correlation analysis of numeric variables</a:t>
+            </a:r>
+          </a:p>
+          <a:p>
+            <a:r>
+              <a:rPr lang="en-IN" sz="1400" dirty="0"/>
+              <a:t>Users who spent more time on website are more likely to get converted with 35% probability.</a:t>
+            </a:r>
+          </a:p>
+          <a:p>
+            <a:r>
+              <a:rPr lang="en-IN" sz="1400" dirty="0"/>
+              <a:t>Total visits to the website is highly correlated with Total time spent on website, and page views per visit is highly correlated with total visits.</a:t>
+            </a:r>
           </a:p>
         </p:txBody>
       </p:sp>
@@ -5802,18 +6433,23 @@
           <p:cNvPr id="4" name="Slide Number Placeholder 3">
             <a:extLst>
               <a:ext uri="{FF2B5EF4-FFF2-40B4-BE49-F238E27FC236}">
-                <a16:creationId xmlns:a16="http://schemas.microsoft.com/office/drawing/2014/main" id="{84FB9393-A85C-491D-9698-CDF4F9844A9D}"/>
-              </a:ext>
-            </a:extLst>
-          </p:cNvPr>
-          <p:cNvSpPr>
-            <a:spLocks noGrp="1"/>
-          </p:cNvSpPr>
-          <p:nvPr>
-            <p:ph type="sldNum" sz="quarter" idx="12"/>
-          </p:nvPr>
-        </p:nvSpPr>
-        <p:spPr/>
+                <a16:creationId xmlns:a16="http://schemas.microsoft.com/office/drawing/2014/main" id="{AE018482-926B-47DC-B80B-205799601825}"/>
+              </a:ext>
+            </a:extLst>
+          </p:cNvPr>
+          <p:cNvSpPr>
+            <a:spLocks noGrp="1"/>
+          </p:cNvSpPr>
+          <p:nvPr>
+            <p:ph type="sldNum" sz="quarter" idx="16"/>
+          </p:nvPr>
+        </p:nvSpPr>
+        <p:spPr>
+          <a:xfrm>
+            <a:off x="8610600" y="6356350"/>
+            <a:ext cx="2743200" cy="365125"/>
+          </a:xfrm>
+        </p:spPr>
         <p:txBody>
           <a:bodyPr/>
           <a:lstStyle/>
@@ -5826,10 +6462,88 @@
           </a:p>
         </p:txBody>
       </p:sp>
+      <p:pic>
+        <p:nvPicPr>
+          <p:cNvPr id="6" name="Picture 5">
+            <a:hlinkClick r:id="rId3" action="ppaction://hlinksldjump"/>
+            <a:extLst>
+              <a:ext uri="{FF2B5EF4-FFF2-40B4-BE49-F238E27FC236}">
+                <a16:creationId xmlns:a16="http://schemas.microsoft.com/office/drawing/2014/main" id="{412779D6-6264-46B8-9254-B2BF6B191F08}"/>
+              </a:ext>
+            </a:extLst>
+          </p:cNvPr>
+          <p:cNvPicPr>
+            <a:picLocks noChangeAspect="1"/>
+          </p:cNvPicPr>
+          <p:nvPr/>
+        </p:nvPicPr>
+        <p:blipFill>
+          <a:blip r:embed="rId4"/>
+          <a:stretch>
+            <a:fillRect/>
+          </a:stretch>
+        </p:blipFill>
+        <p:spPr>
+          <a:xfrm>
+            <a:off x="9540976" y="168640"/>
+            <a:ext cx="1359526" cy="347502"/>
+          </a:xfrm>
+          <a:prstGeom prst="rect">
+            <a:avLst/>
+          </a:prstGeom>
+        </p:spPr>
+      </p:pic>
+      <p:pic>
+        <p:nvPicPr>
+          <p:cNvPr id="9218" name="Picture 2">
+            <a:extLst>
+              <a:ext uri="{FF2B5EF4-FFF2-40B4-BE49-F238E27FC236}">
+                <a16:creationId xmlns:a16="http://schemas.microsoft.com/office/drawing/2014/main" id="{B4500A64-51E3-4C79-BF02-876BEF1FB37D}"/>
+              </a:ext>
+            </a:extLst>
+          </p:cNvPr>
+          <p:cNvPicPr>
+            <a:picLocks noChangeAspect="1" noChangeArrowheads="1"/>
+          </p:cNvPicPr>
+          <p:nvPr/>
+        </p:nvPicPr>
+        <p:blipFill>
+          <a:blip r:embed="rId5">
+            <a:extLst>
+              <a:ext uri="{28A0092B-C50C-407E-A947-70E740481C1C}">
+                <a14:useLocalDpi xmlns:a14="http://schemas.microsoft.com/office/drawing/2010/main" val="0"/>
+              </a:ext>
+            </a:extLst>
+          </a:blip>
+          <a:srcRect/>
+          <a:stretch>
+            <a:fillRect/>
+          </a:stretch>
+        </p:blipFill>
+        <p:spPr bwMode="auto">
+          <a:xfrm>
+            <a:off x="1123121" y="2445286"/>
+            <a:ext cx="9617746" cy="3436538"/>
+          </a:xfrm>
+          <a:prstGeom prst="rect">
+            <a:avLst/>
+          </a:prstGeom>
+          <a:noFill/>
+          <a:extLst>
+            <a:ext uri="{909E8E84-426E-40DD-AFC4-6F175D3DCCD1}">
+              <a14:hiddenFill xmlns:a14="http://schemas.microsoft.com/office/drawing/2010/main">
+                <a:solidFill>
+                  <a:srgbClr val="FFFFFF"/>
+                </a:solidFill>
+              </a14:hiddenFill>
+            </a:ext>
+          </a:extLst>
+        </p:spPr>
+      </p:pic>
     </p:spTree>
     <p:extLst>
       <p:ext uri="{BB962C8B-B14F-4D97-AF65-F5344CB8AC3E}">
-        <p14:creationId xmlns:p14="http://schemas.microsoft.com/office/powerpoint/2010/main" val="1404447556"/>
+        <p14:creationId xmlns:p14="http://schemas.microsoft.com/office/powerpoint/2010/main" val="3051176070"/>
       </p:ext>
     </p:extLst>
   </p:cSld>
@@ -5872,7 +6586,12 @@
             <p:ph type="title"/>
           </p:nvPr>
         </p:nvSpPr>
-        <p:spPr/>
+        <p:spPr>
+          <a:xfrm>
+            <a:off x="838200" y="587829"/>
+            <a:ext cx="10515600" cy="594955"/>
+          </a:xfrm>
+        </p:spPr>
         <p:txBody>
           <a:bodyPr/>
           <a:lstStyle/>
@@ -5900,13 +6619,20 @@
             <p:ph idx="1"/>
           </p:nvPr>
         </p:nvSpPr>
-        <p:spPr/>
-        <p:txBody>
-          <a:bodyPr/>
-          <a:lstStyle/>
-          <a:p>
-            <a:r>
-              <a:rPr lang="en-IN" dirty="0">
+        <p:spPr>
+          <a:xfrm>
+            <a:off x="838200" y="1182784"/>
+            <a:ext cx="10515600" cy="5087387"/>
+          </a:xfrm>
+        </p:spPr>
+        <p:txBody>
+          <a:bodyPr>
+            <a:normAutofit/>
+          </a:bodyPr>
+          <a:lstStyle/>
+          <a:p>
+            <a:r>
+              <a:rPr lang="en-IN" sz="2400" dirty="0">
                 <a:hlinkClick r:id="rId2" action="ppaction://hlinksldjump">
                   <a:extLst>
                     <a:ext uri="{A12FA001-AC4F-418D-AE19-62706E023703}">
@@ -5917,11 +6643,28 @@
               </a:rPr>
               <a:t>Problem Statement</a:t>
             </a:r>
-            <a:endParaRPr lang="en-IN" dirty="0"/>
-          </a:p>
-          <a:p>
-            <a:r>
-              <a:rPr lang="en-IN" dirty="0">
+            <a:endParaRPr lang="en-IN" sz="2400" dirty="0"/>
+          </a:p>
+          <a:p>
+            <a:pPr lvl="1"/>
+            <a:r>
+              <a:rPr lang="en-IN" sz="2000" dirty="0">
+                <a:hlinkClick r:id="rId2" action="ppaction://hlinksldjump">
+                  <a:extLst>
+                    <a:ext uri="{A12FA001-AC4F-418D-AE19-62706E023703}">
+                      <ahyp:hlinkClr xmlns:ahyp="http://schemas.microsoft.com/office/drawing/2018/hyperlinkcolor" val="tx"/>
+                    </a:ext>
+                  </a:extLst>
+                </a:hlinkClick>
+              </a:rPr>
+              <a:t>Business Brief</a:t>
+            </a:r>
+            <a:endParaRPr lang="en-IN" sz="2000" dirty="0"/>
+          </a:p>
+          <a:p>
+            <a:pPr lvl="1"/>
+            <a:r>
+              <a:rPr lang="en-IN" sz="2000" dirty="0">
                 <a:hlinkClick r:id="rId3" action="ppaction://hlinksldjump">
                   <a:extLst>
                     <a:ext uri="{A12FA001-AC4F-418D-AE19-62706E023703}">
@@ -5930,13 +6673,14 @@
                   </a:extLst>
                 </a:hlinkClick>
               </a:rPr>
-              <a:t>Exploratory Data Analysis (EDA) Procedure</a:t>
-            </a:r>
-            <a:endParaRPr lang="en-IN" dirty="0"/>
-          </a:p>
-          <a:p>
-            <a:r>
-              <a:rPr lang="en-IN" dirty="0">
+              <a:t>Business Problem</a:t>
+            </a:r>
+            <a:endParaRPr lang="en-IN" sz="2000" dirty="0"/>
+          </a:p>
+          <a:p>
+            <a:pPr lvl="1"/>
+            <a:r>
+              <a:rPr lang="en-IN" sz="2000" dirty="0">
                 <a:hlinkClick r:id="rId4" action="ppaction://hlinksldjump">
                   <a:extLst>
                     <a:ext uri="{A12FA001-AC4F-418D-AE19-62706E023703}">
@@ -5945,13 +6689,14 @@
                   </a:extLst>
                 </a:hlinkClick>
               </a:rPr>
-              <a:t>Current Application data - Data Handling</a:t>
-            </a:r>
-            <a:endParaRPr lang="en-IN" dirty="0"/>
-          </a:p>
-          <a:p>
-            <a:r>
-              <a:rPr lang="en-IN" dirty="0">
+              <a:t>Data Brief</a:t>
+            </a:r>
+            <a:endParaRPr lang="en-IN" sz="2000" dirty="0"/>
+          </a:p>
+          <a:p>
+            <a:pPr lvl="1"/>
+            <a:r>
+              <a:rPr lang="en-IN" sz="2000" dirty="0">
                 <a:hlinkClick r:id="rId5" action="ppaction://hlinksldjump">
                   <a:extLst>
                     <a:ext uri="{A12FA001-AC4F-418D-AE19-62706E023703}">
@@ -5960,13 +6705,13 @@
                   </a:extLst>
                 </a:hlinkClick>
               </a:rPr>
-              <a:t>Current Application data - Insights</a:t>
-            </a:r>
-            <a:endParaRPr lang="en-IN" dirty="0"/>
-          </a:p>
-          <a:p>
-            <a:r>
-              <a:rPr lang="en-IN" dirty="0">
+              <a:t>Goal Brief</a:t>
+            </a:r>
+            <a:endParaRPr lang="en-IN" sz="2000" dirty="0"/>
+          </a:p>
+          <a:p>
+            <a:r>
+              <a:rPr lang="en-IN" sz="2400" dirty="0">
                 <a:hlinkClick r:id="rId6" action="ppaction://hlinksldjump">
                   <a:extLst>
                     <a:ext uri="{A12FA001-AC4F-418D-AE19-62706E023703}">
@@ -5975,13 +6720,13 @@
                   </a:extLst>
                 </a:hlinkClick>
               </a:rPr>
-              <a:t>Previous Application data - Data Handling</a:t>
-            </a:r>
-            <a:endParaRPr lang="en-IN" dirty="0"/>
-          </a:p>
-          <a:p>
-            <a:r>
-              <a:rPr lang="en-IN" dirty="0">
+              <a:t>Exploratory Data Analysis (EDA) Procedure</a:t>
+            </a:r>
+            <a:endParaRPr lang="en-IN" sz="2400" dirty="0"/>
+          </a:p>
+          <a:p>
+            <a:r>
+              <a:rPr lang="en-IN" sz="2400" dirty="0">
                 <a:hlinkClick r:id="rId7" action="ppaction://hlinksldjump">
                   <a:extLst>
                     <a:ext uri="{A12FA001-AC4F-418D-AE19-62706E023703}">
@@ -5990,12 +6735,27 @@
                   </a:extLst>
                 </a:hlinkClick>
               </a:rPr>
-              <a:t>Previous Application data - Insights</a:t>
-            </a:r>
-            <a:endParaRPr lang="en-IN" dirty="0"/>
-          </a:p>
-          <a:p>
-            <a:endParaRPr lang="en-IN" u="sng" dirty="0"/>
+              <a:t>EDA - Data Handling</a:t>
+            </a:r>
+            <a:endParaRPr lang="en-IN" sz="2400" dirty="0"/>
+          </a:p>
+          <a:p>
+            <a:r>
+              <a:rPr lang="en-IN" sz="2400" dirty="0">
+                <a:hlinkClick r:id="rId8" action="ppaction://hlinksldjump">
+                  <a:extLst>
+                    <a:ext uri="{A12FA001-AC4F-418D-AE19-62706E023703}">
+                      <ahyp:hlinkClr xmlns:ahyp="http://schemas.microsoft.com/office/drawing/2018/hyperlinkcolor" val="tx"/>
+                    </a:ext>
+                  </a:extLst>
+                </a:hlinkClick>
+              </a:rPr>
+              <a:t>EDA - Insights</a:t>
+            </a:r>
+            <a:endParaRPr lang="en-IN" sz="2400" dirty="0"/>
+          </a:p>
+          <a:p>
+            <a:endParaRPr lang="en-IN" sz="2400" u="sng" dirty="0"/>
           </a:p>
         </p:txBody>
       </p:sp>
@@ -6012,10 +6772,15 @@
             <a:spLocks noGrp="1"/>
           </p:cNvSpPr>
           <p:nvPr>
-            <p:ph type="sldNum" sz="quarter" idx="12"/>
-          </p:nvPr>
-        </p:nvSpPr>
-        <p:spPr/>
+            <p:ph type="sldNum" sz="quarter" idx="16"/>
+          </p:nvPr>
+        </p:nvSpPr>
+        <p:spPr>
+          <a:xfrm>
+            <a:off x="8610600" y="6356350"/>
+            <a:ext cx="2743200" cy="365125"/>
+          </a:xfrm>
+        </p:spPr>
         <p:txBody>
           <a:bodyPr/>
           <a:lstStyle/>
@@ -6109,7 +6874,12 @@
             <p:ph idx="1"/>
           </p:nvPr>
         </p:nvSpPr>
-        <p:spPr/>
+        <p:spPr>
+          <a:xfrm>
+            <a:off x="838200" y="1254471"/>
+            <a:ext cx="10515600" cy="5015700"/>
+          </a:xfrm>
+        </p:spPr>
         <p:txBody>
           <a:bodyPr>
             <a:normAutofit/>
@@ -6179,10 +6949,15 @@
             <a:spLocks noGrp="1"/>
           </p:cNvSpPr>
           <p:nvPr>
-            <p:ph type="sldNum" sz="quarter" idx="12"/>
-          </p:nvPr>
-        </p:nvSpPr>
-        <p:spPr/>
+            <p:ph type="sldNum" sz="quarter" idx="16"/>
+          </p:nvPr>
+        </p:nvSpPr>
+        <p:spPr>
+          <a:xfrm>
+            <a:off x="8610600" y="6356350"/>
+            <a:ext cx="2743200" cy="365125"/>
+          </a:xfrm>
+        </p:spPr>
         <p:txBody>
           <a:bodyPr/>
           <a:lstStyle/>
@@ -6195,6 +6970,37 @@
           </a:p>
         </p:txBody>
       </p:sp>
+      <p:pic>
+        <p:nvPicPr>
+          <p:cNvPr id="16" name="Picture 15">
+            <a:hlinkClick r:id="rId3" action="ppaction://hlinksldjump"/>
+            <a:extLst>
+              <a:ext uri="{FF2B5EF4-FFF2-40B4-BE49-F238E27FC236}">
+                <a16:creationId xmlns:a16="http://schemas.microsoft.com/office/drawing/2014/main" id="{CD0FDF1E-4F5C-42E6-8F4B-34DE05A6D395}"/>
+              </a:ext>
+            </a:extLst>
+          </p:cNvPr>
+          <p:cNvPicPr>
+            <a:picLocks noChangeAspect="1"/>
+          </p:cNvPicPr>
+          <p:nvPr/>
+        </p:nvPicPr>
+        <p:blipFill>
+          <a:blip r:embed="rId4"/>
+          <a:stretch>
+            <a:fillRect/>
+          </a:stretch>
+        </p:blipFill>
+        <p:spPr>
+          <a:xfrm>
+            <a:off x="9540976" y="168640"/>
+            <a:ext cx="1359526" cy="347502"/>
+          </a:xfrm>
+          <a:prstGeom prst="rect">
+            <a:avLst/>
+          </a:prstGeom>
+        </p:spPr>
+      </p:pic>
     </p:spTree>
     <p:extLst>
       <p:ext uri="{BB962C8B-B14F-4D97-AF65-F5344CB8AC3E}">
@@ -6369,10 +7175,15 @@
             <a:spLocks noGrp="1"/>
           </p:cNvSpPr>
           <p:nvPr>
-            <p:ph type="sldNum" sz="quarter" idx="12"/>
-          </p:nvPr>
-        </p:nvSpPr>
-        <p:spPr/>
+            <p:ph type="sldNum" sz="quarter" idx="16"/>
+          </p:nvPr>
+        </p:nvSpPr>
+        <p:spPr>
+          <a:xfrm>
+            <a:off x="8610600" y="6356350"/>
+            <a:ext cx="2743200" cy="365125"/>
+          </a:xfrm>
+        </p:spPr>
         <p:txBody>
           <a:bodyPr/>
           <a:lstStyle/>
@@ -6478,6 +7289,37 @@
           </a:p>
         </p:txBody>
       </p:sp>
+      <p:pic>
+        <p:nvPicPr>
+          <p:cNvPr id="9" name="Picture 8">
+            <a:hlinkClick r:id="rId3" action="ppaction://hlinksldjump"/>
+            <a:extLst>
+              <a:ext uri="{FF2B5EF4-FFF2-40B4-BE49-F238E27FC236}">
+                <a16:creationId xmlns:a16="http://schemas.microsoft.com/office/drawing/2014/main" id="{EEAB1249-F1CF-483E-AFC2-2682380F2FF1}"/>
+              </a:ext>
+            </a:extLst>
+          </p:cNvPr>
+          <p:cNvPicPr>
+            <a:picLocks noChangeAspect="1"/>
+          </p:cNvPicPr>
+          <p:nvPr/>
+        </p:nvPicPr>
+        <p:blipFill>
+          <a:blip r:embed="rId4"/>
+          <a:stretch>
+            <a:fillRect/>
+          </a:stretch>
+        </p:blipFill>
+        <p:spPr>
+          <a:xfrm>
+            <a:off x="9540976" y="168640"/>
+            <a:ext cx="1359526" cy="347502"/>
+          </a:xfrm>
+          <a:prstGeom prst="rect">
+            <a:avLst/>
+          </a:prstGeom>
+        </p:spPr>
+      </p:pic>
     </p:spTree>
     <p:extLst>
       <p:ext uri="{BB962C8B-B14F-4D97-AF65-F5344CB8AC3E}">
@@ -6559,7 +7401,12 @@
             <p:ph idx="1"/>
           </p:nvPr>
         </p:nvSpPr>
-        <p:spPr/>
+        <p:spPr>
+          <a:xfrm>
+            <a:off x="838200" y="1254471"/>
+            <a:ext cx="10515600" cy="5015700"/>
+          </a:xfrm>
+        </p:spPr>
         <p:txBody>
           <a:bodyPr>
             <a:normAutofit/>
@@ -6629,10 +7476,15 @@
             <a:spLocks noGrp="1"/>
           </p:cNvSpPr>
           <p:nvPr>
-            <p:ph type="sldNum" sz="quarter" idx="12"/>
-          </p:nvPr>
-        </p:nvSpPr>
-        <p:spPr/>
+            <p:ph type="sldNum" sz="quarter" idx="16"/>
+          </p:nvPr>
+        </p:nvSpPr>
+        <p:spPr>
+          <a:xfrm>
+            <a:off x="8610600" y="6356350"/>
+            <a:ext cx="2743200" cy="365125"/>
+          </a:xfrm>
+        </p:spPr>
         <p:txBody>
           <a:bodyPr/>
           <a:lstStyle/>
@@ -6645,6 +7497,37 @@
           </a:p>
         </p:txBody>
       </p:sp>
+      <p:pic>
+        <p:nvPicPr>
+          <p:cNvPr id="6" name="Picture 5">
+            <a:hlinkClick r:id="rId3" action="ppaction://hlinksldjump"/>
+            <a:extLst>
+              <a:ext uri="{FF2B5EF4-FFF2-40B4-BE49-F238E27FC236}">
+                <a16:creationId xmlns:a16="http://schemas.microsoft.com/office/drawing/2014/main" id="{10C530C1-CC06-4B2D-969B-E90D32A3CAE5}"/>
+              </a:ext>
+            </a:extLst>
+          </p:cNvPr>
+          <p:cNvPicPr>
+            <a:picLocks noChangeAspect="1"/>
+          </p:cNvPicPr>
+          <p:nvPr/>
+        </p:nvPicPr>
+        <p:blipFill>
+          <a:blip r:embed="rId4"/>
+          <a:stretch>
+            <a:fillRect/>
+          </a:stretch>
+        </p:blipFill>
+        <p:spPr>
+          <a:xfrm>
+            <a:off x="9540976" y="168640"/>
+            <a:ext cx="1359526" cy="347502"/>
+          </a:xfrm>
+          <a:prstGeom prst="rect">
+            <a:avLst/>
+          </a:prstGeom>
+        </p:spPr>
+      </p:pic>
     </p:spTree>
     <p:extLst>
       <p:ext uri="{BB962C8B-B14F-4D97-AF65-F5344CB8AC3E}">
@@ -6726,7 +7609,12 @@
             <p:ph idx="1"/>
           </p:nvPr>
         </p:nvSpPr>
-        <p:spPr/>
+        <p:spPr>
+          <a:xfrm>
+            <a:off x="838200" y="1254471"/>
+            <a:ext cx="10515600" cy="5015700"/>
+          </a:xfrm>
+        </p:spPr>
         <p:txBody>
           <a:bodyPr>
             <a:normAutofit/>
@@ -6819,10 +7707,15 @@
             <a:spLocks noGrp="1"/>
           </p:cNvSpPr>
           <p:nvPr>
-            <p:ph type="sldNum" sz="quarter" idx="12"/>
-          </p:nvPr>
-        </p:nvSpPr>
-        <p:spPr/>
+            <p:ph type="sldNum" sz="quarter" idx="16"/>
+          </p:nvPr>
+        </p:nvSpPr>
+        <p:spPr>
+          <a:xfrm>
+            <a:off x="8610600" y="6356350"/>
+            <a:ext cx="2743200" cy="365125"/>
+          </a:xfrm>
+        </p:spPr>
         <p:txBody>
           <a:bodyPr/>
           <a:lstStyle/>
@@ -6835,6 +7728,37 @@
           </a:p>
         </p:txBody>
       </p:sp>
+      <p:pic>
+        <p:nvPicPr>
+          <p:cNvPr id="6" name="Picture 5">
+            <a:hlinkClick r:id="rId3" action="ppaction://hlinksldjump"/>
+            <a:extLst>
+              <a:ext uri="{FF2B5EF4-FFF2-40B4-BE49-F238E27FC236}">
+                <a16:creationId xmlns:a16="http://schemas.microsoft.com/office/drawing/2014/main" id="{DD871D4F-3616-40DE-91C1-50F0FE18CB12}"/>
+              </a:ext>
+            </a:extLst>
+          </p:cNvPr>
+          <p:cNvPicPr>
+            <a:picLocks noChangeAspect="1"/>
+          </p:cNvPicPr>
+          <p:nvPr/>
+        </p:nvPicPr>
+        <p:blipFill>
+          <a:blip r:embed="rId4"/>
+          <a:stretch>
+            <a:fillRect/>
+          </a:stretch>
+        </p:blipFill>
+        <p:spPr>
+          <a:xfrm>
+            <a:off x="9540976" y="168640"/>
+            <a:ext cx="1359526" cy="347502"/>
+          </a:xfrm>
+          <a:prstGeom prst="rect">
+            <a:avLst/>
+          </a:prstGeom>
+        </p:spPr>
+      </p:pic>
     </p:spTree>
     <p:extLst>
       <p:ext uri="{BB962C8B-B14F-4D97-AF65-F5344CB8AC3E}">
@@ -6870,7 +7794,7 @@
           <p:cNvPr id="2" name="Title 1">
             <a:extLst>
               <a:ext uri="{FF2B5EF4-FFF2-40B4-BE49-F238E27FC236}">
-                <a16:creationId xmlns:a16="http://schemas.microsoft.com/office/drawing/2014/main" id="{D1D79292-64BE-4F89-B398-A3DA9BEEC48F}"/>
+                <a16:creationId xmlns:a16="http://schemas.microsoft.com/office/drawing/2014/main" id="{5FFC370E-D382-409B-B21F-AC1CCAAAE6E0}"/>
               </a:ext>
             </a:extLst>
           </p:cNvPr>
@@ -6883,38 +7807,10 @@
         </p:nvSpPr>
         <p:spPr>
           <a:xfrm>
-            <a:off x="838200" y="347195"/>
-            <a:ext cx="10515600" cy="1325563"/>
+            <a:off x="838200" y="587829"/>
+            <a:ext cx="10515600" cy="594955"/>
           </a:xfrm>
         </p:spPr>
-        <p:txBody>
-          <a:bodyPr/>
-          <a:lstStyle/>
-          <a:p>
-            <a:r>
-              <a:rPr lang="en-IN" b="1" dirty="0"/>
-              <a:t>Exploratory Data Analysis (EDA) Procedure</a:t>
-            </a:r>
-          </a:p>
-        </p:txBody>
-      </p:sp>
-      <p:sp>
-        <p:nvSpPr>
-          <p:cNvPr id="3" name="Content Placeholder 2">
-            <a:extLst>
-              <a:ext uri="{FF2B5EF4-FFF2-40B4-BE49-F238E27FC236}">
-                <a16:creationId xmlns:a16="http://schemas.microsoft.com/office/drawing/2014/main" id="{0E0DC9EC-56CC-4E49-8967-FBD78342C139}"/>
-              </a:ext>
-            </a:extLst>
-          </p:cNvPr>
-          <p:cNvSpPr>
-            <a:spLocks noGrp="1"/>
-          </p:cNvSpPr>
-          <p:nvPr>
-            <p:ph idx="1"/>
-          </p:nvPr>
-        </p:nvSpPr>
-        <p:spPr/>
         <p:txBody>
           <a:bodyPr>
             <a:normAutofit/>
@@ -6922,6 +7818,41 @@
           <a:lstStyle/>
           <a:p>
             <a:r>
+              <a:rPr lang="en-IN" b="1" dirty="0"/>
+              <a:t>Exploratory Data Analysis (EDA) Procedure</a:t>
+            </a:r>
+          </a:p>
+        </p:txBody>
+      </p:sp>
+      <p:sp>
+        <p:nvSpPr>
+          <p:cNvPr id="3" name="Content Placeholder 2">
+            <a:extLst>
+              <a:ext uri="{FF2B5EF4-FFF2-40B4-BE49-F238E27FC236}">
+                <a16:creationId xmlns:a16="http://schemas.microsoft.com/office/drawing/2014/main" id="{E2A4AB5F-01E2-46C2-85DC-18F0969F31E7}"/>
+              </a:ext>
+            </a:extLst>
+          </p:cNvPr>
+          <p:cNvSpPr>
+            <a:spLocks noGrp="1"/>
+          </p:cNvSpPr>
+          <p:nvPr>
+            <p:ph idx="1"/>
+          </p:nvPr>
+        </p:nvSpPr>
+        <p:spPr>
+          <a:xfrm>
+            <a:off x="838200" y="1254471"/>
+            <a:ext cx="10515600" cy="5015700"/>
+          </a:xfrm>
+        </p:spPr>
+        <p:txBody>
+          <a:bodyPr>
+            <a:normAutofit/>
+          </a:bodyPr>
+          <a:lstStyle/>
+          <a:p>
+            <a:r>
               <a:rPr lang="en-IN" sz="2400" dirty="0"/>
               <a:t>To identify </a:t>
             </a:r>
@@ -6985,7 +7916,15 @@
             <a:pPr lvl="1"/>
             <a:r>
               <a:rPr lang="en-IN" sz="2000" dirty="0"/>
-              <a:t>To understand the distribution proportional of data in the attributes w.r.t. the ‘Target’ attribute(s) </a:t>
+              <a:t>To understand the distribution proportional of data in the attributes </a:t>
+            </a:r>
+            <a:r>
+              <a:rPr lang="en-IN" sz="2000" dirty="0" err="1"/>
+              <a:t>w.r.t.</a:t>
+            </a:r>
+            <a:r>
+              <a:rPr lang="en-IN" sz="2000" dirty="0"/>
+              <a:t> the ‘Converted’ attribute(s) </a:t>
             </a:r>
           </a:p>
           <a:p>
@@ -6999,7 +7938,15 @@
             <a:pPr lvl="2"/>
             <a:r>
               <a:rPr lang="en-IN" sz="1800" dirty="0"/>
-              <a:t>Identify the proportion of distribution w.r.t. ‘Target’ and flagging/stating such attribute values as segments of attention and further actions to be taken by business team as applicable to reduce/avoid unfavourable criteria</a:t>
+              <a:t>Identify the proportion of distribution </a:t>
+            </a:r>
+            <a:r>
+              <a:rPr lang="en-IN" sz="1800" dirty="0" err="1"/>
+              <a:t>w.r.t.</a:t>
+            </a:r>
+            <a:r>
+              <a:rPr lang="en-IN" sz="1800" dirty="0"/>
+              <a:t> ‘Target’ and flagging/stating such attribute values as segments of attention and further actions to be taken by business team as applicable to reduce/avoid unfavourable criteria</a:t>
             </a:r>
           </a:p>
         </p:txBody>
@@ -7009,18 +7956,23 @@
           <p:cNvPr id="4" name="Slide Number Placeholder 3">
             <a:extLst>
               <a:ext uri="{FF2B5EF4-FFF2-40B4-BE49-F238E27FC236}">
-                <a16:creationId xmlns:a16="http://schemas.microsoft.com/office/drawing/2014/main" id="{EBDAC053-65A4-4684-AF0E-8A81C78204B9}"/>
-              </a:ext>
-            </a:extLst>
-          </p:cNvPr>
-          <p:cNvSpPr>
-            <a:spLocks noGrp="1"/>
-          </p:cNvSpPr>
-          <p:nvPr>
-            <p:ph type="sldNum" sz="quarter" idx="12"/>
-          </p:nvPr>
-        </p:nvSpPr>
-        <p:spPr/>
+                <a16:creationId xmlns:a16="http://schemas.microsoft.com/office/drawing/2014/main" id="{AE018482-926B-47DC-B80B-205799601825}"/>
+              </a:ext>
+            </a:extLst>
+          </p:cNvPr>
+          <p:cNvSpPr>
+            <a:spLocks noGrp="1"/>
+          </p:cNvSpPr>
+          <p:nvPr>
+            <p:ph type="sldNum" sz="quarter" idx="16"/>
+          </p:nvPr>
+        </p:nvSpPr>
+        <p:spPr>
+          <a:xfrm>
+            <a:off x="8610600" y="6356350"/>
+            <a:ext cx="2743200" cy="365125"/>
+          </a:xfrm>
+        </p:spPr>
         <p:txBody>
           <a:bodyPr/>
           <a:lstStyle/>
@@ -7033,10 +7985,41 @@
           </a:p>
         </p:txBody>
       </p:sp>
+      <p:pic>
+        <p:nvPicPr>
+          <p:cNvPr id="6" name="Picture 5">
+            <a:hlinkClick r:id="rId3" action="ppaction://hlinksldjump"/>
+            <a:extLst>
+              <a:ext uri="{FF2B5EF4-FFF2-40B4-BE49-F238E27FC236}">
+                <a16:creationId xmlns:a16="http://schemas.microsoft.com/office/drawing/2014/main" id="{99C737F2-4BF0-4C5B-B559-EF85FC3A2855}"/>
+              </a:ext>
+            </a:extLst>
+          </p:cNvPr>
+          <p:cNvPicPr>
+            <a:picLocks noChangeAspect="1"/>
+          </p:cNvPicPr>
+          <p:nvPr/>
+        </p:nvPicPr>
+        <p:blipFill>
+          <a:blip r:embed="rId4"/>
+          <a:stretch>
+            <a:fillRect/>
+          </a:stretch>
+        </p:blipFill>
+        <p:spPr>
+          <a:xfrm>
+            <a:off x="9540976" y="168640"/>
+            <a:ext cx="1359526" cy="347502"/>
+          </a:xfrm>
+          <a:prstGeom prst="rect">
+            <a:avLst/>
+          </a:prstGeom>
+        </p:spPr>
+      </p:pic>
     </p:spTree>
     <p:extLst>
       <p:ext uri="{BB962C8B-B14F-4D97-AF65-F5344CB8AC3E}">
-        <p14:creationId xmlns:p14="http://schemas.microsoft.com/office/powerpoint/2010/main" val="3879191823"/>
+        <p14:creationId xmlns:p14="http://schemas.microsoft.com/office/powerpoint/2010/main" val="105198027"/>
       </p:ext>
     </p:extLst>
   </p:cSld>
@@ -7068,7 +8051,7 @@
           <p:cNvPr id="2" name="Title 1">
             <a:extLst>
               <a:ext uri="{FF2B5EF4-FFF2-40B4-BE49-F238E27FC236}">
-                <a16:creationId xmlns:a16="http://schemas.microsoft.com/office/drawing/2014/main" id="{1E26468C-79BA-4654-B1F4-35E495902C14}"/>
+                <a16:creationId xmlns:a16="http://schemas.microsoft.com/office/drawing/2014/main" id="{5FFC370E-D382-409B-B21F-AC1CCAAAE6E0}"/>
               </a:ext>
             </a:extLst>
           </p:cNvPr>
@@ -7079,7 +8062,12 @@
             <p:ph type="title"/>
           </p:nvPr>
         </p:nvSpPr>
-        <p:spPr/>
+        <p:spPr>
+          <a:xfrm>
+            <a:off x="838200" y="587829"/>
+            <a:ext cx="10515600" cy="594955"/>
+          </a:xfrm>
+        </p:spPr>
         <p:txBody>
           <a:bodyPr>
             <a:normAutofit/>
@@ -7088,16 +8076,28 @@
           <a:p>
             <a:r>
               <a:rPr lang="en-IN" b="1" dirty="0"/>
-              <a:t>Current Application data - Data Handling </a:t>
-            </a:r>
-            <a:br>
-              <a:rPr lang="en-IN" b="1" dirty="0"/>
-            </a:br>
-            <a:r>
-              <a:rPr lang="en-IN" sz="1200" b="1" dirty="0"/>
-              <a:t>(application_data.csv) </a:t>
-            </a:r>
-            <a:endParaRPr lang="en-IN" sz="4000" b="1" dirty="0"/>
+              <a:t>EDA – Data Handling </a:t>
+            </a:r>
+            <a:r>
+              <a:rPr kumimoji="0" lang="en-IN" sz="1400" b="1" i="0" u="none" strike="noStrike" kern="1200" cap="none" spc="0" normalizeH="0" baseline="0" noProof="0" dirty="0">
+                <a:ln>
+                  <a:noFill/>
+                </a:ln>
+                <a:solidFill>
+                  <a:srgbClr val="E7E6E6">
+                    <a:lumMod val="25000"/>
+                  </a:srgbClr>
+                </a:solidFill>
+                <a:effectLst/>
+                <a:uLnTx/>
+                <a:uFillTx/>
+                <a:latin typeface="Calibri Light" panose="020F0302020204030204"/>
+                <a:ea typeface="+mj-ea"/>
+                <a:cs typeface="+mj-cs"/>
+              </a:rPr>
+              <a:t>(Leads.csv)</a:t>
+            </a:r>
+            <a:endParaRPr lang="en-IN" b="1" dirty="0"/>
           </a:p>
         </p:txBody>
       </p:sp>
@@ -7106,7 +8106,7 @@
           <p:cNvPr id="3" name="Content Placeholder 2">
             <a:extLst>
               <a:ext uri="{FF2B5EF4-FFF2-40B4-BE49-F238E27FC236}">
-                <a16:creationId xmlns:a16="http://schemas.microsoft.com/office/drawing/2014/main" id="{78A98155-96F0-482C-83D8-96FCA61D67D2}"/>
+                <a16:creationId xmlns:a16="http://schemas.microsoft.com/office/drawing/2014/main" id="{E2A4AB5F-01E2-46C2-85DC-18F0969F31E7}"/>
               </a:ext>
             </a:extLst>
           </p:cNvPr>
@@ -7117,7 +8117,12 @@
             <p:ph idx="1"/>
           </p:nvPr>
         </p:nvSpPr>
-        <p:spPr/>
+        <p:spPr>
+          <a:xfrm>
+            <a:off x="838200" y="1254471"/>
+            <a:ext cx="10515600" cy="5015700"/>
+          </a:xfrm>
+        </p:spPr>
         <p:txBody>
           <a:bodyPr>
             <a:normAutofit/>
@@ -7125,17 +8130,104 @@
           <a:lstStyle/>
           <a:p>
             <a:r>
-              <a:rPr lang="en-US" sz="2400" dirty="0"/>
+              <a:rPr lang="en-US" sz="1800" dirty="0"/>
               <a:t>All the observations in this process (data handling) and actions taken are stated adjacent to the step/cell where such action is performed.</a:t>
             </a:r>
-            <a:endParaRPr lang="en-IN" sz="2400" dirty="0"/>
-          </a:p>
-          <a:p>
-            <a:r>
-              <a:rPr lang="en-US" sz="2400" dirty="0"/>
+            <a:endParaRPr lang="en-IN" sz="1800" dirty="0"/>
+          </a:p>
+          <a:p>
+            <a:r>
+              <a:rPr lang="en-US" sz="1800" dirty="0"/>
               <a:t>Some imputations may be based on assumption/data understanding, rather than empirical method(s).</a:t>
             </a:r>
           </a:p>
+          <a:p>
+            <a:r>
+              <a:rPr lang="en-US" sz="1800" dirty="0"/>
+              <a:t>Step by step actions taken:</a:t>
+            </a:r>
+          </a:p>
+          <a:p>
+            <a:pPr lvl="1"/>
+            <a:r>
+              <a:rPr lang="en-US" sz="1400" dirty="0"/>
+              <a:t>Removed ‘Prospect ID’ and ‘Lead Number’</a:t>
+            </a:r>
+          </a:p>
+          <a:p>
+            <a:pPr lvl="1"/>
+            <a:r>
+              <a:rPr lang="en-US" sz="1400" dirty="0"/>
+              <a:t>Replaced dummy ‘Select’ values with nan</a:t>
+            </a:r>
+          </a:p>
+          <a:p>
+            <a:pPr lvl="1"/>
+            <a:r>
+              <a:rPr lang="en-US" sz="1400" dirty="0"/>
+              <a:t>Obtained count and proportion of null values in each column, large distribution of null values shown below </a:t>
+            </a:r>
+            <a:r>
+              <a:rPr lang="en-US" sz="1400" dirty="0" err="1"/>
+              <a:t>ie</a:t>
+            </a:r>
+            <a:r>
+              <a:rPr lang="en-US" sz="1400" dirty="0"/>
+              <a:t>., &gt; 40%</a:t>
+            </a:r>
+          </a:p>
+          <a:p>
+            <a:pPr lvl="2"/>
+            <a:endParaRPr lang="en-US" sz="1000" dirty="0"/>
+          </a:p>
+          <a:p>
+            <a:pPr lvl="1"/>
+            <a:endParaRPr lang="en-US" sz="1400" dirty="0"/>
+          </a:p>
+          <a:p>
+            <a:endParaRPr lang="en-US" sz="1800" dirty="0"/>
+          </a:p>
+          <a:p>
+            <a:pPr lvl="1"/>
+            <a:r>
+              <a:rPr lang="en-US" sz="1400" dirty="0"/>
+              <a:t>Removed these attributes to avoid bias in predictions</a:t>
+            </a:r>
+          </a:p>
+          <a:p>
+            <a:pPr lvl="1"/>
+            <a:r>
+              <a:rPr lang="en-US" sz="1400" dirty="0"/>
+              <a:t>Replaced missing values on the column </a:t>
+            </a:r>
+          </a:p>
+          <a:p>
+            <a:pPr lvl="2"/>
+            <a:endParaRPr lang="en-US" sz="1000" dirty="0"/>
+          </a:p>
+          <a:p>
+            <a:pPr lvl="2"/>
+            <a:endParaRPr lang="en-US" sz="1000" dirty="0"/>
+          </a:p>
+          <a:p>
+            <a:pPr lvl="2"/>
+            <a:endParaRPr lang="en-US" sz="1000" dirty="0"/>
+          </a:p>
+          <a:p>
+            <a:pPr lvl="1"/>
+            <a:r>
+              <a:rPr lang="en-US" sz="1400" dirty="0"/>
+              <a:t>Replaced certain low frequent values on the column</a:t>
+            </a:r>
+          </a:p>
+          <a:p>
+            <a:pPr lvl="2"/>
+            <a:endParaRPr lang="en-US" sz="1000" dirty="0"/>
+          </a:p>
+          <a:p>
+            <a:pPr lvl="1"/>
+            <a:endParaRPr lang="en-US" sz="1400" dirty="0"/>
+          </a:p>
         </p:txBody>
       </p:sp>
       <p:sp>
@@ -7143,18 +8235,23 @@
           <p:cNvPr id="4" name="Slide Number Placeholder 3">
             <a:extLst>
               <a:ext uri="{FF2B5EF4-FFF2-40B4-BE49-F238E27FC236}">
-                <a16:creationId xmlns:a16="http://schemas.microsoft.com/office/drawing/2014/main" id="{8F66EF30-AFDC-4C12-BEC4-9DF0F2F7BD01}"/>
-              </a:ext>
-            </a:extLst>
-          </p:cNvPr>
-          <p:cNvSpPr>
-            <a:spLocks noGrp="1"/>
-          </p:cNvSpPr>
-          <p:nvPr>
-            <p:ph type="sldNum" sz="quarter" idx="12"/>
-          </p:nvPr>
-        </p:nvSpPr>
-        <p:spPr/>
+                <a16:creationId xmlns:a16="http://schemas.microsoft.com/office/drawing/2014/main" id="{AE018482-926B-47DC-B80B-205799601825}"/>
+              </a:ext>
+            </a:extLst>
+          </p:cNvPr>
+          <p:cNvSpPr>
+            <a:spLocks noGrp="1"/>
+          </p:cNvSpPr>
+          <p:nvPr>
+            <p:ph type="sldNum" sz="quarter" idx="16"/>
+          </p:nvPr>
+        </p:nvSpPr>
+        <p:spPr>
+          <a:xfrm>
+            <a:off x="8610600" y="6356350"/>
+            <a:ext cx="2743200" cy="365125"/>
+          </a:xfrm>
+        </p:spPr>
         <p:txBody>
           <a:bodyPr/>
           <a:lstStyle/>
@@ -7167,10 +8264,1980 @@
           </a:p>
         </p:txBody>
       </p:sp>
+      <p:graphicFrame>
+        <p:nvGraphicFramePr>
+          <p:cNvPr id="10" name="Table 9">
+            <a:extLst>
+              <a:ext uri="{FF2B5EF4-FFF2-40B4-BE49-F238E27FC236}">
+                <a16:creationId xmlns:a16="http://schemas.microsoft.com/office/drawing/2014/main" id="{0C2BC534-5297-4DCB-9487-190B0AFC67BB}"/>
+              </a:ext>
+            </a:extLst>
+          </p:cNvPr>
+          <p:cNvGraphicFramePr>
+            <a:graphicFrameLocks noGrp="1"/>
+          </p:cNvGraphicFramePr>
+          <p:nvPr>
+            <p:extLst>
+              <p:ext uri="{D42A27DB-BD31-4B8C-83A1-F6EECF244321}">
+                <p14:modId xmlns:p14="http://schemas.microsoft.com/office/powerpoint/2010/main" val="1870397527"/>
+              </p:ext>
+            </p:extLst>
+          </p:nvPr>
+        </p:nvGraphicFramePr>
+        <p:xfrm>
+          <a:off x="1782970" y="3339465"/>
+          <a:ext cx="5969551" cy="762000"/>
+        </p:xfrm>
+        <a:graphic>
+          <a:graphicData uri="http://schemas.openxmlformats.org/drawingml/2006/table">
+            <a:tbl>
+              <a:tblPr/>
+              <a:tblGrid>
+                <a:gridCol w="2461039">
+                  <a:extLst>
+                    <a:ext uri="{9D8B030D-6E8A-4147-A177-3AD203B41FA5}">
+                      <a16:colId xmlns:a16="http://schemas.microsoft.com/office/drawing/2014/main" val="2297919716"/>
+                    </a:ext>
+                  </a:extLst>
+                </a:gridCol>
+                <a:gridCol w="1033669">
+                  <a:extLst>
+                    <a:ext uri="{9D8B030D-6E8A-4147-A177-3AD203B41FA5}">
+                      <a16:colId xmlns:a16="http://schemas.microsoft.com/office/drawing/2014/main" val="2783586324"/>
+                    </a:ext>
+                  </a:extLst>
+                </a:gridCol>
+                <a:gridCol w="2007705">
+                  <a:extLst>
+                    <a:ext uri="{9D8B030D-6E8A-4147-A177-3AD203B41FA5}">
+                      <a16:colId xmlns:a16="http://schemas.microsoft.com/office/drawing/2014/main" val="574894188"/>
+                    </a:ext>
+                  </a:extLst>
+                </a:gridCol>
+                <a:gridCol w="467138">
+                  <a:extLst>
+                    <a:ext uri="{9D8B030D-6E8A-4147-A177-3AD203B41FA5}">
+                      <a16:colId xmlns:a16="http://schemas.microsoft.com/office/drawing/2014/main" val="1528124409"/>
+                    </a:ext>
+                  </a:extLst>
+                </a:gridCol>
+              </a:tblGrid>
+              <a:tr h="182880">
+                <a:tc>
+                  <a:txBody>
+                    <a:bodyPr/>
+                    <a:lstStyle/>
+                    <a:p>
+                      <a:pPr algn="l" fontAlgn="b"/>
+                      <a:r>
+                        <a:rPr lang="en-US" sz="1200" b="0" i="0" u="none" strike="noStrike" dirty="0">
+                          <a:solidFill>
+                            <a:srgbClr val="000000"/>
+                          </a:solidFill>
+                          <a:effectLst/>
+                          <a:latin typeface="Calibri" panose="020F0502020204030204" pitchFamily="34" charset="0"/>
+                        </a:rPr>
+                        <a:t>How did you hear about X Education</a:t>
+                      </a:r>
+                    </a:p>
+                  </a:txBody>
+                  <a:tcPr marL="7620" marR="7620" marT="7620" marB="0" anchor="b">
+                    <a:lnL>
+                      <a:noFill/>
+                    </a:lnL>
+                    <a:lnR>
+                      <a:noFill/>
+                    </a:lnR>
+                    <a:lnT>
+                      <a:noFill/>
+                    </a:lnT>
+                    <a:lnB>
+                      <a:noFill/>
+                    </a:lnB>
+                  </a:tcPr>
+                </a:tc>
+                <a:tc>
+                  <a:txBody>
+                    <a:bodyPr/>
+                    <a:lstStyle/>
+                    <a:p>
+                      <a:pPr algn="l" fontAlgn="b"/>
+                      <a:r>
+                        <a:rPr lang="en-IN" sz="1200" b="0" i="0" u="none" strike="noStrike">
+                          <a:solidFill>
+                            <a:srgbClr val="000000"/>
+                          </a:solidFill>
+                          <a:effectLst/>
+                          <a:latin typeface="Calibri" panose="020F0502020204030204" pitchFamily="34" charset="0"/>
+                        </a:rPr>
+                        <a:t>78.46</a:t>
+                      </a:r>
+                    </a:p>
+                  </a:txBody>
+                  <a:tcPr marL="7620" marR="7620" marT="7620" marB="0" anchor="b">
+                    <a:lnL>
+                      <a:noFill/>
+                    </a:lnL>
+                    <a:lnR>
+                      <a:noFill/>
+                    </a:lnR>
+                    <a:lnT>
+                      <a:noFill/>
+                    </a:lnT>
+                    <a:lnB>
+                      <a:noFill/>
+                    </a:lnB>
+                  </a:tcPr>
+                </a:tc>
+                <a:tc>
+                  <a:txBody>
+                    <a:bodyPr/>
+                    <a:lstStyle/>
+                    <a:p>
+                      <a:pPr algn="l" fontAlgn="b"/>
+                      <a:r>
+                        <a:rPr lang="en-IN" sz="1200" b="0" i="0" u="none" strike="noStrike">
+                          <a:solidFill>
+                            <a:srgbClr val="000000"/>
+                          </a:solidFill>
+                          <a:effectLst/>
+                          <a:latin typeface="Calibri" panose="020F0502020204030204" pitchFamily="34" charset="0"/>
+                        </a:rPr>
+                        <a:t>Asymmetrique Activity Score</a:t>
+                      </a:r>
+                    </a:p>
+                  </a:txBody>
+                  <a:tcPr marL="7620" marR="7620" marT="7620" marB="0" anchor="b">
+                    <a:lnL>
+                      <a:noFill/>
+                    </a:lnL>
+                    <a:lnR>
+                      <a:noFill/>
+                    </a:lnR>
+                    <a:lnT>
+                      <a:noFill/>
+                    </a:lnT>
+                    <a:lnB>
+                      <a:noFill/>
+                    </a:lnB>
+                  </a:tcPr>
+                </a:tc>
+                <a:tc>
+                  <a:txBody>
+                    <a:bodyPr/>
+                    <a:lstStyle/>
+                    <a:p>
+                      <a:pPr algn="l" fontAlgn="b"/>
+                      <a:r>
+                        <a:rPr lang="en-IN" sz="1200" b="0" i="0" u="none" strike="noStrike">
+                          <a:solidFill>
+                            <a:srgbClr val="000000"/>
+                          </a:solidFill>
+                          <a:effectLst/>
+                          <a:latin typeface="Calibri" panose="020F0502020204030204" pitchFamily="34" charset="0"/>
+                        </a:rPr>
+                        <a:t>45.65</a:t>
+                      </a:r>
+                    </a:p>
+                  </a:txBody>
+                  <a:tcPr marL="7620" marR="7620" marT="7620" marB="0" anchor="b">
+                    <a:lnL>
+                      <a:noFill/>
+                    </a:lnL>
+                    <a:lnR>
+                      <a:noFill/>
+                    </a:lnR>
+                    <a:lnT>
+                      <a:noFill/>
+                    </a:lnT>
+                    <a:lnB>
+                      <a:noFill/>
+                    </a:lnB>
+                  </a:tcPr>
+                </a:tc>
+                <a:extLst>
+                  <a:ext uri="{0D108BD9-81ED-4DB2-BD59-A6C34878D82A}">
+                    <a16:rowId xmlns:a16="http://schemas.microsoft.com/office/drawing/2014/main" val="3863267357"/>
+                  </a:ext>
+                </a:extLst>
+              </a:tr>
+              <a:tr h="182880">
+                <a:tc>
+                  <a:txBody>
+                    <a:bodyPr/>
+                    <a:lstStyle/>
+                    <a:p>
+                      <a:pPr algn="l" fontAlgn="b"/>
+                      <a:r>
+                        <a:rPr lang="en-IN" sz="1200" b="0" i="0" u="none" strike="noStrike">
+                          <a:solidFill>
+                            <a:srgbClr val="000000"/>
+                          </a:solidFill>
+                          <a:effectLst/>
+                          <a:latin typeface="Calibri" panose="020F0502020204030204" pitchFamily="34" charset="0"/>
+                        </a:rPr>
+                        <a:t>Lead Profile</a:t>
+                      </a:r>
+                    </a:p>
+                  </a:txBody>
+                  <a:tcPr marL="7620" marR="7620" marT="7620" marB="0" anchor="b">
+                    <a:lnL>
+                      <a:noFill/>
+                    </a:lnL>
+                    <a:lnR>
+                      <a:noFill/>
+                    </a:lnR>
+                    <a:lnT>
+                      <a:noFill/>
+                    </a:lnT>
+                    <a:lnB>
+                      <a:noFill/>
+                    </a:lnB>
+                  </a:tcPr>
+                </a:tc>
+                <a:tc>
+                  <a:txBody>
+                    <a:bodyPr/>
+                    <a:lstStyle/>
+                    <a:p>
+                      <a:pPr algn="l" fontAlgn="b"/>
+                      <a:r>
+                        <a:rPr lang="en-IN" sz="1200" b="0" i="0" u="none" strike="noStrike" dirty="0">
+                          <a:solidFill>
+                            <a:srgbClr val="000000"/>
+                          </a:solidFill>
+                          <a:effectLst/>
+                          <a:latin typeface="Calibri" panose="020F0502020204030204" pitchFamily="34" charset="0"/>
+                        </a:rPr>
+                        <a:t>74.19</a:t>
+                      </a:r>
+                    </a:p>
+                  </a:txBody>
+                  <a:tcPr marL="7620" marR="7620" marT="7620" marB="0" anchor="b">
+                    <a:lnL>
+                      <a:noFill/>
+                    </a:lnL>
+                    <a:lnR>
+                      <a:noFill/>
+                    </a:lnR>
+                    <a:lnT>
+                      <a:noFill/>
+                    </a:lnT>
+                    <a:lnB>
+                      <a:noFill/>
+                    </a:lnB>
+                  </a:tcPr>
+                </a:tc>
+                <a:tc>
+                  <a:txBody>
+                    <a:bodyPr/>
+                    <a:lstStyle/>
+                    <a:p>
+                      <a:pPr algn="l" fontAlgn="b"/>
+                      <a:r>
+                        <a:rPr lang="en-IN" sz="1200" b="0" i="0" u="none" strike="noStrike" dirty="0" err="1">
+                          <a:solidFill>
+                            <a:srgbClr val="000000"/>
+                          </a:solidFill>
+                          <a:effectLst/>
+                          <a:latin typeface="Calibri" panose="020F0502020204030204" pitchFamily="34" charset="0"/>
+                        </a:rPr>
+                        <a:t>Asymmetrique</a:t>
+                      </a:r>
+                      <a:r>
+                        <a:rPr lang="en-IN" sz="1200" b="0" i="0" u="none" strike="noStrike" dirty="0">
+                          <a:solidFill>
+                            <a:srgbClr val="000000"/>
+                          </a:solidFill>
+                          <a:effectLst/>
+                          <a:latin typeface="Calibri" panose="020F0502020204030204" pitchFamily="34" charset="0"/>
+                        </a:rPr>
+                        <a:t> Profile Score</a:t>
+                      </a:r>
+                    </a:p>
+                  </a:txBody>
+                  <a:tcPr marL="7620" marR="7620" marT="7620" marB="0" anchor="b">
+                    <a:lnL>
+                      <a:noFill/>
+                    </a:lnL>
+                    <a:lnR>
+                      <a:noFill/>
+                    </a:lnR>
+                    <a:lnT>
+                      <a:noFill/>
+                    </a:lnT>
+                    <a:lnB>
+                      <a:noFill/>
+                    </a:lnB>
+                  </a:tcPr>
+                </a:tc>
+                <a:tc>
+                  <a:txBody>
+                    <a:bodyPr/>
+                    <a:lstStyle/>
+                    <a:p>
+                      <a:pPr algn="l" fontAlgn="b"/>
+                      <a:r>
+                        <a:rPr lang="en-IN" sz="1200" b="0" i="0" u="none" strike="noStrike" dirty="0">
+                          <a:solidFill>
+                            <a:srgbClr val="000000"/>
+                          </a:solidFill>
+                          <a:effectLst/>
+                          <a:latin typeface="Calibri" panose="020F0502020204030204" pitchFamily="34" charset="0"/>
+                        </a:rPr>
+                        <a:t>45.65</a:t>
+                      </a:r>
+                    </a:p>
+                  </a:txBody>
+                  <a:tcPr marL="7620" marR="7620" marT="7620" marB="0" anchor="b">
+                    <a:lnL>
+                      <a:noFill/>
+                    </a:lnL>
+                    <a:lnR>
+                      <a:noFill/>
+                    </a:lnR>
+                    <a:lnT>
+                      <a:noFill/>
+                    </a:lnT>
+                    <a:lnB>
+                      <a:noFill/>
+                    </a:lnB>
+                  </a:tcPr>
+                </a:tc>
+                <a:extLst>
+                  <a:ext uri="{0D108BD9-81ED-4DB2-BD59-A6C34878D82A}">
+                    <a16:rowId xmlns:a16="http://schemas.microsoft.com/office/drawing/2014/main" val="988762571"/>
+                  </a:ext>
+                </a:extLst>
+              </a:tr>
+              <a:tr h="182880">
+                <a:tc>
+                  <a:txBody>
+                    <a:bodyPr/>
+                    <a:lstStyle/>
+                    <a:p>
+                      <a:pPr algn="l" fontAlgn="b"/>
+                      <a:r>
+                        <a:rPr lang="en-IN" sz="1200" b="0" i="0" u="none" strike="noStrike" dirty="0">
+                          <a:solidFill>
+                            <a:srgbClr val="000000"/>
+                          </a:solidFill>
+                          <a:effectLst/>
+                          <a:latin typeface="Calibri" panose="020F0502020204030204" pitchFamily="34" charset="0"/>
+                        </a:rPr>
+                        <a:t>Lead Quality</a:t>
+                      </a:r>
+                    </a:p>
+                  </a:txBody>
+                  <a:tcPr marL="7620" marR="7620" marT="7620" marB="0" anchor="b">
+                    <a:lnL>
+                      <a:noFill/>
+                    </a:lnL>
+                    <a:lnR>
+                      <a:noFill/>
+                    </a:lnR>
+                    <a:lnT>
+                      <a:noFill/>
+                    </a:lnT>
+                    <a:lnB>
+                      <a:noFill/>
+                    </a:lnB>
+                  </a:tcPr>
+                </a:tc>
+                <a:tc>
+                  <a:txBody>
+                    <a:bodyPr/>
+                    <a:lstStyle/>
+                    <a:p>
+                      <a:pPr algn="l" fontAlgn="b"/>
+                      <a:r>
+                        <a:rPr lang="en-IN" sz="1200" b="0" i="0" u="none" strike="noStrike">
+                          <a:solidFill>
+                            <a:srgbClr val="000000"/>
+                          </a:solidFill>
+                          <a:effectLst/>
+                          <a:latin typeface="Calibri" panose="020F0502020204030204" pitchFamily="34" charset="0"/>
+                        </a:rPr>
+                        <a:t>51.59</a:t>
+                      </a:r>
+                    </a:p>
+                  </a:txBody>
+                  <a:tcPr marL="7620" marR="7620" marT="7620" marB="0" anchor="b">
+                    <a:lnL>
+                      <a:noFill/>
+                    </a:lnL>
+                    <a:lnR>
+                      <a:noFill/>
+                    </a:lnR>
+                    <a:lnT>
+                      <a:noFill/>
+                    </a:lnT>
+                    <a:lnB>
+                      <a:noFill/>
+                    </a:lnB>
+                  </a:tcPr>
+                </a:tc>
+                <a:tc>
+                  <a:txBody>
+                    <a:bodyPr/>
+                    <a:lstStyle/>
+                    <a:p>
+                      <a:pPr algn="l" fontAlgn="b"/>
+                      <a:r>
+                        <a:rPr lang="en-IN" sz="1200" b="0" i="0" u="none" strike="noStrike" dirty="0" err="1">
+                          <a:solidFill>
+                            <a:srgbClr val="000000"/>
+                          </a:solidFill>
+                          <a:effectLst/>
+                          <a:latin typeface="Calibri" panose="020F0502020204030204" pitchFamily="34" charset="0"/>
+                        </a:rPr>
+                        <a:t>Asymmetrique</a:t>
+                      </a:r>
+                      <a:r>
+                        <a:rPr lang="en-IN" sz="1200" b="0" i="0" u="none" strike="noStrike" dirty="0">
+                          <a:solidFill>
+                            <a:srgbClr val="000000"/>
+                          </a:solidFill>
+                          <a:effectLst/>
+                          <a:latin typeface="Calibri" panose="020F0502020204030204" pitchFamily="34" charset="0"/>
+                        </a:rPr>
+                        <a:t> Profile Index</a:t>
+                      </a:r>
+                    </a:p>
+                  </a:txBody>
+                  <a:tcPr marL="7620" marR="7620" marT="7620" marB="0" anchor="b">
+                    <a:lnL>
+                      <a:noFill/>
+                    </a:lnL>
+                    <a:lnR>
+                      <a:noFill/>
+                    </a:lnR>
+                    <a:lnT>
+                      <a:noFill/>
+                    </a:lnT>
+                    <a:lnB>
+                      <a:noFill/>
+                    </a:lnB>
+                  </a:tcPr>
+                </a:tc>
+                <a:tc>
+                  <a:txBody>
+                    <a:bodyPr/>
+                    <a:lstStyle/>
+                    <a:p>
+                      <a:pPr algn="l" fontAlgn="b"/>
+                      <a:r>
+                        <a:rPr lang="en-IN" sz="1200" b="0" i="0" u="none" strike="noStrike">
+                          <a:solidFill>
+                            <a:srgbClr val="000000"/>
+                          </a:solidFill>
+                          <a:effectLst/>
+                          <a:latin typeface="Calibri" panose="020F0502020204030204" pitchFamily="34" charset="0"/>
+                        </a:rPr>
+                        <a:t>45.65</a:t>
+                      </a:r>
+                    </a:p>
+                  </a:txBody>
+                  <a:tcPr marL="7620" marR="7620" marT="7620" marB="0" anchor="b">
+                    <a:lnL>
+                      <a:noFill/>
+                    </a:lnL>
+                    <a:lnR>
+                      <a:noFill/>
+                    </a:lnR>
+                    <a:lnT>
+                      <a:noFill/>
+                    </a:lnT>
+                    <a:lnB>
+                      <a:noFill/>
+                    </a:lnB>
+                  </a:tcPr>
+                </a:tc>
+                <a:extLst>
+                  <a:ext uri="{0D108BD9-81ED-4DB2-BD59-A6C34878D82A}">
+                    <a16:rowId xmlns:a16="http://schemas.microsoft.com/office/drawing/2014/main" val="127542058"/>
+                  </a:ext>
+                </a:extLst>
+              </a:tr>
+              <a:tr h="182880">
+                <a:tc>
+                  <a:txBody>
+                    <a:bodyPr/>
+                    <a:lstStyle/>
+                    <a:p>
+                      <a:pPr algn="l" fontAlgn="b"/>
+                      <a:endParaRPr lang="en-IN" sz="1200" b="0" i="0" u="none" strike="noStrike" dirty="0">
+                        <a:solidFill>
+                          <a:srgbClr val="000000"/>
+                        </a:solidFill>
+                        <a:effectLst/>
+                        <a:latin typeface="Calibri" panose="020F0502020204030204" pitchFamily="34" charset="0"/>
+                      </a:endParaRPr>
+                    </a:p>
+                  </a:txBody>
+                  <a:tcPr marL="7620" marR="7620" marT="7620" marB="0" anchor="b">
+                    <a:lnL>
+                      <a:noFill/>
+                    </a:lnL>
+                    <a:lnR>
+                      <a:noFill/>
+                    </a:lnR>
+                    <a:lnT>
+                      <a:noFill/>
+                    </a:lnT>
+                    <a:lnB>
+                      <a:noFill/>
+                    </a:lnB>
+                  </a:tcPr>
+                </a:tc>
+                <a:tc>
+                  <a:txBody>
+                    <a:bodyPr/>
+                    <a:lstStyle/>
+                    <a:p>
+                      <a:pPr algn="l" fontAlgn="b"/>
+                      <a:endParaRPr lang="en-IN" sz="1200" b="0" i="0" u="none" strike="noStrike" dirty="0">
+                        <a:solidFill>
+                          <a:srgbClr val="000000"/>
+                        </a:solidFill>
+                        <a:effectLst/>
+                        <a:latin typeface="Calibri" panose="020F0502020204030204" pitchFamily="34" charset="0"/>
+                      </a:endParaRPr>
+                    </a:p>
+                  </a:txBody>
+                  <a:tcPr marL="7620" marR="7620" marT="7620" marB="0" anchor="b">
+                    <a:lnL>
+                      <a:noFill/>
+                    </a:lnL>
+                    <a:lnR>
+                      <a:noFill/>
+                    </a:lnR>
+                    <a:lnT>
+                      <a:noFill/>
+                    </a:lnT>
+                    <a:lnB>
+                      <a:noFill/>
+                    </a:lnB>
+                  </a:tcPr>
+                </a:tc>
+                <a:tc>
+                  <a:txBody>
+                    <a:bodyPr/>
+                    <a:lstStyle/>
+                    <a:p>
+                      <a:pPr algn="l" fontAlgn="b"/>
+                      <a:r>
+                        <a:rPr lang="en-IN" sz="1200" b="0" i="0" u="none" strike="noStrike" dirty="0" err="1">
+                          <a:solidFill>
+                            <a:srgbClr val="000000"/>
+                          </a:solidFill>
+                          <a:effectLst/>
+                          <a:latin typeface="Calibri" panose="020F0502020204030204" pitchFamily="34" charset="0"/>
+                        </a:rPr>
+                        <a:t>Asymmetrique</a:t>
+                      </a:r>
+                      <a:r>
+                        <a:rPr lang="en-IN" sz="1200" b="0" i="0" u="none" strike="noStrike" dirty="0">
+                          <a:solidFill>
+                            <a:srgbClr val="000000"/>
+                          </a:solidFill>
+                          <a:effectLst/>
+                          <a:latin typeface="Calibri" panose="020F0502020204030204" pitchFamily="34" charset="0"/>
+                        </a:rPr>
+                        <a:t> Activity Index</a:t>
+                      </a:r>
+                    </a:p>
+                  </a:txBody>
+                  <a:tcPr marL="7620" marR="7620" marT="7620" marB="0" anchor="b">
+                    <a:lnL>
+                      <a:noFill/>
+                    </a:lnL>
+                    <a:lnR>
+                      <a:noFill/>
+                    </a:lnR>
+                    <a:lnT>
+                      <a:noFill/>
+                    </a:lnT>
+                    <a:lnB>
+                      <a:noFill/>
+                    </a:lnB>
+                  </a:tcPr>
+                </a:tc>
+                <a:tc>
+                  <a:txBody>
+                    <a:bodyPr/>
+                    <a:lstStyle/>
+                    <a:p>
+                      <a:pPr algn="l" fontAlgn="b"/>
+                      <a:r>
+                        <a:rPr lang="en-IN" sz="1200" b="0" i="0" u="none" strike="noStrike" dirty="0">
+                          <a:solidFill>
+                            <a:srgbClr val="000000"/>
+                          </a:solidFill>
+                          <a:effectLst/>
+                          <a:latin typeface="Calibri" panose="020F0502020204030204" pitchFamily="34" charset="0"/>
+                        </a:rPr>
+                        <a:t>45.65</a:t>
+                      </a:r>
+                    </a:p>
+                  </a:txBody>
+                  <a:tcPr marL="7620" marR="7620" marT="7620" marB="0" anchor="b">
+                    <a:lnL>
+                      <a:noFill/>
+                    </a:lnL>
+                    <a:lnR>
+                      <a:noFill/>
+                    </a:lnR>
+                    <a:lnT>
+                      <a:noFill/>
+                    </a:lnT>
+                    <a:lnB>
+                      <a:noFill/>
+                    </a:lnB>
+                  </a:tcPr>
+                </a:tc>
+                <a:extLst>
+                  <a:ext uri="{0D108BD9-81ED-4DB2-BD59-A6C34878D82A}">
+                    <a16:rowId xmlns:a16="http://schemas.microsoft.com/office/drawing/2014/main" val="1873258387"/>
+                  </a:ext>
+                </a:extLst>
+              </a:tr>
+            </a:tbl>
+          </a:graphicData>
+        </a:graphic>
+      </p:graphicFrame>
+      <p:graphicFrame>
+        <p:nvGraphicFramePr>
+          <p:cNvPr id="14" name="Table 13">
+            <a:extLst>
+              <a:ext uri="{FF2B5EF4-FFF2-40B4-BE49-F238E27FC236}">
+                <a16:creationId xmlns:a16="http://schemas.microsoft.com/office/drawing/2014/main" id="{A9BE8A0C-D25A-47FF-9A43-FEAE93727E38}"/>
+              </a:ext>
+            </a:extLst>
+          </p:cNvPr>
+          <p:cNvGraphicFramePr>
+            <a:graphicFrameLocks noGrp="1"/>
+          </p:cNvGraphicFramePr>
+          <p:nvPr>
+            <p:extLst>
+              <p:ext uri="{D42A27DB-BD31-4B8C-83A1-F6EECF244321}">
+                <p14:modId xmlns:p14="http://schemas.microsoft.com/office/powerpoint/2010/main" val="112865122"/>
+              </p:ext>
+            </p:extLst>
+          </p:nvPr>
+        </p:nvGraphicFramePr>
+        <p:xfrm>
+          <a:off x="1782970" y="4663686"/>
+          <a:ext cx="9570830" cy="571500"/>
+        </p:xfrm>
+        <a:graphic>
+          <a:graphicData uri="http://schemas.openxmlformats.org/drawingml/2006/table">
+            <a:tbl>
+              <a:tblPr/>
+              <a:tblGrid>
+                <a:gridCol w="2585624">
+                  <a:extLst>
+                    <a:ext uri="{9D8B030D-6E8A-4147-A177-3AD203B41FA5}">
+                      <a16:colId xmlns:a16="http://schemas.microsoft.com/office/drawing/2014/main" val="2297919716"/>
+                    </a:ext>
+                  </a:extLst>
+                </a:gridCol>
+                <a:gridCol w="3669693">
+                  <a:extLst>
+                    <a:ext uri="{9D8B030D-6E8A-4147-A177-3AD203B41FA5}">
+                      <a16:colId xmlns:a16="http://schemas.microsoft.com/office/drawing/2014/main" val="2783586324"/>
+                    </a:ext>
+                  </a:extLst>
+                </a:gridCol>
+                <a:gridCol w="3315513">
+                  <a:extLst>
+                    <a:ext uri="{9D8B030D-6E8A-4147-A177-3AD203B41FA5}">
+                      <a16:colId xmlns:a16="http://schemas.microsoft.com/office/drawing/2014/main" val="574894188"/>
+                    </a:ext>
+                  </a:extLst>
+                </a:gridCol>
+              </a:tblGrid>
+              <a:tr h="182880">
+                <a:tc>
+                  <a:txBody>
+                    <a:bodyPr/>
+                    <a:lstStyle/>
+                    <a:p>
+                      <a:pPr algn="l" fontAlgn="b"/>
+                      <a:r>
+                        <a:rPr lang="en-US" sz="1200" b="0" i="0" u="none" strike="noStrike" dirty="0">
+                          <a:solidFill>
+                            <a:srgbClr val="000000"/>
+                          </a:solidFill>
+                          <a:effectLst/>
+                          <a:latin typeface="Calibri" panose="020F0502020204030204" pitchFamily="34" charset="0"/>
+                        </a:rPr>
+                        <a:t>‘City’ with Mode = ‘Mumbai’.</a:t>
+                      </a:r>
+                    </a:p>
+                  </a:txBody>
+                  <a:tcPr marL="7620" marR="7620" marT="7620" marB="0" anchor="b">
+                    <a:lnL w="12700" cap="flat" cmpd="sng" algn="ctr">
+                      <a:noFill/>
+                      <a:prstDash val="solid"/>
+                      <a:round/>
+                      <a:headEnd type="none" w="med" len="med"/>
+                      <a:tailEnd type="none" w="med" len="med"/>
+                    </a:lnL>
+                    <a:lnR w="12700" cap="flat" cmpd="sng" algn="ctr">
+                      <a:noFill/>
+                      <a:prstDash val="solid"/>
+                      <a:round/>
+                      <a:headEnd type="none" w="med" len="med"/>
+                      <a:tailEnd type="none" w="med" len="med"/>
+                    </a:lnR>
+                    <a:lnT w="12700" cap="flat" cmpd="sng" algn="ctr">
+                      <a:noFill/>
+                      <a:prstDash val="solid"/>
+                      <a:round/>
+                      <a:headEnd type="none" w="med" len="med"/>
+                      <a:tailEnd type="none" w="med" len="med"/>
+                    </a:lnT>
+                    <a:lnB w="12700" cap="flat" cmpd="sng" algn="ctr">
+                      <a:noFill/>
+                      <a:prstDash val="solid"/>
+                      <a:round/>
+                      <a:headEnd type="none" w="med" len="med"/>
+                      <a:tailEnd type="none" w="med" len="med"/>
+                    </a:lnB>
+                    <a:lnTlToBr w="12700" cmpd="sng">
+                      <a:noFill/>
+                      <a:prstDash val="solid"/>
+                    </a:lnTlToBr>
+                    <a:lnBlToTr w="12700" cmpd="sng">
+                      <a:noFill/>
+                      <a:prstDash val="solid"/>
+                    </a:lnBlToTr>
+                  </a:tcPr>
+                </a:tc>
+                <a:tc>
+                  <a:txBody>
+                    <a:bodyPr/>
+                    <a:lstStyle/>
+                    <a:p>
+                      <a:pPr algn="l" fontAlgn="b"/>
+                      <a:r>
+                        <a:rPr lang="en-US" sz="1200" b="0" i="0" u="none" strike="noStrike" dirty="0">
+                          <a:solidFill>
+                            <a:srgbClr val="000000"/>
+                          </a:solidFill>
+                          <a:effectLst/>
+                          <a:latin typeface="Calibri" panose="020F0502020204030204" pitchFamily="34" charset="0"/>
+                        </a:rPr>
+                        <a:t>‘What is your current occupation’ with ‘Unemployed’</a:t>
+                      </a:r>
+                      <a:endParaRPr lang="en-IN" sz="1200" b="0" i="0" u="none" strike="noStrike" dirty="0">
+                        <a:solidFill>
+                          <a:srgbClr val="000000"/>
+                        </a:solidFill>
+                        <a:effectLst/>
+                        <a:latin typeface="Calibri" panose="020F0502020204030204" pitchFamily="34" charset="0"/>
+                      </a:endParaRPr>
+                    </a:p>
+                  </a:txBody>
+                  <a:tcPr marL="7620" marR="7620" marT="7620" marB="0" anchor="b">
+                    <a:lnL w="12700" cap="flat" cmpd="sng" algn="ctr">
+                      <a:noFill/>
+                      <a:prstDash val="solid"/>
+                      <a:round/>
+                      <a:headEnd type="none" w="med" len="med"/>
+                      <a:tailEnd type="none" w="med" len="med"/>
+                    </a:lnL>
+                    <a:lnR w="12700" cap="flat" cmpd="sng" algn="ctr">
+                      <a:noFill/>
+                      <a:prstDash val="solid"/>
+                      <a:round/>
+                      <a:headEnd type="none" w="med" len="med"/>
+                      <a:tailEnd type="none" w="med" len="med"/>
+                    </a:lnR>
+                    <a:lnT w="12700" cap="flat" cmpd="sng" algn="ctr">
+                      <a:noFill/>
+                      <a:prstDash val="solid"/>
+                      <a:round/>
+                      <a:headEnd type="none" w="med" len="med"/>
+                      <a:tailEnd type="none" w="med" len="med"/>
+                    </a:lnT>
+                    <a:lnB w="12700" cap="flat" cmpd="sng" algn="ctr">
+                      <a:noFill/>
+                      <a:prstDash val="solid"/>
+                      <a:round/>
+                      <a:headEnd type="none" w="med" len="med"/>
+                      <a:tailEnd type="none" w="med" len="med"/>
+                    </a:lnB>
+                    <a:lnTlToBr w="12700" cmpd="sng">
+                      <a:noFill/>
+                      <a:prstDash val="solid"/>
+                    </a:lnTlToBr>
+                    <a:lnBlToTr w="12700" cmpd="sng">
+                      <a:noFill/>
+                      <a:prstDash val="solid"/>
+                    </a:lnBlToTr>
+                  </a:tcPr>
+                </a:tc>
+                <a:tc>
+                  <a:txBody>
+                    <a:bodyPr/>
+                    <a:lstStyle/>
+                    <a:p>
+                      <a:pPr algn="l" fontAlgn="b"/>
+                      <a:endParaRPr lang="en-IN" sz="1200" b="0" i="0" u="none" strike="noStrike" dirty="0">
+                        <a:solidFill>
+                          <a:srgbClr val="000000"/>
+                        </a:solidFill>
+                        <a:effectLst/>
+                        <a:latin typeface="Calibri" panose="020F0502020204030204" pitchFamily="34" charset="0"/>
+                      </a:endParaRPr>
+                    </a:p>
+                  </a:txBody>
+                  <a:tcPr marL="7620" marR="7620" marT="7620" marB="0" anchor="b">
+                    <a:lnL w="12700" cap="flat" cmpd="sng" algn="ctr">
+                      <a:noFill/>
+                      <a:prstDash val="solid"/>
+                      <a:round/>
+                      <a:headEnd type="none" w="med" len="med"/>
+                      <a:tailEnd type="none" w="med" len="med"/>
+                    </a:lnL>
+                    <a:lnR w="12700" cap="flat" cmpd="sng" algn="ctr">
+                      <a:noFill/>
+                      <a:prstDash val="solid"/>
+                      <a:round/>
+                      <a:headEnd type="none" w="med" len="med"/>
+                      <a:tailEnd type="none" w="med" len="med"/>
+                    </a:lnR>
+                    <a:lnT w="12700" cap="flat" cmpd="sng" algn="ctr">
+                      <a:noFill/>
+                      <a:prstDash val="solid"/>
+                      <a:round/>
+                      <a:headEnd type="none" w="med" len="med"/>
+                      <a:tailEnd type="none" w="med" len="med"/>
+                    </a:lnT>
+                    <a:lnB w="12700" cap="flat" cmpd="sng" algn="ctr">
+                      <a:noFill/>
+                      <a:prstDash val="solid"/>
+                      <a:round/>
+                      <a:headEnd type="none" w="med" len="med"/>
+                      <a:tailEnd type="none" w="med" len="med"/>
+                    </a:lnB>
+                    <a:lnTlToBr w="12700" cmpd="sng">
+                      <a:noFill/>
+                      <a:prstDash val="solid"/>
+                    </a:lnTlToBr>
+                    <a:lnBlToTr w="12700" cmpd="sng">
+                      <a:noFill/>
+                      <a:prstDash val="solid"/>
+                    </a:lnBlToTr>
+                  </a:tcPr>
+                </a:tc>
+                <a:extLst>
+                  <a:ext uri="{0D108BD9-81ED-4DB2-BD59-A6C34878D82A}">
+                    <a16:rowId xmlns:a16="http://schemas.microsoft.com/office/drawing/2014/main" val="3863267357"/>
+                  </a:ext>
+                </a:extLst>
+              </a:tr>
+              <a:tr h="182880">
+                <a:tc>
+                  <a:txBody>
+                    <a:bodyPr/>
+                    <a:lstStyle/>
+                    <a:p>
+                      <a:pPr marL="0" marR="0" lvl="0" indent="0" algn="l" defTabSz="914400" rtl="0" eaLnBrk="1" fontAlgn="b" latinLnBrk="0" hangingPunct="1">
+                        <a:lnSpc>
+                          <a:spcPct val="100000"/>
+                        </a:lnSpc>
+                        <a:spcBef>
+                          <a:spcPts val="0"/>
+                        </a:spcBef>
+                        <a:spcAft>
+                          <a:spcPts val="0"/>
+                        </a:spcAft>
+                        <a:buClrTx/>
+                        <a:buSzTx/>
+                        <a:buFontTx/>
+                        <a:buNone/>
+                        <a:tabLst/>
+                        <a:defRPr/>
+                      </a:pPr>
+                      <a:r>
+                        <a:rPr lang="en-US" sz="1200" b="0" i="0" u="none" strike="noStrike" dirty="0">
+                          <a:solidFill>
+                            <a:srgbClr val="000000"/>
+                          </a:solidFill>
+                          <a:effectLst/>
+                          <a:latin typeface="Calibri" panose="020F0502020204030204" pitchFamily="34" charset="0"/>
+                        </a:rPr>
+                        <a:t>‘Specialization’ with ‘Not Specified’</a:t>
+                      </a:r>
+                    </a:p>
+                  </a:txBody>
+                  <a:tcPr marL="7620" marR="7620" marT="7620" marB="0" anchor="b">
+                    <a:lnL w="12700" cap="flat" cmpd="sng" algn="ctr">
+                      <a:noFill/>
+                      <a:prstDash val="solid"/>
+                      <a:round/>
+                      <a:headEnd type="none" w="med" len="med"/>
+                      <a:tailEnd type="none" w="med" len="med"/>
+                    </a:lnL>
+                    <a:lnR w="12700" cap="flat" cmpd="sng" algn="ctr">
+                      <a:noFill/>
+                      <a:prstDash val="solid"/>
+                      <a:round/>
+                      <a:headEnd type="none" w="med" len="med"/>
+                      <a:tailEnd type="none" w="med" len="med"/>
+                    </a:lnR>
+                    <a:lnT w="12700" cap="flat" cmpd="sng" algn="ctr">
+                      <a:noFill/>
+                      <a:prstDash val="solid"/>
+                      <a:round/>
+                      <a:headEnd type="none" w="med" len="med"/>
+                      <a:tailEnd type="none" w="med" len="med"/>
+                    </a:lnT>
+                    <a:lnB w="12700" cap="flat" cmpd="sng" algn="ctr">
+                      <a:noFill/>
+                      <a:prstDash val="solid"/>
+                      <a:round/>
+                      <a:headEnd type="none" w="med" len="med"/>
+                      <a:tailEnd type="none" w="med" len="med"/>
+                    </a:lnB>
+                    <a:lnTlToBr w="12700" cmpd="sng">
+                      <a:noFill/>
+                      <a:prstDash val="solid"/>
+                    </a:lnTlToBr>
+                    <a:lnBlToTr w="12700" cmpd="sng">
+                      <a:noFill/>
+                      <a:prstDash val="solid"/>
+                    </a:lnBlToTr>
+                  </a:tcPr>
+                </a:tc>
+                <a:tc>
+                  <a:txBody>
+                    <a:bodyPr/>
+                    <a:lstStyle/>
+                    <a:p>
+                      <a:pPr marL="0" marR="0" lvl="0" indent="0" algn="l" defTabSz="914400" rtl="0" eaLnBrk="1" fontAlgn="b" latinLnBrk="0" hangingPunct="1">
+                        <a:lnSpc>
+                          <a:spcPct val="100000"/>
+                        </a:lnSpc>
+                        <a:spcBef>
+                          <a:spcPts val="0"/>
+                        </a:spcBef>
+                        <a:spcAft>
+                          <a:spcPts val="0"/>
+                        </a:spcAft>
+                        <a:buClrTx/>
+                        <a:buSzTx/>
+                        <a:buFontTx/>
+                        <a:buNone/>
+                        <a:tabLst/>
+                        <a:defRPr/>
+                      </a:pPr>
+                      <a:r>
+                        <a:rPr lang="en-US" sz="1200" b="0" i="0" u="none" strike="noStrike" dirty="0">
+                          <a:solidFill>
+                            <a:srgbClr val="000000"/>
+                          </a:solidFill>
+                          <a:effectLst/>
+                          <a:latin typeface="Calibri" panose="020F0502020204030204" pitchFamily="34" charset="0"/>
+                        </a:rPr>
+                        <a:t>‘Lead Source’ with ‘Others’</a:t>
+                      </a:r>
+                    </a:p>
+                  </a:txBody>
+                  <a:tcPr marL="7620" marR="7620" marT="7620" marB="0" anchor="b">
+                    <a:lnL w="12700" cap="flat" cmpd="sng" algn="ctr">
+                      <a:noFill/>
+                      <a:prstDash val="solid"/>
+                      <a:round/>
+                      <a:headEnd type="none" w="med" len="med"/>
+                      <a:tailEnd type="none" w="med" len="med"/>
+                    </a:lnL>
+                    <a:lnR w="12700" cap="flat" cmpd="sng" algn="ctr">
+                      <a:noFill/>
+                      <a:prstDash val="solid"/>
+                      <a:round/>
+                      <a:headEnd type="none" w="med" len="med"/>
+                      <a:tailEnd type="none" w="med" len="med"/>
+                    </a:lnR>
+                    <a:lnT w="12700" cap="flat" cmpd="sng" algn="ctr">
+                      <a:noFill/>
+                      <a:prstDash val="solid"/>
+                      <a:round/>
+                      <a:headEnd type="none" w="med" len="med"/>
+                      <a:tailEnd type="none" w="med" len="med"/>
+                    </a:lnT>
+                    <a:lnB w="12700" cap="flat" cmpd="sng" algn="ctr">
+                      <a:noFill/>
+                      <a:prstDash val="solid"/>
+                      <a:round/>
+                      <a:headEnd type="none" w="med" len="med"/>
+                      <a:tailEnd type="none" w="med" len="med"/>
+                    </a:lnB>
+                    <a:lnTlToBr w="12700" cmpd="sng">
+                      <a:noFill/>
+                      <a:prstDash val="solid"/>
+                    </a:lnTlToBr>
+                    <a:lnBlToTr w="12700" cmpd="sng">
+                      <a:noFill/>
+                      <a:prstDash val="solid"/>
+                    </a:lnBlToTr>
+                  </a:tcPr>
+                </a:tc>
+                <a:tc>
+                  <a:txBody>
+                    <a:bodyPr/>
+                    <a:lstStyle/>
+                    <a:p>
+                      <a:pPr algn="l" fontAlgn="b"/>
+                      <a:endParaRPr lang="en-IN" sz="1200" b="0" i="0" u="none" strike="noStrike" dirty="0">
+                        <a:solidFill>
+                          <a:srgbClr val="000000"/>
+                        </a:solidFill>
+                        <a:effectLst/>
+                        <a:latin typeface="Calibri" panose="020F0502020204030204" pitchFamily="34" charset="0"/>
+                      </a:endParaRPr>
+                    </a:p>
+                  </a:txBody>
+                  <a:tcPr marL="7620" marR="7620" marT="7620" marB="0" anchor="b">
+                    <a:lnL w="12700" cap="flat" cmpd="sng" algn="ctr">
+                      <a:noFill/>
+                      <a:prstDash val="solid"/>
+                      <a:round/>
+                      <a:headEnd type="none" w="med" len="med"/>
+                      <a:tailEnd type="none" w="med" len="med"/>
+                    </a:lnL>
+                    <a:lnR w="12700" cap="flat" cmpd="sng" algn="ctr">
+                      <a:noFill/>
+                      <a:prstDash val="solid"/>
+                      <a:round/>
+                      <a:headEnd type="none" w="med" len="med"/>
+                      <a:tailEnd type="none" w="med" len="med"/>
+                    </a:lnR>
+                    <a:lnT w="12700" cap="flat" cmpd="sng" algn="ctr">
+                      <a:noFill/>
+                      <a:prstDash val="solid"/>
+                      <a:round/>
+                      <a:headEnd type="none" w="med" len="med"/>
+                      <a:tailEnd type="none" w="med" len="med"/>
+                    </a:lnT>
+                    <a:lnB w="12700" cap="flat" cmpd="sng" algn="ctr">
+                      <a:noFill/>
+                      <a:prstDash val="solid"/>
+                      <a:round/>
+                      <a:headEnd type="none" w="med" len="med"/>
+                      <a:tailEnd type="none" w="med" len="med"/>
+                    </a:lnB>
+                    <a:lnTlToBr w="12700" cmpd="sng">
+                      <a:noFill/>
+                      <a:prstDash val="solid"/>
+                    </a:lnTlToBr>
+                    <a:lnBlToTr w="12700" cmpd="sng">
+                      <a:noFill/>
+                      <a:prstDash val="solid"/>
+                    </a:lnBlToTr>
+                  </a:tcPr>
+                </a:tc>
+                <a:extLst>
+                  <a:ext uri="{0D108BD9-81ED-4DB2-BD59-A6C34878D82A}">
+                    <a16:rowId xmlns:a16="http://schemas.microsoft.com/office/drawing/2014/main" val="988762571"/>
+                  </a:ext>
+                </a:extLst>
+              </a:tr>
+              <a:tr h="182880">
+                <a:tc>
+                  <a:txBody>
+                    <a:bodyPr/>
+                    <a:lstStyle/>
+                    <a:p>
+                      <a:pPr marL="0" marR="0" lvl="0" indent="0" algn="l" defTabSz="914400" rtl="0" eaLnBrk="1" fontAlgn="b" latinLnBrk="0" hangingPunct="1">
+                        <a:lnSpc>
+                          <a:spcPct val="100000"/>
+                        </a:lnSpc>
+                        <a:spcBef>
+                          <a:spcPts val="0"/>
+                        </a:spcBef>
+                        <a:spcAft>
+                          <a:spcPts val="0"/>
+                        </a:spcAft>
+                        <a:buClrTx/>
+                        <a:buSzTx/>
+                        <a:buFontTx/>
+                        <a:buNone/>
+                        <a:tabLst/>
+                        <a:defRPr/>
+                      </a:pPr>
+                      <a:r>
+                        <a:rPr lang="en-US" sz="1200" b="0" i="0" u="none" strike="noStrike" dirty="0">
+                          <a:solidFill>
+                            <a:srgbClr val="000000"/>
+                          </a:solidFill>
+                          <a:effectLst/>
+                          <a:latin typeface="Calibri" panose="020F0502020204030204" pitchFamily="34" charset="0"/>
+                        </a:rPr>
+                        <a:t>‘Tags’ with ‘Not Specified</a:t>
+                      </a:r>
+                    </a:p>
+                  </a:txBody>
+                  <a:tcPr marL="7620" marR="7620" marT="7620" marB="0" anchor="b">
+                    <a:lnL w="12700" cap="flat" cmpd="sng" algn="ctr">
+                      <a:noFill/>
+                      <a:prstDash val="solid"/>
+                      <a:round/>
+                      <a:headEnd type="none" w="med" len="med"/>
+                      <a:tailEnd type="none" w="med" len="med"/>
+                    </a:lnL>
+                    <a:lnR w="12700" cap="flat" cmpd="sng" algn="ctr">
+                      <a:noFill/>
+                      <a:prstDash val="solid"/>
+                      <a:round/>
+                      <a:headEnd type="none" w="med" len="med"/>
+                      <a:tailEnd type="none" w="med" len="med"/>
+                    </a:lnR>
+                    <a:lnT w="12700" cap="flat" cmpd="sng" algn="ctr">
+                      <a:noFill/>
+                      <a:prstDash val="solid"/>
+                      <a:round/>
+                      <a:headEnd type="none" w="med" len="med"/>
+                      <a:tailEnd type="none" w="med" len="med"/>
+                    </a:lnT>
+                    <a:lnB w="12700" cap="flat" cmpd="sng" algn="ctr">
+                      <a:noFill/>
+                      <a:prstDash val="solid"/>
+                      <a:round/>
+                      <a:headEnd type="none" w="med" len="med"/>
+                      <a:tailEnd type="none" w="med" len="med"/>
+                    </a:lnB>
+                    <a:lnTlToBr w="12700" cmpd="sng">
+                      <a:noFill/>
+                      <a:prstDash val="solid"/>
+                    </a:lnTlToBr>
+                    <a:lnBlToTr w="12700" cmpd="sng">
+                      <a:noFill/>
+                      <a:prstDash val="solid"/>
+                    </a:lnBlToTr>
+                  </a:tcPr>
+                </a:tc>
+                <a:tc>
+                  <a:txBody>
+                    <a:bodyPr/>
+                    <a:lstStyle/>
+                    <a:p>
+                      <a:pPr algn="l" fontAlgn="b"/>
+                      <a:r>
+                        <a:rPr lang="en-IN" sz="1200" b="0" i="0" u="none" strike="noStrike" dirty="0">
+                          <a:solidFill>
+                            <a:srgbClr val="000000"/>
+                          </a:solidFill>
+                          <a:effectLst/>
+                          <a:latin typeface="Calibri" panose="020F0502020204030204" pitchFamily="34" charset="0"/>
+                        </a:rPr>
+                        <a:t>‘Last Activity’ with ‘Others’</a:t>
+                      </a:r>
+                    </a:p>
+                  </a:txBody>
+                  <a:tcPr marL="7620" marR="7620" marT="7620" marB="0" anchor="b">
+                    <a:lnL w="12700" cap="flat" cmpd="sng" algn="ctr">
+                      <a:noFill/>
+                      <a:prstDash val="solid"/>
+                      <a:round/>
+                      <a:headEnd type="none" w="med" len="med"/>
+                      <a:tailEnd type="none" w="med" len="med"/>
+                    </a:lnL>
+                    <a:lnR w="12700" cap="flat" cmpd="sng" algn="ctr">
+                      <a:noFill/>
+                      <a:prstDash val="solid"/>
+                      <a:round/>
+                      <a:headEnd type="none" w="med" len="med"/>
+                      <a:tailEnd type="none" w="med" len="med"/>
+                    </a:lnR>
+                    <a:lnT w="12700" cap="flat" cmpd="sng" algn="ctr">
+                      <a:noFill/>
+                      <a:prstDash val="solid"/>
+                      <a:round/>
+                      <a:headEnd type="none" w="med" len="med"/>
+                      <a:tailEnd type="none" w="med" len="med"/>
+                    </a:lnT>
+                    <a:lnB w="12700" cap="flat" cmpd="sng" algn="ctr">
+                      <a:noFill/>
+                      <a:prstDash val="solid"/>
+                      <a:round/>
+                      <a:headEnd type="none" w="med" len="med"/>
+                      <a:tailEnd type="none" w="med" len="med"/>
+                    </a:lnB>
+                    <a:lnTlToBr w="12700" cmpd="sng">
+                      <a:noFill/>
+                      <a:prstDash val="solid"/>
+                    </a:lnTlToBr>
+                    <a:lnBlToTr w="12700" cmpd="sng">
+                      <a:noFill/>
+                      <a:prstDash val="solid"/>
+                    </a:lnBlToTr>
+                  </a:tcPr>
+                </a:tc>
+                <a:tc>
+                  <a:txBody>
+                    <a:bodyPr/>
+                    <a:lstStyle/>
+                    <a:p>
+                      <a:pPr algn="l" fontAlgn="b"/>
+                      <a:endParaRPr lang="en-IN" sz="1200" b="0" i="0" u="none" strike="noStrike" dirty="0">
+                        <a:solidFill>
+                          <a:srgbClr val="000000"/>
+                        </a:solidFill>
+                        <a:effectLst/>
+                        <a:latin typeface="Calibri" panose="020F0502020204030204" pitchFamily="34" charset="0"/>
+                      </a:endParaRPr>
+                    </a:p>
+                  </a:txBody>
+                  <a:tcPr marL="7620" marR="7620" marT="7620" marB="0" anchor="b">
+                    <a:lnL w="12700" cap="flat" cmpd="sng" algn="ctr">
+                      <a:noFill/>
+                      <a:prstDash val="solid"/>
+                      <a:round/>
+                      <a:headEnd type="none" w="med" len="med"/>
+                      <a:tailEnd type="none" w="med" len="med"/>
+                    </a:lnL>
+                    <a:lnR w="12700" cap="flat" cmpd="sng" algn="ctr">
+                      <a:noFill/>
+                      <a:prstDash val="solid"/>
+                      <a:round/>
+                      <a:headEnd type="none" w="med" len="med"/>
+                      <a:tailEnd type="none" w="med" len="med"/>
+                    </a:lnR>
+                    <a:lnT w="12700" cap="flat" cmpd="sng" algn="ctr">
+                      <a:noFill/>
+                      <a:prstDash val="solid"/>
+                      <a:round/>
+                      <a:headEnd type="none" w="med" len="med"/>
+                      <a:tailEnd type="none" w="med" len="med"/>
+                    </a:lnT>
+                    <a:lnB w="12700" cap="flat" cmpd="sng" algn="ctr">
+                      <a:noFill/>
+                      <a:prstDash val="solid"/>
+                      <a:round/>
+                      <a:headEnd type="none" w="med" len="med"/>
+                      <a:tailEnd type="none" w="med" len="med"/>
+                    </a:lnB>
+                    <a:lnTlToBr w="12700" cmpd="sng">
+                      <a:noFill/>
+                      <a:prstDash val="solid"/>
+                    </a:lnTlToBr>
+                    <a:lnBlToTr w="12700" cmpd="sng">
+                      <a:noFill/>
+                      <a:prstDash val="solid"/>
+                    </a:lnBlToTr>
+                  </a:tcPr>
+                </a:tc>
+                <a:extLst>
+                  <a:ext uri="{0D108BD9-81ED-4DB2-BD59-A6C34878D82A}">
+                    <a16:rowId xmlns:a16="http://schemas.microsoft.com/office/drawing/2014/main" val="127542058"/>
+                  </a:ext>
+                </a:extLst>
+              </a:tr>
+            </a:tbl>
+          </a:graphicData>
+        </a:graphic>
+      </p:graphicFrame>
+      <p:graphicFrame>
+        <p:nvGraphicFramePr>
+          <p:cNvPr id="15" name="Table 14">
+            <a:extLst>
+              <a:ext uri="{FF2B5EF4-FFF2-40B4-BE49-F238E27FC236}">
+                <a16:creationId xmlns:a16="http://schemas.microsoft.com/office/drawing/2014/main" id="{0B16E483-AD20-48D1-894E-875924FFC832}"/>
+              </a:ext>
+            </a:extLst>
+          </p:cNvPr>
+          <p:cNvGraphicFramePr>
+            <a:graphicFrameLocks noGrp="1"/>
+          </p:cNvGraphicFramePr>
+          <p:nvPr>
+            <p:extLst>
+              <p:ext uri="{D42A27DB-BD31-4B8C-83A1-F6EECF244321}">
+                <p14:modId xmlns:p14="http://schemas.microsoft.com/office/powerpoint/2010/main" val="3672464185"/>
+              </p:ext>
+            </p:extLst>
+          </p:nvPr>
+        </p:nvGraphicFramePr>
+        <p:xfrm>
+          <a:off x="1782970" y="5524695"/>
+          <a:ext cx="9570830" cy="571500"/>
+        </p:xfrm>
+        <a:graphic>
+          <a:graphicData uri="http://schemas.openxmlformats.org/drawingml/2006/table">
+            <a:tbl>
+              <a:tblPr/>
+              <a:tblGrid>
+                <a:gridCol w="1827005">
+                  <a:extLst>
+                    <a:ext uri="{9D8B030D-6E8A-4147-A177-3AD203B41FA5}">
+                      <a16:colId xmlns:a16="http://schemas.microsoft.com/office/drawing/2014/main" val="2297919716"/>
+                    </a:ext>
+                  </a:extLst>
+                </a:gridCol>
+                <a:gridCol w="2047875">
+                  <a:extLst>
+                    <a:ext uri="{9D8B030D-6E8A-4147-A177-3AD203B41FA5}">
+                      <a16:colId xmlns:a16="http://schemas.microsoft.com/office/drawing/2014/main" val="2783586324"/>
+                    </a:ext>
+                  </a:extLst>
+                </a:gridCol>
+                <a:gridCol w="5695950">
+                  <a:extLst>
+                    <a:ext uri="{9D8B030D-6E8A-4147-A177-3AD203B41FA5}">
+                      <a16:colId xmlns:a16="http://schemas.microsoft.com/office/drawing/2014/main" val="574894188"/>
+                    </a:ext>
+                  </a:extLst>
+                </a:gridCol>
+              </a:tblGrid>
+              <a:tr h="182880">
+                <a:tc>
+                  <a:txBody>
+                    <a:bodyPr/>
+                    <a:lstStyle/>
+                    <a:p>
+                      <a:pPr algn="l" fontAlgn="b"/>
+                      <a:r>
+                        <a:rPr lang="en-US" sz="1200" b="0" i="0" u="none" strike="noStrike" dirty="0">
+                          <a:solidFill>
+                            <a:srgbClr val="000000"/>
+                          </a:solidFill>
+                          <a:effectLst/>
+                          <a:latin typeface="Calibri" panose="020F0502020204030204" pitchFamily="34" charset="0"/>
+                        </a:rPr>
+                        <a:t>‘Tags’ with ‘</a:t>
+                      </a:r>
+                      <a:r>
+                        <a:rPr lang="en-US" sz="1200" b="0" i="0" u="none" strike="noStrike" dirty="0" err="1">
+                          <a:solidFill>
+                            <a:srgbClr val="000000"/>
+                          </a:solidFill>
+                          <a:effectLst/>
+                          <a:latin typeface="Calibri" panose="020F0502020204030204" pitchFamily="34" charset="0"/>
+                        </a:rPr>
+                        <a:t>Other_Tags</a:t>
+                      </a:r>
+                      <a:r>
+                        <a:rPr lang="en-US" sz="1200" b="0" i="0" u="none" strike="noStrike" dirty="0">
+                          <a:solidFill>
+                            <a:srgbClr val="000000"/>
+                          </a:solidFill>
+                          <a:effectLst/>
+                          <a:latin typeface="Calibri" panose="020F0502020204030204" pitchFamily="34" charset="0"/>
+                        </a:rPr>
+                        <a:t>’</a:t>
+                      </a:r>
+                    </a:p>
+                  </a:txBody>
+                  <a:tcPr marL="7620" marR="7620" marT="7620" marB="0" anchor="b">
+                    <a:lnL w="12700" cap="flat" cmpd="sng" algn="ctr">
+                      <a:noFill/>
+                      <a:prstDash val="solid"/>
+                      <a:round/>
+                      <a:headEnd type="none" w="med" len="med"/>
+                      <a:tailEnd type="none" w="med" len="med"/>
+                    </a:lnL>
+                    <a:lnR w="12700" cap="flat" cmpd="sng" algn="ctr">
+                      <a:noFill/>
+                      <a:prstDash val="solid"/>
+                      <a:round/>
+                      <a:headEnd type="none" w="med" len="med"/>
+                      <a:tailEnd type="none" w="med" len="med"/>
+                    </a:lnR>
+                    <a:lnT w="12700" cap="flat" cmpd="sng" algn="ctr">
+                      <a:noFill/>
+                      <a:prstDash val="solid"/>
+                      <a:round/>
+                      <a:headEnd type="none" w="med" len="med"/>
+                      <a:tailEnd type="none" w="med" len="med"/>
+                    </a:lnT>
+                    <a:lnB w="12700" cap="flat" cmpd="sng" algn="ctr">
+                      <a:noFill/>
+                      <a:prstDash val="solid"/>
+                      <a:round/>
+                      <a:headEnd type="none" w="med" len="med"/>
+                      <a:tailEnd type="none" w="med" len="med"/>
+                    </a:lnB>
+                    <a:lnTlToBr w="12700" cmpd="sng">
+                      <a:noFill/>
+                      <a:prstDash val="solid"/>
+                    </a:lnTlToBr>
+                    <a:lnBlToTr w="12700" cmpd="sng">
+                      <a:noFill/>
+                      <a:prstDash val="solid"/>
+                    </a:lnBlToTr>
+                  </a:tcPr>
+                </a:tc>
+                <a:tc>
+                  <a:txBody>
+                    <a:bodyPr/>
+                    <a:lstStyle/>
+                    <a:p>
+                      <a:pPr algn="l" fontAlgn="b"/>
+                      <a:r>
+                        <a:rPr lang="en-US" sz="1200" b="0" i="0" u="none" strike="noStrike" dirty="0">
+                          <a:solidFill>
+                            <a:srgbClr val="000000"/>
+                          </a:solidFill>
+                          <a:effectLst/>
+                          <a:latin typeface="Calibri" panose="020F0502020204030204" pitchFamily="34" charset="0"/>
+                        </a:rPr>
+                        <a:t>‘Lead Source’ with ‘Others’</a:t>
+                      </a:r>
+                      <a:endParaRPr lang="en-IN" sz="1200" b="0" i="0" u="none" strike="noStrike" dirty="0">
+                        <a:solidFill>
+                          <a:srgbClr val="000000"/>
+                        </a:solidFill>
+                        <a:effectLst/>
+                        <a:latin typeface="Calibri" panose="020F0502020204030204" pitchFamily="34" charset="0"/>
+                      </a:endParaRPr>
+                    </a:p>
+                  </a:txBody>
+                  <a:tcPr marL="7620" marR="7620" marT="7620" marB="0" anchor="b">
+                    <a:lnL w="12700" cap="flat" cmpd="sng" algn="ctr">
+                      <a:noFill/>
+                      <a:prstDash val="solid"/>
+                      <a:round/>
+                      <a:headEnd type="none" w="med" len="med"/>
+                      <a:tailEnd type="none" w="med" len="med"/>
+                    </a:lnL>
+                    <a:lnR w="12700" cap="flat" cmpd="sng" algn="ctr">
+                      <a:noFill/>
+                      <a:prstDash val="solid"/>
+                      <a:round/>
+                      <a:headEnd type="none" w="med" len="med"/>
+                      <a:tailEnd type="none" w="med" len="med"/>
+                    </a:lnR>
+                    <a:lnT w="12700" cap="flat" cmpd="sng" algn="ctr">
+                      <a:noFill/>
+                      <a:prstDash val="solid"/>
+                      <a:round/>
+                      <a:headEnd type="none" w="med" len="med"/>
+                      <a:tailEnd type="none" w="med" len="med"/>
+                    </a:lnT>
+                    <a:lnB w="12700" cap="flat" cmpd="sng" algn="ctr">
+                      <a:noFill/>
+                      <a:prstDash val="solid"/>
+                      <a:round/>
+                      <a:headEnd type="none" w="med" len="med"/>
+                      <a:tailEnd type="none" w="med" len="med"/>
+                    </a:lnB>
+                    <a:lnTlToBr w="12700" cmpd="sng">
+                      <a:noFill/>
+                      <a:prstDash val="solid"/>
+                    </a:lnTlToBr>
+                    <a:lnBlToTr w="12700" cmpd="sng">
+                      <a:noFill/>
+                      <a:prstDash val="solid"/>
+                    </a:lnBlToTr>
+                  </a:tcPr>
+                </a:tc>
+                <a:tc>
+                  <a:txBody>
+                    <a:bodyPr/>
+                    <a:lstStyle/>
+                    <a:p>
+                      <a:pPr marL="0" marR="0" lvl="0" indent="0" algn="l" defTabSz="914400" rtl="0" eaLnBrk="1" fontAlgn="b" latinLnBrk="0" hangingPunct="1">
+                        <a:lnSpc>
+                          <a:spcPct val="100000"/>
+                        </a:lnSpc>
+                        <a:spcBef>
+                          <a:spcPts val="0"/>
+                        </a:spcBef>
+                        <a:spcAft>
+                          <a:spcPts val="0"/>
+                        </a:spcAft>
+                        <a:buClrTx/>
+                        <a:buSzTx/>
+                        <a:buFontTx/>
+                        <a:buNone/>
+                        <a:tabLst/>
+                        <a:defRPr/>
+                      </a:pPr>
+                      <a:r>
+                        <a:rPr lang="en-US" sz="1200" b="0" i="0" u="none" strike="noStrike" dirty="0">
+                          <a:solidFill>
+                            <a:srgbClr val="000000"/>
+                          </a:solidFill>
+                          <a:effectLst/>
+                          <a:latin typeface="Calibri" panose="020F0502020204030204" pitchFamily="34" charset="0"/>
+                        </a:rPr>
+                        <a:t>‘Last Activity’ with ‘Others’</a:t>
+                      </a:r>
+                    </a:p>
+                  </a:txBody>
+                  <a:tcPr marL="7620" marR="7620" marT="7620" marB="0" anchor="b">
+                    <a:lnL w="12700" cap="flat" cmpd="sng" algn="ctr">
+                      <a:noFill/>
+                      <a:prstDash val="solid"/>
+                      <a:round/>
+                      <a:headEnd type="none" w="med" len="med"/>
+                      <a:tailEnd type="none" w="med" len="med"/>
+                    </a:lnL>
+                    <a:lnR w="12700" cap="flat" cmpd="sng" algn="ctr">
+                      <a:noFill/>
+                      <a:prstDash val="solid"/>
+                      <a:round/>
+                      <a:headEnd type="none" w="med" len="med"/>
+                      <a:tailEnd type="none" w="med" len="med"/>
+                    </a:lnR>
+                    <a:lnT w="12700" cap="flat" cmpd="sng" algn="ctr">
+                      <a:noFill/>
+                      <a:prstDash val="solid"/>
+                      <a:round/>
+                      <a:headEnd type="none" w="med" len="med"/>
+                      <a:tailEnd type="none" w="med" len="med"/>
+                    </a:lnT>
+                    <a:lnB w="12700" cap="flat" cmpd="sng" algn="ctr">
+                      <a:noFill/>
+                      <a:prstDash val="solid"/>
+                      <a:round/>
+                      <a:headEnd type="none" w="med" len="med"/>
+                      <a:tailEnd type="none" w="med" len="med"/>
+                    </a:lnB>
+                    <a:lnTlToBr w="12700" cmpd="sng">
+                      <a:noFill/>
+                      <a:prstDash val="solid"/>
+                    </a:lnTlToBr>
+                    <a:lnBlToTr w="12700" cmpd="sng">
+                      <a:noFill/>
+                      <a:prstDash val="solid"/>
+                    </a:lnBlToTr>
+                  </a:tcPr>
+                </a:tc>
+                <a:extLst>
+                  <a:ext uri="{0D108BD9-81ED-4DB2-BD59-A6C34878D82A}">
+                    <a16:rowId xmlns:a16="http://schemas.microsoft.com/office/drawing/2014/main" val="3863267357"/>
+                  </a:ext>
+                </a:extLst>
+              </a:tr>
+              <a:tr h="182880">
+                <a:tc>
+                  <a:txBody>
+                    <a:bodyPr/>
+                    <a:lstStyle/>
+                    <a:p>
+                      <a:pPr marL="0" marR="0" lvl="0" indent="0" algn="l" defTabSz="914400" rtl="0" eaLnBrk="1" fontAlgn="b" latinLnBrk="0" hangingPunct="1">
+                        <a:lnSpc>
+                          <a:spcPct val="100000"/>
+                        </a:lnSpc>
+                        <a:spcBef>
+                          <a:spcPts val="0"/>
+                        </a:spcBef>
+                        <a:spcAft>
+                          <a:spcPts val="0"/>
+                        </a:spcAft>
+                        <a:buClrTx/>
+                        <a:buSzTx/>
+                        <a:buFontTx/>
+                        <a:buNone/>
+                        <a:tabLst/>
+                        <a:defRPr/>
+                      </a:pPr>
+                      <a:endParaRPr lang="en-US" sz="1200" b="0" i="0" u="none" strike="noStrike" dirty="0">
+                        <a:solidFill>
+                          <a:srgbClr val="000000"/>
+                        </a:solidFill>
+                        <a:effectLst/>
+                        <a:latin typeface="Calibri" panose="020F0502020204030204" pitchFamily="34" charset="0"/>
+                      </a:endParaRPr>
+                    </a:p>
+                  </a:txBody>
+                  <a:tcPr marL="7620" marR="7620" marT="7620" marB="0" anchor="b">
+                    <a:lnL w="12700" cap="flat" cmpd="sng" algn="ctr">
+                      <a:noFill/>
+                      <a:prstDash val="solid"/>
+                      <a:round/>
+                      <a:headEnd type="none" w="med" len="med"/>
+                      <a:tailEnd type="none" w="med" len="med"/>
+                    </a:lnL>
+                    <a:lnR w="12700" cap="flat" cmpd="sng" algn="ctr">
+                      <a:noFill/>
+                      <a:prstDash val="solid"/>
+                      <a:round/>
+                      <a:headEnd type="none" w="med" len="med"/>
+                      <a:tailEnd type="none" w="med" len="med"/>
+                    </a:lnR>
+                    <a:lnT w="12700" cap="flat" cmpd="sng" algn="ctr">
+                      <a:noFill/>
+                      <a:prstDash val="solid"/>
+                      <a:round/>
+                      <a:headEnd type="none" w="med" len="med"/>
+                      <a:tailEnd type="none" w="med" len="med"/>
+                    </a:lnT>
+                    <a:lnB w="12700" cap="flat" cmpd="sng" algn="ctr">
+                      <a:noFill/>
+                      <a:prstDash val="solid"/>
+                      <a:round/>
+                      <a:headEnd type="none" w="med" len="med"/>
+                      <a:tailEnd type="none" w="med" len="med"/>
+                    </a:lnB>
+                    <a:lnTlToBr w="12700" cmpd="sng">
+                      <a:noFill/>
+                      <a:prstDash val="solid"/>
+                    </a:lnTlToBr>
+                    <a:lnBlToTr w="12700" cmpd="sng">
+                      <a:noFill/>
+                      <a:prstDash val="solid"/>
+                    </a:lnBlToTr>
+                  </a:tcPr>
+                </a:tc>
+                <a:tc>
+                  <a:txBody>
+                    <a:bodyPr/>
+                    <a:lstStyle/>
+                    <a:p>
+                      <a:pPr marL="0" marR="0" lvl="0" indent="0" algn="l" defTabSz="914400" rtl="0" eaLnBrk="1" fontAlgn="b" latinLnBrk="0" hangingPunct="1">
+                        <a:lnSpc>
+                          <a:spcPct val="100000"/>
+                        </a:lnSpc>
+                        <a:spcBef>
+                          <a:spcPts val="0"/>
+                        </a:spcBef>
+                        <a:spcAft>
+                          <a:spcPts val="0"/>
+                        </a:spcAft>
+                        <a:buClrTx/>
+                        <a:buSzTx/>
+                        <a:buFontTx/>
+                        <a:buNone/>
+                        <a:tabLst/>
+                        <a:defRPr/>
+                      </a:pPr>
+                      <a:endParaRPr lang="en-US" sz="1200" b="0" i="0" u="none" strike="noStrike" dirty="0">
+                        <a:solidFill>
+                          <a:srgbClr val="000000"/>
+                        </a:solidFill>
+                        <a:effectLst/>
+                        <a:latin typeface="Calibri" panose="020F0502020204030204" pitchFamily="34" charset="0"/>
+                      </a:endParaRPr>
+                    </a:p>
+                  </a:txBody>
+                  <a:tcPr marL="7620" marR="7620" marT="7620" marB="0" anchor="b">
+                    <a:lnL w="12700" cap="flat" cmpd="sng" algn="ctr">
+                      <a:noFill/>
+                      <a:prstDash val="solid"/>
+                      <a:round/>
+                      <a:headEnd type="none" w="med" len="med"/>
+                      <a:tailEnd type="none" w="med" len="med"/>
+                    </a:lnL>
+                    <a:lnR w="12700" cap="flat" cmpd="sng" algn="ctr">
+                      <a:noFill/>
+                      <a:prstDash val="solid"/>
+                      <a:round/>
+                      <a:headEnd type="none" w="med" len="med"/>
+                      <a:tailEnd type="none" w="med" len="med"/>
+                    </a:lnR>
+                    <a:lnT w="12700" cap="flat" cmpd="sng" algn="ctr">
+                      <a:noFill/>
+                      <a:prstDash val="solid"/>
+                      <a:round/>
+                      <a:headEnd type="none" w="med" len="med"/>
+                      <a:tailEnd type="none" w="med" len="med"/>
+                    </a:lnT>
+                    <a:lnB w="12700" cap="flat" cmpd="sng" algn="ctr">
+                      <a:noFill/>
+                      <a:prstDash val="solid"/>
+                      <a:round/>
+                      <a:headEnd type="none" w="med" len="med"/>
+                      <a:tailEnd type="none" w="med" len="med"/>
+                    </a:lnB>
+                    <a:lnTlToBr w="12700" cmpd="sng">
+                      <a:noFill/>
+                      <a:prstDash val="solid"/>
+                    </a:lnTlToBr>
+                    <a:lnBlToTr w="12700" cmpd="sng">
+                      <a:noFill/>
+                      <a:prstDash val="solid"/>
+                    </a:lnBlToTr>
+                  </a:tcPr>
+                </a:tc>
+                <a:tc>
+                  <a:txBody>
+                    <a:bodyPr/>
+                    <a:lstStyle/>
+                    <a:p>
+                      <a:pPr algn="l" fontAlgn="b"/>
+                      <a:endParaRPr lang="en-IN" sz="1200" b="0" i="0" u="none" strike="noStrike" dirty="0">
+                        <a:solidFill>
+                          <a:srgbClr val="000000"/>
+                        </a:solidFill>
+                        <a:effectLst/>
+                        <a:latin typeface="Calibri" panose="020F0502020204030204" pitchFamily="34" charset="0"/>
+                      </a:endParaRPr>
+                    </a:p>
+                  </a:txBody>
+                  <a:tcPr marL="7620" marR="7620" marT="7620" marB="0" anchor="b">
+                    <a:lnL w="12700" cap="flat" cmpd="sng" algn="ctr">
+                      <a:noFill/>
+                      <a:prstDash val="solid"/>
+                      <a:round/>
+                      <a:headEnd type="none" w="med" len="med"/>
+                      <a:tailEnd type="none" w="med" len="med"/>
+                    </a:lnL>
+                    <a:lnR w="12700" cap="flat" cmpd="sng" algn="ctr">
+                      <a:noFill/>
+                      <a:prstDash val="solid"/>
+                      <a:round/>
+                      <a:headEnd type="none" w="med" len="med"/>
+                      <a:tailEnd type="none" w="med" len="med"/>
+                    </a:lnR>
+                    <a:lnT w="12700" cap="flat" cmpd="sng" algn="ctr">
+                      <a:noFill/>
+                      <a:prstDash val="solid"/>
+                      <a:round/>
+                      <a:headEnd type="none" w="med" len="med"/>
+                      <a:tailEnd type="none" w="med" len="med"/>
+                    </a:lnT>
+                    <a:lnB w="12700" cap="flat" cmpd="sng" algn="ctr">
+                      <a:noFill/>
+                      <a:prstDash val="solid"/>
+                      <a:round/>
+                      <a:headEnd type="none" w="med" len="med"/>
+                      <a:tailEnd type="none" w="med" len="med"/>
+                    </a:lnB>
+                    <a:lnTlToBr w="12700" cmpd="sng">
+                      <a:noFill/>
+                      <a:prstDash val="solid"/>
+                    </a:lnTlToBr>
+                    <a:lnBlToTr w="12700" cmpd="sng">
+                      <a:noFill/>
+                      <a:prstDash val="solid"/>
+                    </a:lnBlToTr>
+                  </a:tcPr>
+                </a:tc>
+                <a:extLst>
+                  <a:ext uri="{0D108BD9-81ED-4DB2-BD59-A6C34878D82A}">
+                    <a16:rowId xmlns:a16="http://schemas.microsoft.com/office/drawing/2014/main" val="988762571"/>
+                  </a:ext>
+                </a:extLst>
+              </a:tr>
+              <a:tr h="182880">
+                <a:tc>
+                  <a:txBody>
+                    <a:bodyPr/>
+                    <a:lstStyle/>
+                    <a:p>
+                      <a:pPr marL="0" marR="0" lvl="0" indent="0" algn="l" defTabSz="914400" rtl="0" eaLnBrk="1" fontAlgn="b" latinLnBrk="0" hangingPunct="1">
+                        <a:lnSpc>
+                          <a:spcPct val="100000"/>
+                        </a:lnSpc>
+                        <a:spcBef>
+                          <a:spcPts val="0"/>
+                        </a:spcBef>
+                        <a:spcAft>
+                          <a:spcPts val="0"/>
+                        </a:spcAft>
+                        <a:buClrTx/>
+                        <a:buSzTx/>
+                        <a:buFontTx/>
+                        <a:buNone/>
+                        <a:tabLst/>
+                        <a:defRPr/>
+                      </a:pPr>
+                      <a:endParaRPr lang="en-US" sz="1200" b="0" i="0" u="none" strike="noStrike" dirty="0">
+                        <a:solidFill>
+                          <a:srgbClr val="000000"/>
+                        </a:solidFill>
+                        <a:effectLst/>
+                        <a:latin typeface="Calibri" panose="020F0502020204030204" pitchFamily="34" charset="0"/>
+                      </a:endParaRPr>
+                    </a:p>
+                  </a:txBody>
+                  <a:tcPr marL="7620" marR="7620" marT="7620" marB="0" anchor="b">
+                    <a:lnL w="12700" cap="flat" cmpd="sng" algn="ctr">
+                      <a:noFill/>
+                      <a:prstDash val="solid"/>
+                      <a:round/>
+                      <a:headEnd type="none" w="med" len="med"/>
+                      <a:tailEnd type="none" w="med" len="med"/>
+                    </a:lnL>
+                    <a:lnR w="12700" cap="flat" cmpd="sng" algn="ctr">
+                      <a:noFill/>
+                      <a:prstDash val="solid"/>
+                      <a:round/>
+                      <a:headEnd type="none" w="med" len="med"/>
+                      <a:tailEnd type="none" w="med" len="med"/>
+                    </a:lnR>
+                    <a:lnT w="12700" cap="flat" cmpd="sng" algn="ctr">
+                      <a:noFill/>
+                      <a:prstDash val="solid"/>
+                      <a:round/>
+                      <a:headEnd type="none" w="med" len="med"/>
+                      <a:tailEnd type="none" w="med" len="med"/>
+                    </a:lnT>
+                    <a:lnB w="12700" cap="flat" cmpd="sng" algn="ctr">
+                      <a:noFill/>
+                      <a:prstDash val="solid"/>
+                      <a:round/>
+                      <a:headEnd type="none" w="med" len="med"/>
+                      <a:tailEnd type="none" w="med" len="med"/>
+                    </a:lnB>
+                    <a:lnTlToBr w="12700" cmpd="sng">
+                      <a:noFill/>
+                      <a:prstDash val="solid"/>
+                    </a:lnTlToBr>
+                    <a:lnBlToTr w="12700" cmpd="sng">
+                      <a:noFill/>
+                      <a:prstDash val="solid"/>
+                    </a:lnBlToTr>
+                  </a:tcPr>
+                </a:tc>
+                <a:tc>
+                  <a:txBody>
+                    <a:bodyPr/>
+                    <a:lstStyle/>
+                    <a:p>
+                      <a:pPr algn="l" fontAlgn="b"/>
+                      <a:endParaRPr lang="en-IN" sz="1200" b="0" i="0" u="none" strike="noStrike" dirty="0">
+                        <a:solidFill>
+                          <a:srgbClr val="000000"/>
+                        </a:solidFill>
+                        <a:effectLst/>
+                        <a:latin typeface="Calibri" panose="020F0502020204030204" pitchFamily="34" charset="0"/>
+                      </a:endParaRPr>
+                    </a:p>
+                  </a:txBody>
+                  <a:tcPr marL="7620" marR="7620" marT="7620" marB="0" anchor="b">
+                    <a:lnL w="12700" cap="flat" cmpd="sng" algn="ctr">
+                      <a:noFill/>
+                      <a:prstDash val="solid"/>
+                      <a:round/>
+                      <a:headEnd type="none" w="med" len="med"/>
+                      <a:tailEnd type="none" w="med" len="med"/>
+                    </a:lnL>
+                    <a:lnR w="12700" cap="flat" cmpd="sng" algn="ctr">
+                      <a:noFill/>
+                      <a:prstDash val="solid"/>
+                      <a:round/>
+                      <a:headEnd type="none" w="med" len="med"/>
+                      <a:tailEnd type="none" w="med" len="med"/>
+                    </a:lnR>
+                    <a:lnT w="12700" cap="flat" cmpd="sng" algn="ctr">
+                      <a:noFill/>
+                      <a:prstDash val="solid"/>
+                      <a:round/>
+                      <a:headEnd type="none" w="med" len="med"/>
+                      <a:tailEnd type="none" w="med" len="med"/>
+                    </a:lnT>
+                    <a:lnB w="12700" cap="flat" cmpd="sng" algn="ctr">
+                      <a:noFill/>
+                      <a:prstDash val="solid"/>
+                      <a:round/>
+                      <a:headEnd type="none" w="med" len="med"/>
+                      <a:tailEnd type="none" w="med" len="med"/>
+                    </a:lnB>
+                    <a:lnTlToBr w="12700" cmpd="sng">
+                      <a:noFill/>
+                      <a:prstDash val="solid"/>
+                    </a:lnTlToBr>
+                    <a:lnBlToTr w="12700" cmpd="sng">
+                      <a:noFill/>
+                      <a:prstDash val="solid"/>
+                    </a:lnBlToTr>
+                  </a:tcPr>
+                </a:tc>
+                <a:tc>
+                  <a:txBody>
+                    <a:bodyPr/>
+                    <a:lstStyle/>
+                    <a:p>
+                      <a:pPr algn="l" fontAlgn="b"/>
+                      <a:endParaRPr lang="en-IN" sz="1200" b="0" i="0" u="none" strike="noStrike" dirty="0">
+                        <a:solidFill>
+                          <a:srgbClr val="000000"/>
+                        </a:solidFill>
+                        <a:effectLst/>
+                        <a:latin typeface="Calibri" panose="020F0502020204030204" pitchFamily="34" charset="0"/>
+                      </a:endParaRPr>
+                    </a:p>
+                  </a:txBody>
+                  <a:tcPr marL="7620" marR="7620" marT="7620" marB="0" anchor="b">
+                    <a:lnL w="12700" cap="flat" cmpd="sng" algn="ctr">
+                      <a:noFill/>
+                      <a:prstDash val="solid"/>
+                      <a:round/>
+                      <a:headEnd type="none" w="med" len="med"/>
+                      <a:tailEnd type="none" w="med" len="med"/>
+                    </a:lnL>
+                    <a:lnR w="12700" cap="flat" cmpd="sng" algn="ctr">
+                      <a:noFill/>
+                      <a:prstDash val="solid"/>
+                      <a:round/>
+                      <a:headEnd type="none" w="med" len="med"/>
+                      <a:tailEnd type="none" w="med" len="med"/>
+                    </a:lnR>
+                    <a:lnT w="12700" cap="flat" cmpd="sng" algn="ctr">
+                      <a:noFill/>
+                      <a:prstDash val="solid"/>
+                      <a:round/>
+                      <a:headEnd type="none" w="med" len="med"/>
+                      <a:tailEnd type="none" w="med" len="med"/>
+                    </a:lnT>
+                    <a:lnB w="12700" cap="flat" cmpd="sng" algn="ctr">
+                      <a:noFill/>
+                      <a:prstDash val="solid"/>
+                      <a:round/>
+                      <a:headEnd type="none" w="med" len="med"/>
+                      <a:tailEnd type="none" w="med" len="med"/>
+                    </a:lnB>
+                    <a:lnTlToBr w="12700" cmpd="sng">
+                      <a:noFill/>
+                      <a:prstDash val="solid"/>
+                    </a:lnTlToBr>
+                    <a:lnBlToTr w="12700" cmpd="sng">
+                      <a:noFill/>
+                      <a:prstDash val="solid"/>
+                    </a:lnBlToTr>
+                  </a:tcPr>
+                </a:tc>
+                <a:extLst>
+                  <a:ext uri="{0D108BD9-81ED-4DB2-BD59-A6C34878D82A}">
+                    <a16:rowId xmlns:a16="http://schemas.microsoft.com/office/drawing/2014/main" val="127542058"/>
+                  </a:ext>
+                </a:extLst>
+              </a:tr>
+            </a:tbl>
+          </a:graphicData>
+        </a:graphic>
+      </p:graphicFrame>
+      <p:pic>
+        <p:nvPicPr>
+          <p:cNvPr id="17" name="Picture 16">
+            <a:hlinkClick r:id="rId3" action="ppaction://hlinksldjump"/>
+            <a:extLst>
+              <a:ext uri="{FF2B5EF4-FFF2-40B4-BE49-F238E27FC236}">
+                <a16:creationId xmlns:a16="http://schemas.microsoft.com/office/drawing/2014/main" id="{25A0BA5F-7EEA-41B9-B90B-8BF125DD4D09}"/>
+              </a:ext>
+            </a:extLst>
+          </p:cNvPr>
+          <p:cNvPicPr>
+            <a:picLocks noChangeAspect="1"/>
+          </p:cNvPicPr>
+          <p:nvPr/>
+        </p:nvPicPr>
+        <p:blipFill>
+          <a:blip r:embed="rId4"/>
+          <a:stretch>
+            <a:fillRect/>
+          </a:stretch>
+        </p:blipFill>
+        <p:spPr>
+          <a:xfrm>
+            <a:off x="9540976" y="168640"/>
+            <a:ext cx="1359526" cy="347502"/>
+          </a:xfrm>
+          <a:prstGeom prst="rect">
+            <a:avLst/>
+          </a:prstGeom>
+        </p:spPr>
+      </p:pic>
     </p:spTree>
     <p:extLst>
       <p:ext uri="{BB962C8B-B14F-4D97-AF65-F5344CB8AC3E}">
-        <p14:creationId xmlns:p14="http://schemas.microsoft.com/office/powerpoint/2010/main" val="1710890695"/>
+        <p14:creationId xmlns:p14="http://schemas.microsoft.com/office/powerpoint/2010/main" val="1040023283"/>
       </p:ext>
     </p:extLst>
   </p:cSld>
@@ -7202,7 +10269,7 @@
           <p:cNvPr id="2" name="Title 1">
             <a:extLst>
               <a:ext uri="{FF2B5EF4-FFF2-40B4-BE49-F238E27FC236}">
-                <a16:creationId xmlns:a16="http://schemas.microsoft.com/office/drawing/2014/main" id="{1E26468C-79BA-4654-B1F4-35E495902C14}"/>
+                <a16:creationId xmlns:a16="http://schemas.microsoft.com/office/drawing/2014/main" id="{5FFC370E-D382-409B-B21F-AC1CCAAAE6E0}"/>
               </a:ext>
             </a:extLst>
           </p:cNvPr>
@@ -7213,7 +10280,12 @@
             <p:ph type="title"/>
           </p:nvPr>
         </p:nvSpPr>
-        <p:spPr/>
+        <p:spPr>
+          <a:xfrm>
+            <a:off x="838200" y="587829"/>
+            <a:ext cx="10515600" cy="594955"/>
+          </a:xfrm>
+        </p:spPr>
         <p:txBody>
           <a:bodyPr>
             <a:normAutofit/>
@@ -7222,16 +10294,9 @@
           <a:p>
             <a:r>
               <a:rPr lang="en-IN" b="1" dirty="0"/>
-              <a:t>Current Application data - Insights </a:t>
-            </a:r>
-            <a:br>
-              <a:rPr lang="en-IN" b="1" dirty="0"/>
-            </a:br>
-            <a:r>
-              <a:rPr lang="en-IN" sz="1200" b="1" dirty="0"/>
-              <a:t>(application_data.csv)</a:t>
-            </a:r>
-            <a:endParaRPr lang="en-IN" sz="3200" b="1" dirty="0"/>
+              <a:t>EDA – Data Insights</a:t>
+            </a:r>
+            <a:endParaRPr lang="en-IN" sz="1200" b="1" dirty="0"/>
           </a:p>
         </p:txBody>
       </p:sp>
@@ -7240,7 +10305,7 @@
           <p:cNvPr id="3" name="Content Placeholder 2">
             <a:extLst>
               <a:ext uri="{FF2B5EF4-FFF2-40B4-BE49-F238E27FC236}">
-                <a16:creationId xmlns:a16="http://schemas.microsoft.com/office/drawing/2014/main" id="{78A98155-96F0-482C-83D8-96FCA61D67D2}"/>
+                <a16:creationId xmlns:a16="http://schemas.microsoft.com/office/drawing/2014/main" id="{E2A4AB5F-01E2-46C2-85DC-18F0969F31E7}"/>
               </a:ext>
             </a:extLst>
           </p:cNvPr>
@@ -7251,7 +10316,12 @@
             <p:ph idx="1"/>
           </p:nvPr>
         </p:nvSpPr>
-        <p:spPr/>
+        <p:spPr>
+          <a:xfrm>
+            <a:off x="838200" y="1254470"/>
+            <a:ext cx="10515600" cy="843430"/>
+          </a:xfrm>
+        </p:spPr>
         <p:txBody>
           <a:bodyPr>
             <a:normAutofit/>
@@ -7259,99 +10329,22 @@
           <a:lstStyle/>
           <a:p>
             <a:r>
-              <a:rPr lang="en-US" sz="2000" dirty="0"/>
-              <a:t>Data distribution in attributes:</a:t>
-            </a:r>
-          </a:p>
-          <a:p>
-            <a:pPr lvl="1"/>
-            <a:r>
-              <a:rPr lang="en-US" sz="1800" dirty="0"/>
-              <a:t>99.8% of the Mobile phones were reachable.</a:t>
-            </a:r>
-          </a:p>
-          <a:p>
-            <a:pPr lvl="1"/>
-            <a:r>
-              <a:rPr lang="en-US" sz="1800" dirty="0"/>
-              <a:t>~95% of Applicants have not provided their Email id. </a:t>
-            </a:r>
-          </a:p>
-          <a:p>
-            <a:pPr lvl="1"/>
-            <a:r>
-              <a:rPr lang="en-US" sz="1800" dirty="0"/>
-              <a:t>~82% of Applicants have provided their (Employment) work phone number. Almost all Applicants have provided their mobile phone number. </a:t>
-            </a:r>
-          </a:p>
-          <a:p>
-            <a:pPr lvl="1"/>
-            <a:r>
-              <a:rPr lang="en-US" sz="1800" dirty="0"/>
-              <a:t>~72% of Applicants have not provided their home phone number. </a:t>
-            </a:r>
-          </a:p>
-          <a:p>
-            <a:pPr lvl="1"/>
-            <a:r>
-              <a:rPr lang="en-US" sz="1800" dirty="0"/>
-              <a:t>~80% of Applicants have not provided their (Office) work phone number. </a:t>
-            </a:r>
-          </a:p>
-          <a:p>
-            <a:pPr lvl="1"/>
-            <a:r>
-              <a:rPr lang="en-US" sz="1800" dirty="0"/>
-              <a:t>18% of Applicants’ Living and working city is different. </a:t>
-            </a:r>
-          </a:p>
-          <a:p>
-            <a:pPr lvl="1"/>
-            <a:r>
-              <a:rPr lang="en-US" sz="1800" dirty="0"/>
-              <a:t>Only 4.1% of Applicants Living and Working region are different. </a:t>
-            </a:r>
-          </a:p>
-          <a:p>
-            <a:pPr lvl="1"/>
-            <a:r>
-              <a:rPr lang="en-US" sz="1800" dirty="0"/>
-              <a:t>Majority ~74% of the applicants are from regions with rating 2.</a:t>
-            </a:r>
-          </a:p>
-          <a:p>
-            <a:pPr lvl="1"/>
-            <a:r>
-              <a:rPr lang="en-US" sz="1800" dirty="0"/>
-              <a:t>Majority ~74% of the applicants are from city with rating 2. </a:t>
-            </a:r>
-          </a:p>
-          <a:p>
-            <a:pPr lvl="1"/>
-            <a:r>
-              <a:rPr lang="en-US" sz="1800" dirty="0"/>
-              <a:t>18% of Applicants' Permanent address city and Working city are different. </a:t>
-            </a:r>
-          </a:p>
-          <a:p>
-            <a:pPr lvl="1"/>
-            <a:r>
-              <a:rPr lang="en-US" sz="1800" dirty="0"/>
-              <a:t>18% of Applicants' Permanent address region and Living region are different. </a:t>
-            </a:r>
-          </a:p>
-          <a:p>
-            <a:pPr lvl="1"/>
-            <a:r>
-              <a:rPr lang="en-US" sz="1800" dirty="0"/>
-              <a:t>18% of Applicants' Permanent address region and Working region are different. </a:t>
-            </a:r>
-          </a:p>
-          <a:p>
-            <a:pPr lvl="1"/>
-            <a:r>
-              <a:rPr lang="en-US" sz="1800" dirty="0"/>
-              <a:t>18% of Applicants' Permanent address city and Living city are different. </a:t>
+              <a:rPr lang="en-IN" sz="1400" dirty="0"/>
+              <a:t>Based on </a:t>
+            </a:r>
+            <a:r>
+              <a:rPr lang="en-IN" sz="1400" b="1" dirty="0"/>
+              <a:t>Specialization</a:t>
+            </a:r>
+            <a:r>
+              <a:rPr lang="en-IN" sz="1400" dirty="0"/>
+              <a:t>, more number and significant proportion of leads are converted among these choices:: Management: Finance, Human Resource, Marketing, and Operations.</a:t>
+            </a:r>
+          </a:p>
+          <a:p>
+            <a:r>
+              <a:rPr lang="en-IN" sz="1400" dirty="0"/>
+              <a:t>After grouping all Management Specializations as one, it has highest number of leads converted.</a:t>
             </a:r>
           </a:p>
         </p:txBody>
@@ -7361,18 +10354,23 @@
           <p:cNvPr id="4" name="Slide Number Placeholder 3">
             <a:extLst>
               <a:ext uri="{FF2B5EF4-FFF2-40B4-BE49-F238E27FC236}">
-                <a16:creationId xmlns:a16="http://schemas.microsoft.com/office/drawing/2014/main" id="{6F8373CD-AB88-4099-A271-9572B64389EB}"/>
-              </a:ext>
-            </a:extLst>
-          </p:cNvPr>
-          <p:cNvSpPr>
-            <a:spLocks noGrp="1"/>
-          </p:cNvSpPr>
-          <p:nvPr>
-            <p:ph type="sldNum" sz="quarter" idx="12"/>
-          </p:nvPr>
-        </p:nvSpPr>
-        <p:spPr/>
+                <a16:creationId xmlns:a16="http://schemas.microsoft.com/office/drawing/2014/main" id="{AE018482-926B-47DC-B80B-205799601825}"/>
+              </a:ext>
+            </a:extLst>
+          </p:cNvPr>
+          <p:cNvSpPr>
+            <a:spLocks noGrp="1"/>
+          </p:cNvSpPr>
+          <p:nvPr>
+            <p:ph type="sldNum" sz="quarter" idx="16"/>
+          </p:nvPr>
+        </p:nvSpPr>
+        <p:spPr>
+          <a:xfrm>
+            <a:off x="8610600" y="6356350"/>
+            <a:ext cx="2743200" cy="365125"/>
+          </a:xfrm>
+        </p:spPr>
         <p:txBody>
           <a:bodyPr/>
           <a:lstStyle/>
@@ -7385,10 +10383,135 @@
           </a:p>
         </p:txBody>
       </p:sp>
+      <p:pic>
+        <p:nvPicPr>
+          <p:cNvPr id="6" name="Picture 5">
+            <a:hlinkClick r:id="rId3" action="ppaction://hlinksldjump"/>
+            <a:extLst>
+              <a:ext uri="{FF2B5EF4-FFF2-40B4-BE49-F238E27FC236}">
+                <a16:creationId xmlns:a16="http://schemas.microsoft.com/office/drawing/2014/main" id="{412779D6-6264-46B8-9254-B2BF6B191F08}"/>
+              </a:ext>
+            </a:extLst>
+          </p:cNvPr>
+          <p:cNvPicPr>
+            <a:picLocks noChangeAspect="1"/>
+          </p:cNvPicPr>
+          <p:nvPr/>
+        </p:nvPicPr>
+        <p:blipFill>
+          <a:blip r:embed="rId4"/>
+          <a:stretch>
+            <a:fillRect/>
+          </a:stretch>
+        </p:blipFill>
+        <p:spPr>
+          <a:xfrm>
+            <a:off x="9540976" y="168640"/>
+            <a:ext cx="1359526" cy="347502"/>
+          </a:xfrm>
+          <a:prstGeom prst="rect">
+            <a:avLst/>
+          </a:prstGeom>
+        </p:spPr>
+      </p:pic>
+      <p:pic>
+        <p:nvPicPr>
+          <p:cNvPr id="2056" name="Picture 8">
+            <a:extLst>
+              <a:ext uri="{FF2B5EF4-FFF2-40B4-BE49-F238E27FC236}">
+                <a16:creationId xmlns:a16="http://schemas.microsoft.com/office/drawing/2014/main" id="{95DB2A70-F0BB-49FC-8C0E-7D9FDDBFFAAD}"/>
+              </a:ext>
+            </a:extLst>
+          </p:cNvPr>
+          <p:cNvPicPr>
+            <a:picLocks noChangeAspect="1" noChangeArrowheads="1"/>
+          </p:cNvPicPr>
+          <p:nvPr/>
+        </p:nvPicPr>
+        <p:blipFill>
+          <a:blip r:embed="rId5">
+            <a:extLst>
+              <a:ext uri="{28A0092B-C50C-407E-A947-70E740481C1C}">
+                <a14:useLocalDpi xmlns:a14="http://schemas.microsoft.com/office/drawing/2010/main" val="0"/>
+              </a:ext>
+            </a:extLst>
+          </a:blip>
+          <a:srcRect/>
+          <a:stretch>
+            <a:fillRect/>
+          </a:stretch>
+        </p:blipFill>
+        <p:spPr bwMode="auto">
+          <a:xfrm>
+            <a:off x="6228228" y="2097900"/>
+            <a:ext cx="5281566" cy="3883505"/>
+          </a:xfrm>
+          <a:prstGeom prst="rect">
+            <a:avLst/>
+          </a:prstGeom>
+          <a:noFill/>
+          <a:extLst>
+            <a:ext uri="{909E8E84-426E-40DD-AFC4-6F175D3DCCD1}">
+              <a14:hiddenFill xmlns:a14="http://schemas.microsoft.com/office/drawing/2010/main">
+                <a:solidFill>
+                  <a:srgbClr val="FFFFFF"/>
+                </a:solidFill>
+              </a14:hiddenFill>
+            </a:ext>
+          </a:extLst>
+        </p:spPr>
+      </p:pic>
+      <p:pic>
+        <p:nvPicPr>
+          <p:cNvPr id="2058" name="Picture 10">
+            <a:extLst>
+              <a:ext uri="{FF2B5EF4-FFF2-40B4-BE49-F238E27FC236}">
+                <a16:creationId xmlns:a16="http://schemas.microsoft.com/office/drawing/2014/main" id="{5FDED23F-0E6E-4227-8265-120961CB2970}"/>
+              </a:ext>
+            </a:extLst>
+          </p:cNvPr>
+          <p:cNvPicPr>
+            <a:picLocks noChangeAspect="1" noChangeArrowheads="1"/>
+          </p:cNvPicPr>
+          <p:nvPr/>
+        </p:nvPicPr>
+        <p:blipFill>
+          <a:blip r:embed="rId6">
+            <a:extLst>
+              <a:ext uri="{28A0092B-C50C-407E-A947-70E740481C1C}">
+                <a14:useLocalDpi xmlns:a14="http://schemas.microsoft.com/office/drawing/2010/main" val="0"/>
+              </a:ext>
+            </a:extLst>
+          </a:blip>
+          <a:srcRect/>
+          <a:stretch>
+            <a:fillRect/>
+          </a:stretch>
+        </p:blipFill>
+        <p:spPr bwMode="auto">
+          <a:xfrm>
+            <a:off x="946661" y="2097900"/>
+            <a:ext cx="5281567" cy="3883505"/>
+          </a:xfrm>
+          <a:prstGeom prst="rect">
+            <a:avLst/>
+          </a:prstGeom>
+          <a:noFill/>
+          <a:extLst>
+            <a:ext uri="{909E8E84-426E-40DD-AFC4-6F175D3DCCD1}">
+              <a14:hiddenFill xmlns:a14="http://schemas.microsoft.com/office/drawing/2010/main">
+                <a:solidFill>
+                  <a:srgbClr val="FFFFFF"/>
+                </a:solidFill>
+              </a14:hiddenFill>
+            </a:ext>
+          </a:extLst>
+        </p:spPr>
+      </p:pic>
     </p:spTree>
     <p:extLst>
       <p:ext uri="{BB962C8B-B14F-4D97-AF65-F5344CB8AC3E}">
-        <p14:creationId xmlns:p14="http://schemas.microsoft.com/office/powerpoint/2010/main" val="1129549132"/>
+        <p14:creationId xmlns:p14="http://schemas.microsoft.com/office/powerpoint/2010/main" val="2724639110"/>
       </p:ext>
     </p:extLst>
   </p:cSld>
